--- a/filesets/compete_snowflake/snowflake_migration_blockers.pptx
+++ b/filesets/compete_snowflake/snowflake_migration_blockers.pptx
@@ -220,7 +220,7 @@
           <a:p>
             <a:fld id="{C7103FDF-5845-2441-8890-D723FF5A85D0}" type="datetimeFigureOut">
               <a:rPr lang="en-US" smtClean="0"/>
-              <a:t>25-Jun-20</a:t>
+              <a:t>8/10/2020</a:t>
             </a:fld>
             <a:endParaRPr lang="en-US"/>
           </a:p>
@@ -31343,9 +31343,9 @@
         <p:grpSpPr>
           <a:xfrm>
             <a:off x="843079" y="1840169"/>
-            <a:ext cx="2185605" cy="610831"/>
+            <a:ext cx="2185605" cy="795497"/>
             <a:chOff x="812462" y="1646497"/>
-            <a:chExt cx="2185605" cy="610831"/>
+            <a:chExt cx="2185605" cy="795497"/>
           </a:xfrm>
         </p:grpSpPr>
         <p:sp>
@@ -31363,7 +31363,7 @@
           <p:spPr>
             <a:xfrm>
               <a:off x="812462" y="1980329"/>
-              <a:ext cx="2185605" cy="276999"/>
+              <a:ext cx="2185605" cy="461665"/>
             </a:xfrm>
             <a:prstGeom prst="rect">
               <a:avLst/>
@@ -31377,6 +31377,18 @@
             <a:lstStyle/>
             <a:p>
               <a:r>
+                <a:rPr lang="en-US" sz="1200" dirty="0"/>
+                <a:t>{{</a:t>
+              </a:r>
+              <a:r>
+                <a:rPr lang="en-US" sz="1200" dirty="0" err="1"/>
+                <a:t>val:dat_index_count_for_pptx.csv</a:t>
+              </a:r>
+              <a:r>
+                <a:rPr lang="en-US" sz="1200" dirty="0"/>
+                <a:t>[1:2]}}</a:t>
+              </a:r>
+              <a:r>
                 <a:rPr lang="en-IN" sz="1200" dirty="0">
                   <a:solidFill>
                     <a:schemeClr val="tx2"/>
@@ -31384,7 +31396,7 @@
                   <a:latin typeface="Arial" pitchFamily="34" charset="0"/>
                   <a:cs typeface="Arial" pitchFamily="34" charset="0"/>
                 </a:rPr>
-                <a:t>36,784 UPI Defined</a:t>
+                <a:t> UPI Defined</a:t>
               </a:r>
             </a:p>
           </p:txBody>
@@ -32732,7 +32744,7 @@
             </a:ln>
             <a:extLst>
               <a:ext uri="{91240B29-F687-4f45-9708-019B960494DF}">
-                <a14:hiddenLine xmlns="" xmlns:a14="http://schemas.microsoft.com/office/drawing/2010/main" w="9525">
+                <a14:hiddenLine xmlns:a14="http://schemas.microsoft.com/office/drawing/2010/main" xmlns="" w="9525">
                   <a:solidFill>
                     <a:srgbClr val="000000"/>
                   </a:solidFill>
@@ -32784,7 +32796,7 @@
             </a:ln>
             <a:extLst>
               <a:ext uri="{91240B29-F687-4f45-9708-019B960494DF}">
-                <a14:hiddenLine xmlns="" xmlns:a14="http://schemas.microsoft.com/office/drawing/2010/main" w="9525">
+                <a14:hiddenLine xmlns:a14="http://schemas.microsoft.com/office/drawing/2010/main" xmlns="" w="9525">
                   <a:solidFill>
                     <a:srgbClr val="000000"/>
                   </a:solidFill>
@@ -32836,7 +32848,7 @@
             </a:ln>
             <a:extLst>
               <a:ext uri="{91240B29-F687-4f45-9708-019B960494DF}">
-                <a14:hiddenLine xmlns="" xmlns:a14="http://schemas.microsoft.com/office/drawing/2010/main" w="9525">
+                <a14:hiddenLine xmlns:a14="http://schemas.microsoft.com/office/drawing/2010/main" xmlns="" w="9525">
                   <a:solidFill>
                     <a:srgbClr val="000000"/>
                   </a:solidFill>
@@ -32888,7 +32900,7 @@
             </a:ln>
             <a:extLst>
               <a:ext uri="{91240B29-F687-4f45-9708-019B960494DF}">
-                <a14:hiddenLine xmlns="" xmlns:a14="http://schemas.microsoft.com/office/drawing/2010/main" w="9525">
+                <a14:hiddenLine xmlns:a14="http://schemas.microsoft.com/office/drawing/2010/main" xmlns="" w="9525">
                   <a:solidFill>
                     <a:srgbClr val="000000"/>
                   </a:solidFill>
@@ -33341,7 +33353,7 @@
             </a:ln>
             <a:extLst>
               <a:ext uri="{91240B29-F687-4f45-9708-019B960494DF}">
-                <a14:hiddenLine xmlns="" xmlns:a14="http://schemas.microsoft.com/office/drawing/2010/main" w="9525">
+                <a14:hiddenLine xmlns:a14="http://schemas.microsoft.com/office/drawing/2010/main" xmlns="" w="9525">
                   <a:solidFill>
                     <a:srgbClr val="000000"/>
                   </a:solidFill>
@@ -33591,7 +33603,7 @@
             </a:ln>
             <a:extLst>
               <a:ext uri="{91240B29-F687-4f45-9708-019B960494DF}">
-                <a14:hiddenLine xmlns="" xmlns:a14="http://schemas.microsoft.com/office/drawing/2010/main" w="9525">
+                <a14:hiddenLine xmlns:a14="http://schemas.microsoft.com/office/drawing/2010/main" xmlns="" w="9525">
                   <a:solidFill>
                     <a:srgbClr val="000000"/>
                   </a:solidFill>
@@ -34069,7 +34081,7 @@
             </a:ln>
             <a:extLst>
               <a:ext uri="{91240B29-F687-4f45-9708-019B960494DF}">
-                <a14:hiddenLine xmlns="" xmlns:a14="http://schemas.microsoft.com/office/drawing/2010/main" w="9525">
+                <a14:hiddenLine xmlns:a14="http://schemas.microsoft.com/office/drawing/2010/main" xmlns="" w="9525">
                   <a:solidFill>
                     <a:srgbClr val="000000"/>
                   </a:solidFill>
@@ -36062,7 +36074,7 @@
             </a:ln>
             <a:extLst>
               <a:ext uri="{91240B29-F687-4f45-9708-019B960494DF}">
-                <a14:hiddenLine xmlns="" xmlns:a14="http://schemas.microsoft.com/office/drawing/2010/main" w="9525">
+                <a14:hiddenLine xmlns:a14="http://schemas.microsoft.com/office/drawing/2010/main" xmlns="" w="9525">
                   <a:solidFill>
                     <a:srgbClr val="000000"/>
                   </a:solidFill>
@@ -36292,7 +36304,7 @@
             </a:ln>
             <a:extLst>
               <a:ext uri="{91240B29-F687-4f45-9708-019B960494DF}">
-                <a14:hiddenLine xmlns="" xmlns:a14="http://schemas.microsoft.com/office/drawing/2010/main" w="9525">
+                <a14:hiddenLine xmlns:a14="http://schemas.microsoft.com/office/drawing/2010/main" xmlns="" w="9525">
                   <a:solidFill>
                     <a:srgbClr val="000000"/>
                   </a:solidFill>
@@ -36402,7 +36414,7 @@
             </a:ln>
             <a:extLst>
               <a:ext uri="{91240B29-F687-4f45-9708-019B960494DF}">
-                <a14:hiddenLine xmlns="" xmlns:a14="http://schemas.microsoft.com/office/drawing/2010/main" w="9525">
+                <a14:hiddenLine xmlns:a14="http://schemas.microsoft.com/office/drawing/2010/main" xmlns="" w="9525">
                   <a:solidFill>
                     <a:srgbClr val="000000"/>
                   </a:solidFill>
@@ -36639,7 +36651,7 @@
             </a:ln>
             <a:extLst>
               <a:ext uri="{91240B29-F687-4f45-9708-019B960494DF}">
-                <a14:hiddenLine xmlns="" xmlns:a14="http://schemas.microsoft.com/office/drawing/2010/main" w="9525">
+                <a14:hiddenLine xmlns:a14="http://schemas.microsoft.com/office/drawing/2010/main" xmlns="" w="9525">
                   <a:solidFill>
                     <a:srgbClr val="000000"/>
                   </a:solidFill>
@@ -37262,7 +37274,7 @@
             </a:ln>
             <a:extLst>
               <a:ext uri="{91240B29-F687-4f45-9708-019B960494DF}">
-                <a14:hiddenLine xmlns="" xmlns:a14="http://schemas.microsoft.com/office/drawing/2010/main" w="9525">
+                <a14:hiddenLine xmlns:a14="http://schemas.microsoft.com/office/drawing/2010/main" xmlns="" w="9525">
                   <a:solidFill>
                     <a:srgbClr val="000000"/>
                   </a:solidFill>
@@ -37861,7 +37873,7 @@
             </a:ln>
             <a:extLst>
               <a:ext uri="{91240B29-F687-4f45-9708-019B960494DF}">
-                <a14:hiddenLine xmlns="" xmlns:a14="http://schemas.microsoft.com/office/drawing/2010/main" w="9525">
+                <a14:hiddenLine xmlns:a14="http://schemas.microsoft.com/office/drawing/2010/main" xmlns="" w="9525">
                   <a:solidFill>
                     <a:srgbClr val="000000"/>
                   </a:solidFill>
@@ -38460,7 +38472,7 @@
             </a:ln>
             <a:extLst>
               <a:ext uri="{91240B29-F687-4f45-9708-019B960494DF}">
-                <a14:hiddenLine xmlns="" xmlns:a14="http://schemas.microsoft.com/office/drawing/2010/main" w="9525">
+                <a14:hiddenLine xmlns:a14="http://schemas.microsoft.com/office/drawing/2010/main" xmlns="" w="9525">
                   <a:solidFill>
                     <a:srgbClr val="000000"/>
                   </a:solidFill>
@@ -46998,7 +47010,7 @@
             </a:ln>
             <a:extLst>
               <a:ext uri="{91240B29-F687-4f45-9708-019B960494DF}">
-                <a14:hiddenLine xmlns="" xmlns:a14="http://schemas.microsoft.com/office/drawing/2010/main" w="9525">
+                <a14:hiddenLine xmlns:a14="http://schemas.microsoft.com/office/drawing/2010/main" xmlns="" w="9525">
                   <a:solidFill>
                     <a:srgbClr val="000000"/>
                   </a:solidFill>
@@ -47050,7 +47062,7 @@
             </a:ln>
             <a:extLst>
               <a:ext uri="{91240B29-F687-4f45-9708-019B960494DF}">
-                <a14:hiddenLine xmlns="" xmlns:a14="http://schemas.microsoft.com/office/drawing/2010/main" w="9525">
+                <a14:hiddenLine xmlns:a14="http://schemas.microsoft.com/office/drawing/2010/main" xmlns="" w="9525">
                   <a:solidFill>
                     <a:srgbClr val="000000"/>
                   </a:solidFill>
@@ -47102,7 +47114,7 @@
             </a:ln>
             <a:extLst>
               <a:ext uri="{91240B29-F687-4f45-9708-019B960494DF}">
-                <a14:hiddenLine xmlns="" xmlns:a14="http://schemas.microsoft.com/office/drawing/2010/main" w="9525">
+                <a14:hiddenLine xmlns:a14="http://schemas.microsoft.com/office/drawing/2010/main" xmlns="" w="9525">
                   <a:solidFill>
                     <a:srgbClr val="000000"/>
                   </a:solidFill>
@@ -47154,7 +47166,7 @@
             </a:ln>
             <a:extLst>
               <a:ext uri="{91240B29-F687-4f45-9708-019B960494DF}">
-                <a14:hiddenLine xmlns="" xmlns:a14="http://schemas.microsoft.com/office/drawing/2010/main" w="9525">
+                <a14:hiddenLine xmlns:a14="http://schemas.microsoft.com/office/drawing/2010/main" xmlns="" w="9525">
                   <a:solidFill>
                     <a:srgbClr val="000000"/>
                   </a:solidFill>
@@ -47607,7 +47619,7 @@
             </a:ln>
             <a:extLst>
               <a:ext uri="{91240B29-F687-4f45-9708-019B960494DF}">
-                <a14:hiddenLine xmlns="" xmlns:a14="http://schemas.microsoft.com/office/drawing/2010/main" w="9525">
+                <a14:hiddenLine xmlns:a14="http://schemas.microsoft.com/office/drawing/2010/main" xmlns="" w="9525">
                   <a:solidFill>
                     <a:srgbClr val="000000"/>
                   </a:solidFill>
@@ -47857,7 +47869,7 @@
             </a:ln>
             <a:extLst>
               <a:ext uri="{91240B29-F687-4f45-9708-019B960494DF}">
-                <a14:hiddenLine xmlns="" xmlns:a14="http://schemas.microsoft.com/office/drawing/2010/main" w="9525">
+                <a14:hiddenLine xmlns:a14="http://schemas.microsoft.com/office/drawing/2010/main" xmlns="" w="9525">
                   <a:solidFill>
                     <a:srgbClr val="000000"/>
                   </a:solidFill>
@@ -48335,7 +48347,7 @@
             </a:ln>
             <a:extLst>
               <a:ext uri="{91240B29-F687-4f45-9708-019B960494DF}">
-                <a14:hiddenLine xmlns="" xmlns:a14="http://schemas.microsoft.com/office/drawing/2010/main" w="9525">
+                <a14:hiddenLine xmlns:a14="http://schemas.microsoft.com/office/drawing/2010/main" xmlns="" w="9525">
                   <a:solidFill>
                     <a:srgbClr val="000000"/>
                   </a:solidFill>
@@ -50328,7 +50340,7 @@
             </a:ln>
             <a:extLst>
               <a:ext uri="{91240B29-F687-4f45-9708-019B960494DF}">
-                <a14:hiddenLine xmlns="" xmlns:a14="http://schemas.microsoft.com/office/drawing/2010/main" w="9525">
+                <a14:hiddenLine xmlns:a14="http://schemas.microsoft.com/office/drawing/2010/main" xmlns="" w="9525">
                   <a:solidFill>
                     <a:srgbClr val="000000"/>
                   </a:solidFill>
@@ -50558,7 +50570,7 @@
             </a:ln>
             <a:extLst>
               <a:ext uri="{91240B29-F687-4f45-9708-019B960494DF}">
-                <a14:hiddenLine xmlns="" xmlns:a14="http://schemas.microsoft.com/office/drawing/2010/main" w="9525">
+                <a14:hiddenLine xmlns:a14="http://schemas.microsoft.com/office/drawing/2010/main" xmlns="" w="9525">
                   <a:solidFill>
                     <a:srgbClr val="000000"/>
                   </a:solidFill>
@@ -50668,7 +50680,7 @@
             </a:ln>
             <a:extLst>
               <a:ext uri="{91240B29-F687-4f45-9708-019B960494DF}">
-                <a14:hiddenLine xmlns="" xmlns:a14="http://schemas.microsoft.com/office/drawing/2010/main" w="9525">
+                <a14:hiddenLine xmlns:a14="http://schemas.microsoft.com/office/drawing/2010/main" xmlns="" w="9525">
                   <a:solidFill>
                     <a:srgbClr val="000000"/>
                   </a:solidFill>
@@ -50905,7 +50917,7 @@
             </a:ln>
             <a:extLst>
               <a:ext uri="{91240B29-F687-4f45-9708-019B960494DF}">
-                <a14:hiddenLine xmlns="" xmlns:a14="http://schemas.microsoft.com/office/drawing/2010/main" w="9525">
+                <a14:hiddenLine xmlns:a14="http://schemas.microsoft.com/office/drawing/2010/main" xmlns="" w="9525">
                   <a:solidFill>
                     <a:srgbClr val="000000"/>
                   </a:solidFill>
@@ -51528,7 +51540,7 @@
             </a:ln>
             <a:extLst>
               <a:ext uri="{91240B29-F687-4f45-9708-019B960494DF}">
-                <a14:hiddenLine xmlns="" xmlns:a14="http://schemas.microsoft.com/office/drawing/2010/main" w="9525">
+                <a14:hiddenLine xmlns:a14="http://schemas.microsoft.com/office/drawing/2010/main" xmlns="" w="9525">
                   <a:solidFill>
                     <a:srgbClr val="000000"/>
                   </a:solidFill>
@@ -52127,7 +52139,7 @@
             </a:ln>
             <a:extLst>
               <a:ext uri="{91240B29-F687-4f45-9708-019B960494DF}">
-                <a14:hiddenLine xmlns="" xmlns:a14="http://schemas.microsoft.com/office/drawing/2010/main" w="9525">
+                <a14:hiddenLine xmlns:a14="http://schemas.microsoft.com/office/drawing/2010/main" xmlns="" w="9525">
                   <a:solidFill>
                     <a:srgbClr val="000000"/>
                   </a:solidFill>
@@ -52726,7 +52738,7 @@
             </a:ln>
             <a:extLst>
               <a:ext uri="{91240B29-F687-4f45-9708-019B960494DF}">
-                <a14:hiddenLine xmlns="" xmlns:a14="http://schemas.microsoft.com/office/drawing/2010/main" w="9525">
+                <a14:hiddenLine xmlns:a14="http://schemas.microsoft.com/office/drawing/2010/main" xmlns="" w="9525">
                   <a:solidFill>
                     <a:srgbClr val="000000"/>
                   </a:solidFill>
@@ -53320,21 +53332,6 @@
 </file>
 
 <file path=customXml/item1.xml><?xml version="1.0" encoding="utf-8"?>
-<p:properties xmlns:p="http://schemas.microsoft.com/office/2006/metadata/properties" xmlns:xsi="http://www.w3.org/2001/XMLSchema-instance" xmlns:pc="http://schemas.microsoft.com/office/infopath/2007/PartnerControls">
-  <documentManagement/>
-</p:properties>
-</file>
-
-<file path=customXml/item2.xml><?xml version="1.0" encoding="utf-8"?>
-<?mso-contentType ?>
-<FormTemplates xmlns="http://schemas.microsoft.com/sharepoint/v3/contenttype/forms">
-  <Display>DocumentLibraryForm</Display>
-  <Edit>DocumentLibraryForm</Edit>
-  <New>DocumentLibraryForm</New>
-</FormTemplates>
-</file>
-
-<file path=customXml/item3.xml><?xml version="1.0" encoding="utf-8"?>
 <ct:contentTypeSchema xmlns:ct="http://schemas.microsoft.com/office/2006/metadata/contentType" xmlns:ma="http://schemas.microsoft.com/office/2006/metadata/properties/metaAttributes" ct:_="" ma:_="" ma:contentTypeName="Document" ma:contentTypeID="0x0101003CFE317AB703A0449742DE406C676985" ma:contentTypeVersion="" ma:contentTypeDescription="Create a new document." ma:contentTypeScope="" ma:versionID="075a0df9327dac238a362fa612ce7c78">
   <xsd:schema xmlns:xsd="http://www.w3.org/2001/XMLSchema" xmlns:xs="http://www.w3.org/2001/XMLSchema" xmlns:p="http://schemas.microsoft.com/office/2006/metadata/properties" xmlns:ns2="dfcad76c-8265-44a7-8256-4938e7b2ebda" xmlns:ns3="cb8bf1fc-3ac3-4ad2-bdcd-c166d58421a5" targetNamespace="http://schemas.microsoft.com/office/2006/metadata/properties" ma:root="true" ma:fieldsID="77d1d37617f2da2848f03c1ae57996a7" ns2:_="" ns3:_="">
     <xsd:import namespace="dfcad76c-8265-44a7-8256-4938e7b2ebda"/>
@@ -53519,24 +53516,22 @@
 </ct:contentTypeSchema>
 </file>
 
-<file path=customXml/itemProps1.xml><?xml version="1.0" encoding="utf-8"?>
-<ds:datastoreItem xmlns:ds="http://schemas.openxmlformats.org/officeDocument/2006/customXml" ds:itemID="{00903BAE-DDAE-402D-98CC-A6F112A5C05E}">
-  <ds:schemaRefs>
-    <ds:schemaRef ds:uri="http://schemas.microsoft.com/office/2006/metadata/properties"/>
-    <ds:schemaRef ds:uri="http://schemas.microsoft.com/office/infopath/2007/PartnerControls"/>
-  </ds:schemaRefs>
-</ds:datastoreItem>
+<file path=customXml/item2.xml><?xml version="1.0" encoding="utf-8"?>
+<?mso-contentType ?>
+<FormTemplates xmlns="http://schemas.microsoft.com/sharepoint/v3/contenttype/forms">
+  <Display>DocumentLibraryForm</Display>
+  <Edit>DocumentLibraryForm</Edit>
+  <New>DocumentLibraryForm</New>
+</FormTemplates>
 </file>
 
-<file path=customXml/itemProps2.xml><?xml version="1.0" encoding="utf-8"?>
-<ds:datastoreItem xmlns:ds="http://schemas.openxmlformats.org/officeDocument/2006/customXml" ds:itemID="{0BD97C68-B59E-41E1-B6CE-FF954F133065}">
-  <ds:schemaRefs>
-    <ds:schemaRef ds:uri="http://schemas.microsoft.com/sharepoint/v3/contenttype/forms"/>
-  </ds:schemaRefs>
-</ds:datastoreItem>
+<file path=customXml/item3.xml><?xml version="1.0" encoding="utf-8"?>
+<p:properties xmlns:p="http://schemas.microsoft.com/office/2006/metadata/properties" xmlns:xsi="http://www.w3.org/2001/XMLSchema-instance" xmlns:pc="http://schemas.microsoft.com/office/infopath/2007/PartnerControls">
+  <documentManagement/>
+</p:properties>
 </file>
 
-<file path=customXml/itemProps3.xml><?xml version="1.0" encoding="utf-8"?>
+<file path=customXml/itemProps1.xml><?xml version="1.0" encoding="utf-8"?>
 <ds:datastoreItem xmlns:ds="http://schemas.openxmlformats.org/officeDocument/2006/customXml" ds:itemID="{C19435C9-137C-432D-9CF9-8A130E755C7B}">
   <ds:schemaRefs>
     <ds:schemaRef ds:uri="http://schemas.microsoft.com/office/2006/metadata/contentType"/>
@@ -53553,4 +53548,21 @@
     <ds:schemaRef ds:uri="http://schemas.microsoft.com/internal/obd"/>
   </ds:schemaRefs>
 </ds:datastoreItem>
+</file>
+
+<file path=customXml/itemProps2.xml><?xml version="1.0" encoding="utf-8"?>
+<ds:datastoreItem xmlns:ds="http://schemas.openxmlformats.org/officeDocument/2006/customXml" ds:itemID="{0BD97C68-B59E-41E1-B6CE-FF954F133065}">
+  <ds:schemaRefs>
+    <ds:schemaRef ds:uri="http://schemas.microsoft.com/sharepoint/v3/contenttype/forms"/>
+  </ds:schemaRefs>
+</ds:datastoreItem>
+</file>
+
+<file path=customXml/itemProps3.xml><?xml version="1.0" encoding="utf-8"?>
+<ds:datastoreItem xmlns:ds="http://schemas.openxmlformats.org/officeDocument/2006/customXml" ds:itemID="{00903BAE-DDAE-402D-98CC-A6F112A5C05E}">
+  <ds:schemaRefs>
+    <ds:schemaRef ds:uri="http://schemas.microsoft.com/office/2006/metadata/properties"/>
+    <ds:schemaRef ds:uri="http://schemas.microsoft.com/office/infopath/2007/PartnerControls"/>
+  </ds:schemaRefs>
+</ds:datastoreItem>
 </file>
--- a/filesets/compete_snowflake/snowflake_migration_blockers.pptx
+++ b/filesets/compete_snowflake/snowflake_migration_blockers.pptx
@@ -31386,7 +31386,7 @@
               </a:r>
               <a:r>
                 <a:rPr lang="en-US" sz="1200" dirty="0"/>
-                <a:t>[1:2]}}</a:t>
+                <a:t>[1:3]}}</a:t>
               </a:r>
               <a:r>
                 <a:rPr lang="en-IN" sz="1200" dirty="0">
@@ -32744,7 +32744,7 @@
             </a:ln>
             <a:extLst>
               <a:ext uri="{91240B29-F687-4f45-9708-019B960494DF}">
-                <a14:hiddenLine xmlns:a14="http://schemas.microsoft.com/office/drawing/2010/main" xmlns="" w="9525">
+                <a14:hiddenLine xmlns="" xmlns:a14="http://schemas.microsoft.com/office/drawing/2010/main" w="9525">
                   <a:solidFill>
                     <a:srgbClr val="000000"/>
                   </a:solidFill>
@@ -32796,7 +32796,7 @@
             </a:ln>
             <a:extLst>
               <a:ext uri="{91240B29-F687-4f45-9708-019B960494DF}">
-                <a14:hiddenLine xmlns:a14="http://schemas.microsoft.com/office/drawing/2010/main" xmlns="" w="9525">
+                <a14:hiddenLine xmlns="" xmlns:a14="http://schemas.microsoft.com/office/drawing/2010/main" w="9525">
                   <a:solidFill>
                     <a:srgbClr val="000000"/>
                   </a:solidFill>
@@ -32848,7 +32848,7 @@
             </a:ln>
             <a:extLst>
               <a:ext uri="{91240B29-F687-4f45-9708-019B960494DF}">
-                <a14:hiddenLine xmlns:a14="http://schemas.microsoft.com/office/drawing/2010/main" xmlns="" w="9525">
+                <a14:hiddenLine xmlns="" xmlns:a14="http://schemas.microsoft.com/office/drawing/2010/main" w="9525">
                   <a:solidFill>
                     <a:srgbClr val="000000"/>
                   </a:solidFill>
@@ -32900,7 +32900,7 @@
             </a:ln>
             <a:extLst>
               <a:ext uri="{91240B29-F687-4f45-9708-019B960494DF}">
-                <a14:hiddenLine xmlns:a14="http://schemas.microsoft.com/office/drawing/2010/main" xmlns="" w="9525">
+                <a14:hiddenLine xmlns="" xmlns:a14="http://schemas.microsoft.com/office/drawing/2010/main" w="9525">
                   <a:solidFill>
                     <a:srgbClr val="000000"/>
                   </a:solidFill>
@@ -33353,7 +33353,7 @@
             </a:ln>
             <a:extLst>
               <a:ext uri="{91240B29-F687-4f45-9708-019B960494DF}">
-                <a14:hiddenLine xmlns:a14="http://schemas.microsoft.com/office/drawing/2010/main" xmlns="" w="9525">
+                <a14:hiddenLine xmlns="" xmlns:a14="http://schemas.microsoft.com/office/drawing/2010/main" w="9525">
                   <a:solidFill>
                     <a:srgbClr val="000000"/>
                   </a:solidFill>
@@ -33603,7 +33603,7 @@
             </a:ln>
             <a:extLst>
               <a:ext uri="{91240B29-F687-4f45-9708-019B960494DF}">
-                <a14:hiddenLine xmlns:a14="http://schemas.microsoft.com/office/drawing/2010/main" xmlns="" w="9525">
+                <a14:hiddenLine xmlns="" xmlns:a14="http://schemas.microsoft.com/office/drawing/2010/main" w="9525">
                   <a:solidFill>
                     <a:srgbClr val="000000"/>
                   </a:solidFill>
@@ -34081,7 +34081,7 @@
             </a:ln>
             <a:extLst>
               <a:ext uri="{91240B29-F687-4f45-9708-019B960494DF}">
-                <a14:hiddenLine xmlns:a14="http://schemas.microsoft.com/office/drawing/2010/main" xmlns="" w="9525">
+                <a14:hiddenLine xmlns="" xmlns:a14="http://schemas.microsoft.com/office/drawing/2010/main" w="9525">
                   <a:solidFill>
                     <a:srgbClr val="000000"/>
                   </a:solidFill>
@@ -36074,7 +36074,7 @@
             </a:ln>
             <a:extLst>
               <a:ext uri="{91240B29-F687-4f45-9708-019B960494DF}">
-                <a14:hiddenLine xmlns:a14="http://schemas.microsoft.com/office/drawing/2010/main" xmlns="" w="9525">
+                <a14:hiddenLine xmlns="" xmlns:a14="http://schemas.microsoft.com/office/drawing/2010/main" w="9525">
                   <a:solidFill>
                     <a:srgbClr val="000000"/>
                   </a:solidFill>
@@ -36304,7 +36304,7 @@
             </a:ln>
             <a:extLst>
               <a:ext uri="{91240B29-F687-4f45-9708-019B960494DF}">
-                <a14:hiddenLine xmlns:a14="http://schemas.microsoft.com/office/drawing/2010/main" xmlns="" w="9525">
+                <a14:hiddenLine xmlns="" xmlns:a14="http://schemas.microsoft.com/office/drawing/2010/main" w="9525">
                   <a:solidFill>
                     <a:srgbClr val="000000"/>
                   </a:solidFill>
@@ -36414,7 +36414,7 @@
             </a:ln>
             <a:extLst>
               <a:ext uri="{91240B29-F687-4f45-9708-019B960494DF}">
-                <a14:hiddenLine xmlns:a14="http://schemas.microsoft.com/office/drawing/2010/main" xmlns="" w="9525">
+                <a14:hiddenLine xmlns="" xmlns:a14="http://schemas.microsoft.com/office/drawing/2010/main" w="9525">
                   <a:solidFill>
                     <a:srgbClr val="000000"/>
                   </a:solidFill>
@@ -36651,7 +36651,7 @@
             </a:ln>
             <a:extLst>
               <a:ext uri="{91240B29-F687-4f45-9708-019B960494DF}">
-                <a14:hiddenLine xmlns:a14="http://schemas.microsoft.com/office/drawing/2010/main" xmlns="" w="9525">
+                <a14:hiddenLine xmlns="" xmlns:a14="http://schemas.microsoft.com/office/drawing/2010/main" w="9525">
                   <a:solidFill>
                     <a:srgbClr val="000000"/>
                   </a:solidFill>
@@ -37274,7 +37274,7 @@
             </a:ln>
             <a:extLst>
               <a:ext uri="{91240B29-F687-4f45-9708-019B960494DF}">
-                <a14:hiddenLine xmlns:a14="http://schemas.microsoft.com/office/drawing/2010/main" xmlns="" w="9525">
+                <a14:hiddenLine xmlns="" xmlns:a14="http://schemas.microsoft.com/office/drawing/2010/main" w="9525">
                   <a:solidFill>
                     <a:srgbClr val="000000"/>
                   </a:solidFill>
@@ -37873,7 +37873,7 @@
             </a:ln>
             <a:extLst>
               <a:ext uri="{91240B29-F687-4f45-9708-019B960494DF}">
-                <a14:hiddenLine xmlns:a14="http://schemas.microsoft.com/office/drawing/2010/main" xmlns="" w="9525">
+                <a14:hiddenLine xmlns="" xmlns:a14="http://schemas.microsoft.com/office/drawing/2010/main" w="9525">
                   <a:solidFill>
                     <a:srgbClr val="000000"/>
                   </a:solidFill>
@@ -38472,7 +38472,7 @@
             </a:ln>
             <a:extLst>
               <a:ext uri="{91240B29-F687-4f45-9708-019B960494DF}">
-                <a14:hiddenLine xmlns:a14="http://schemas.microsoft.com/office/drawing/2010/main" xmlns="" w="9525">
+                <a14:hiddenLine xmlns="" xmlns:a14="http://schemas.microsoft.com/office/drawing/2010/main" w="9525">
                   <a:solidFill>
                     <a:srgbClr val="000000"/>
                   </a:solidFill>
@@ -47010,7 +47010,7 @@
             </a:ln>
             <a:extLst>
               <a:ext uri="{91240B29-F687-4f45-9708-019B960494DF}">
-                <a14:hiddenLine xmlns:a14="http://schemas.microsoft.com/office/drawing/2010/main" xmlns="" w="9525">
+                <a14:hiddenLine xmlns="" xmlns:a14="http://schemas.microsoft.com/office/drawing/2010/main" w="9525">
                   <a:solidFill>
                     <a:srgbClr val="000000"/>
                   </a:solidFill>
@@ -47062,7 +47062,7 @@
             </a:ln>
             <a:extLst>
               <a:ext uri="{91240B29-F687-4f45-9708-019B960494DF}">
-                <a14:hiddenLine xmlns:a14="http://schemas.microsoft.com/office/drawing/2010/main" xmlns="" w="9525">
+                <a14:hiddenLine xmlns="" xmlns:a14="http://schemas.microsoft.com/office/drawing/2010/main" w="9525">
                   <a:solidFill>
                     <a:srgbClr val="000000"/>
                   </a:solidFill>
@@ -47114,7 +47114,7 @@
             </a:ln>
             <a:extLst>
               <a:ext uri="{91240B29-F687-4f45-9708-019B960494DF}">
-                <a14:hiddenLine xmlns:a14="http://schemas.microsoft.com/office/drawing/2010/main" xmlns="" w="9525">
+                <a14:hiddenLine xmlns="" xmlns:a14="http://schemas.microsoft.com/office/drawing/2010/main" w="9525">
                   <a:solidFill>
                     <a:srgbClr val="000000"/>
                   </a:solidFill>
@@ -47166,7 +47166,7 @@
             </a:ln>
             <a:extLst>
               <a:ext uri="{91240B29-F687-4f45-9708-019B960494DF}">
-                <a14:hiddenLine xmlns:a14="http://schemas.microsoft.com/office/drawing/2010/main" xmlns="" w="9525">
+                <a14:hiddenLine xmlns="" xmlns:a14="http://schemas.microsoft.com/office/drawing/2010/main" w="9525">
                   <a:solidFill>
                     <a:srgbClr val="000000"/>
                   </a:solidFill>
@@ -47619,7 +47619,7 @@
             </a:ln>
             <a:extLst>
               <a:ext uri="{91240B29-F687-4f45-9708-019B960494DF}">
-                <a14:hiddenLine xmlns:a14="http://schemas.microsoft.com/office/drawing/2010/main" xmlns="" w="9525">
+                <a14:hiddenLine xmlns="" xmlns:a14="http://schemas.microsoft.com/office/drawing/2010/main" w="9525">
                   <a:solidFill>
                     <a:srgbClr val="000000"/>
                   </a:solidFill>
@@ -47869,7 +47869,7 @@
             </a:ln>
             <a:extLst>
               <a:ext uri="{91240B29-F687-4f45-9708-019B960494DF}">
-                <a14:hiddenLine xmlns:a14="http://schemas.microsoft.com/office/drawing/2010/main" xmlns="" w="9525">
+                <a14:hiddenLine xmlns="" xmlns:a14="http://schemas.microsoft.com/office/drawing/2010/main" w="9525">
                   <a:solidFill>
                     <a:srgbClr val="000000"/>
                   </a:solidFill>
@@ -48347,7 +48347,7 @@
             </a:ln>
             <a:extLst>
               <a:ext uri="{91240B29-F687-4f45-9708-019B960494DF}">
-                <a14:hiddenLine xmlns:a14="http://schemas.microsoft.com/office/drawing/2010/main" xmlns="" w="9525">
+                <a14:hiddenLine xmlns="" xmlns:a14="http://schemas.microsoft.com/office/drawing/2010/main" w="9525">
                   <a:solidFill>
                     <a:srgbClr val="000000"/>
                   </a:solidFill>
@@ -50340,7 +50340,7 @@
             </a:ln>
             <a:extLst>
               <a:ext uri="{91240B29-F687-4f45-9708-019B960494DF}">
-                <a14:hiddenLine xmlns:a14="http://schemas.microsoft.com/office/drawing/2010/main" xmlns="" w="9525">
+                <a14:hiddenLine xmlns="" xmlns:a14="http://schemas.microsoft.com/office/drawing/2010/main" w="9525">
                   <a:solidFill>
                     <a:srgbClr val="000000"/>
                   </a:solidFill>
@@ -50570,7 +50570,7 @@
             </a:ln>
             <a:extLst>
               <a:ext uri="{91240B29-F687-4f45-9708-019B960494DF}">
-                <a14:hiddenLine xmlns:a14="http://schemas.microsoft.com/office/drawing/2010/main" xmlns="" w="9525">
+                <a14:hiddenLine xmlns="" xmlns:a14="http://schemas.microsoft.com/office/drawing/2010/main" w="9525">
                   <a:solidFill>
                     <a:srgbClr val="000000"/>
                   </a:solidFill>
@@ -50680,7 +50680,7 @@
             </a:ln>
             <a:extLst>
               <a:ext uri="{91240B29-F687-4f45-9708-019B960494DF}">
-                <a14:hiddenLine xmlns:a14="http://schemas.microsoft.com/office/drawing/2010/main" xmlns="" w="9525">
+                <a14:hiddenLine xmlns="" xmlns:a14="http://schemas.microsoft.com/office/drawing/2010/main" w="9525">
                   <a:solidFill>
                     <a:srgbClr val="000000"/>
                   </a:solidFill>
@@ -50917,7 +50917,7 @@
             </a:ln>
             <a:extLst>
               <a:ext uri="{91240B29-F687-4f45-9708-019B960494DF}">
-                <a14:hiddenLine xmlns:a14="http://schemas.microsoft.com/office/drawing/2010/main" xmlns="" w="9525">
+                <a14:hiddenLine xmlns="" xmlns:a14="http://schemas.microsoft.com/office/drawing/2010/main" w="9525">
                   <a:solidFill>
                     <a:srgbClr val="000000"/>
                   </a:solidFill>
@@ -51540,7 +51540,7 @@
             </a:ln>
             <a:extLst>
               <a:ext uri="{91240B29-F687-4f45-9708-019B960494DF}">
-                <a14:hiddenLine xmlns:a14="http://schemas.microsoft.com/office/drawing/2010/main" xmlns="" w="9525">
+                <a14:hiddenLine xmlns="" xmlns:a14="http://schemas.microsoft.com/office/drawing/2010/main" w="9525">
                   <a:solidFill>
                     <a:srgbClr val="000000"/>
                   </a:solidFill>
@@ -52139,7 +52139,7 @@
             </a:ln>
             <a:extLst>
               <a:ext uri="{91240B29-F687-4f45-9708-019B960494DF}">
-                <a14:hiddenLine xmlns:a14="http://schemas.microsoft.com/office/drawing/2010/main" xmlns="" w="9525">
+                <a14:hiddenLine xmlns="" xmlns:a14="http://schemas.microsoft.com/office/drawing/2010/main" w="9525">
                   <a:solidFill>
                     <a:srgbClr val="000000"/>
                   </a:solidFill>
@@ -52738,7 +52738,7 @@
             </a:ln>
             <a:extLst>
               <a:ext uri="{91240B29-F687-4f45-9708-019B960494DF}">
-                <a14:hiddenLine xmlns:a14="http://schemas.microsoft.com/office/drawing/2010/main" xmlns="" w="9525">
+                <a14:hiddenLine xmlns="" xmlns:a14="http://schemas.microsoft.com/office/drawing/2010/main" w="9525">
                   <a:solidFill>
                     <a:srgbClr val="000000"/>
                   </a:solidFill>
@@ -53332,6 +53332,21 @@
 </file>
 
 <file path=customXml/item1.xml><?xml version="1.0" encoding="utf-8"?>
+<p:properties xmlns:p="http://schemas.microsoft.com/office/2006/metadata/properties" xmlns:xsi="http://www.w3.org/2001/XMLSchema-instance" xmlns:pc="http://schemas.microsoft.com/office/infopath/2007/PartnerControls">
+  <documentManagement/>
+</p:properties>
+</file>
+
+<file path=customXml/item2.xml><?xml version="1.0" encoding="utf-8"?>
+<?mso-contentType ?>
+<FormTemplates xmlns="http://schemas.microsoft.com/sharepoint/v3/contenttype/forms">
+  <Display>DocumentLibraryForm</Display>
+  <Edit>DocumentLibraryForm</Edit>
+  <New>DocumentLibraryForm</New>
+</FormTemplates>
+</file>
+
+<file path=customXml/item3.xml><?xml version="1.0" encoding="utf-8"?>
 <ct:contentTypeSchema xmlns:ct="http://schemas.microsoft.com/office/2006/metadata/contentType" xmlns:ma="http://schemas.microsoft.com/office/2006/metadata/properties/metaAttributes" ct:_="" ma:_="" ma:contentTypeName="Document" ma:contentTypeID="0x0101003CFE317AB703A0449742DE406C676985" ma:contentTypeVersion="" ma:contentTypeDescription="Create a new document." ma:contentTypeScope="" ma:versionID="075a0df9327dac238a362fa612ce7c78">
   <xsd:schema xmlns:xsd="http://www.w3.org/2001/XMLSchema" xmlns:xs="http://www.w3.org/2001/XMLSchema" xmlns:p="http://schemas.microsoft.com/office/2006/metadata/properties" xmlns:ns2="dfcad76c-8265-44a7-8256-4938e7b2ebda" xmlns:ns3="cb8bf1fc-3ac3-4ad2-bdcd-c166d58421a5" targetNamespace="http://schemas.microsoft.com/office/2006/metadata/properties" ma:root="true" ma:fieldsID="77d1d37617f2da2848f03c1ae57996a7" ns2:_="" ns3:_="">
     <xsd:import namespace="dfcad76c-8265-44a7-8256-4938e7b2ebda"/>
@@ -53516,22 +53531,24 @@
 </ct:contentTypeSchema>
 </file>
 
-<file path=customXml/item2.xml><?xml version="1.0" encoding="utf-8"?>
-<?mso-contentType ?>
-<FormTemplates xmlns="http://schemas.microsoft.com/sharepoint/v3/contenttype/forms">
-  <Display>DocumentLibraryForm</Display>
-  <Edit>DocumentLibraryForm</Edit>
-  <New>DocumentLibraryForm</New>
-</FormTemplates>
+<file path=customXml/itemProps1.xml><?xml version="1.0" encoding="utf-8"?>
+<ds:datastoreItem xmlns:ds="http://schemas.openxmlformats.org/officeDocument/2006/customXml" ds:itemID="{00903BAE-DDAE-402D-98CC-A6F112A5C05E}">
+  <ds:schemaRefs>
+    <ds:schemaRef ds:uri="http://schemas.microsoft.com/office/2006/metadata/properties"/>
+    <ds:schemaRef ds:uri="http://schemas.microsoft.com/office/infopath/2007/PartnerControls"/>
+  </ds:schemaRefs>
+</ds:datastoreItem>
 </file>
 
-<file path=customXml/item3.xml><?xml version="1.0" encoding="utf-8"?>
-<p:properties xmlns:p="http://schemas.microsoft.com/office/2006/metadata/properties" xmlns:xsi="http://www.w3.org/2001/XMLSchema-instance" xmlns:pc="http://schemas.microsoft.com/office/infopath/2007/PartnerControls">
-  <documentManagement/>
-</p:properties>
+<file path=customXml/itemProps2.xml><?xml version="1.0" encoding="utf-8"?>
+<ds:datastoreItem xmlns:ds="http://schemas.openxmlformats.org/officeDocument/2006/customXml" ds:itemID="{0BD97C68-B59E-41E1-B6CE-FF954F133065}">
+  <ds:schemaRefs>
+    <ds:schemaRef ds:uri="http://schemas.microsoft.com/sharepoint/v3/contenttype/forms"/>
+  </ds:schemaRefs>
+</ds:datastoreItem>
 </file>
 
-<file path=customXml/itemProps1.xml><?xml version="1.0" encoding="utf-8"?>
+<file path=customXml/itemProps3.xml><?xml version="1.0" encoding="utf-8"?>
 <ds:datastoreItem xmlns:ds="http://schemas.openxmlformats.org/officeDocument/2006/customXml" ds:itemID="{C19435C9-137C-432D-9CF9-8A130E755C7B}">
   <ds:schemaRefs>
     <ds:schemaRef ds:uri="http://schemas.microsoft.com/office/2006/metadata/contentType"/>
@@ -53548,21 +53565,4 @@
     <ds:schemaRef ds:uri="http://schemas.microsoft.com/internal/obd"/>
   </ds:schemaRefs>
 </ds:datastoreItem>
-</file>
-
-<file path=customXml/itemProps2.xml><?xml version="1.0" encoding="utf-8"?>
-<ds:datastoreItem xmlns:ds="http://schemas.openxmlformats.org/officeDocument/2006/customXml" ds:itemID="{0BD97C68-B59E-41E1-B6CE-FF954F133065}">
-  <ds:schemaRefs>
-    <ds:schemaRef ds:uri="http://schemas.microsoft.com/sharepoint/v3/contenttype/forms"/>
-  </ds:schemaRefs>
-</ds:datastoreItem>
-</file>
-
-<file path=customXml/itemProps3.xml><?xml version="1.0" encoding="utf-8"?>
-<ds:datastoreItem xmlns:ds="http://schemas.openxmlformats.org/officeDocument/2006/customXml" ds:itemID="{00903BAE-DDAE-402D-98CC-A6F112A5C05E}">
-  <ds:schemaRefs>
-    <ds:schemaRef ds:uri="http://schemas.microsoft.com/office/2006/metadata/properties"/>
-    <ds:schemaRef ds:uri="http://schemas.microsoft.com/office/infopath/2007/PartnerControls"/>
-  </ds:schemaRefs>
-</ds:datastoreItem>
 </file>
--- a/filesets/compete_snowflake/snowflake_migration_blockers.pptx
+++ b/filesets/compete_snowflake/snowflake_migration_blockers.pptx
@@ -31342,10 +31342,10 @@
         </p:nvGrpSpPr>
         <p:grpSpPr>
           <a:xfrm>
-            <a:off x="843079" y="1840169"/>
-            <a:ext cx="2185605" cy="795497"/>
-            <a:chOff x="812462" y="1646497"/>
-            <a:chExt cx="2185605" cy="795497"/>
+            <a:off x="47329" y="1840169"/>
+            <a:ext cx="2981356" cy="795497"/>
+            <a:chOff x="16712" y="1646497"/>
+            <a:chExt cx="2981356" cy="795497"/>
           </a:xfrm>
         </p:grpSpPr>
         <p:sp>
@@ -31362,8 +31362,8 @@
           </p:nvSpPr>
           <p:spPr>
             <a:xfrm>
-              <a:off x="812462" y="1980329"/>
-              <a:ext cx="2185605" cy="461665"/>
+              <a:off x="16712" y="1980329"/>
+              <a:ext cx="2981356" cy="461665"/>
             </a:xfrm>
             <a:prstGeom prst="rect">
               <a:avLst/>
@@ -32744,7 +32744,7 @@
             </a:ln>
             <a:extLst>
               <a:ext uri="{91240B29-F687-4f45-9708-019B960494DF}">
-                <a14:hiddenLine xmlns="" xmlns:a14="http://schemas.microsoft.com/office/drawing/2010/main" w="9525">
+                <a14:hiddenLine xmlns:a14="http://schemas.microsoft.com/office/drawing/2010/main" xmlns="" w="9525">
                   <a:solidFill>
                     <a:srgbClr val="000000"/>
                   </a:solidFill>
@@ -32796,7 +32796,7 @@
             </a:ln>
             <a:extLst>
               <a:ext uri="{91240B29-F687-4f45-9708-019B960494DF}">
-                <a14:hiddenLine xmlns="" xmlns:a14="http://schemas.microsoft.com/office/drawing/2010/main" w="9525">
+                <a14:hiddenLine xmlns:a14="http://schemas.microsoft.com/office/drawing/2010/main" xmlns="" w="9525">
                   <a:solidFill>
                     <a:srgbClr val="000000"/>
                   </a:solidFill>
@@ -32848,7 +32848,7 @@
             </a:ln>
             <a:extLst>
               <a:ext uri="{91240B29-F687-4f45-9708-019B960494DF}">
-                <a14:hiddenLine xmlns="" xmlns:a14="http://schemas.microsoft.com/office/drawing/2010/main" w="9525">
+                <a14:hiddenLine xmlns:a14="http://schemas.microsoft.com/office/drawing/2010/main" xmlns="" w="9525">
                   <a:solidFill>
                     <a:srgbClr val="000000"/>
                   </a:solidFill>
@@ -32900,7 +32900,7 @@
             </a:ln>
             <a:extLst>
               <a:ext uri="{91240B29-F687-4f45-9708-019B960494DF}">
-                <a14:hiddenLine xmlns="" xmlns:a14="http://schemas.microsoft.com/office/drawing/2010/main" w="9525">
+                <a14:hiddenLine xmlns:a14="http://schemas.microsoft.com/office/drawing/2010/main" xmlns="" w="9525">
                   <a:solidFill>
                     <a:srgbClr val="000000"/>
                   </a:solidFill>
@@ -33353,7 +33353,7 @@
             </a:ln>
             <a:extLst>
               <a:ext uri="{91240B29-F687-4f45-9708-019B960494DF}">
-                <a14:hiddenLine xmlns="" xmlns:a14="http://schemas.microsoft.com/office/drawing/2010/main" w="9525">
+                <a14:hiddenLine xmlns:a14="http://schemas.microsoft.com/office/drawing/2010/main" xmlns="" w="9525">
                   <a:solidFill>
                     <a:srgbClr val="000000"/>
                   </a:solidFill>
@@ -33603,7 +33603,7 @@
             </a:ln>
             <a:extLst>
               <a:ext uri="{91240B29-F687-4f45-9708-019B960494DF}">
-                <a14:hiddenLine xmlns="" xmlns:a14="http://schemas.microsoft.com/office/drawing/2010/main" w="9525">
+                <a14:hiddenLine xmlns:a14="http://schemas.microsoft.com/office/drawing/2010/main" xmlns="" w="9525">
                   <a:solidFill>
                     <a:srgbClr val="000000"/>
                   </a:solidFill>
@@ -34081,7 +34081,7 @@
             </a:ln>
             <a:extLst>
               <a:ext uri="{91240B29-F687-4f45-9708-019B960494DF}">
-                <a14:hiddenLine xmlns="" xmlns:a14="http://schemas.microsoft.com/office/drawing/2010/main" w="9525">
+                <a14:hiddenLine xmlns:a14="http://schemas.microsoft.com/office/drawing/2010/main" xmlns="" w="9525">
                   <a:solidFill>
                     <a:srgbClr val="000000"/>
                   </a:solidFill>
@@ -36074,7 +36074,7 @@
             </a:ln>
             <a:extLst>
               <a:ext uri="{91240B29-F687-4f45-9708-019B960494DF}">
-                <a14:hiddenLine xmlns="" xmlns:a14="http://schemas.microsoft.com/office/drawing/2010/main" w="9525">
+                <a14:hiddenLine xmlns:a14="http://schemas.microsoft.com/office/drawing/2010/main" xmlns="" w="9525">
                   <a:solidFill>
                     <a:srgbClr val="000000"/>
                   </a:solidFill>
@@ -36304,7 +36304,7 @@
             </a:ln>
             <a:extLst>
               <a:ext uri="{91240B29-F687-4f45-9708-019B960494DF}">
-                <a14:hiddenLine xmlns="" xmlns:a14="http://schemas.microsoft.com/office/drawing/2010/main" w="9525">
+                <a14:hiddenLine xmlns:a14="http://schemas.microsoft.com/office/drawing/2010/main" xmlns="" w="9525">
                   <a:solidFill>
                     <a:srgbClr val="000000"/>
                   </a:solidFill>
@@ -36414,7 +36414,7 @@
             </a:ln>
             <a:extLst>
               <a:ext uri="{91240B29-F687-4f45-9708-019B960494DF}">
-                <a14:hiddenLine xmlns="" xmlns:a14="http://schemas.microsoft.com/office/drawing/2010/main" w="9525">
+                <a14:hiddenLine xmlns:a14="http://schemas.microsoft.com/office/drawing/2010/main" xmlns="" w="9525">
                   <a:solidFill>
                     <a:srgbClr val="000000"/>
                   </a:solidFill>
@@ -36651,7 +36651,7 @@
             </a:ln>
             <a:extLst>
               <a:ext uri="{91240B29-F687-4f45-9708-019B960494DF}">
-                <a14:hiddenLine xmlns="" xmlns:a14="http://schemas.microsoft.com/office/drawing/2010/main" w="9525">
+                <a14:hiddenLine xmlns:a14="http://schemas.microsoft.com/office/drawing/2010/main" xmlns="" w="9525">
                   <a:solidFill>
                     <a:srgbClr val="000000"/>
                   </a:solidFill>
@@ -37274,7 +37274,7 @@
             </a:ln>
             <a:extLst>
               <a:ext uri="{91240B29-F687-4f45-9708-019B960494DF}">
-                <a14:hiddenLine xmlns="" xmlns:a14="http://schemas.microsoft.com/office/drawing/2010/main" w="9525">
+                <a14:hiddenLine xmlns:a14="http://schemas.microsoft.com/office/drawing/2010/main" xmlns="" w="9525">
                   <a:solidFill>
                     <a:srgbClr val="000000"/>
                   </a:solidFill>
@@ -37873,7 +37873,7 @@
             </a:ln>
             <a:extLst>
               <a:ext uri="{91240B29-F687-4f45-9708-019B960494DF}">
-                <a14:hiddenLine xmlns="" xmlns:a14="http://schemas.microsoft.com/office/drawing/2010/main" w="9525">
+                <a14:hiddenLine xmlns:a14="http://schemas.microsoft.com/office/drawing/2010/main" xmlns="" w="9525">
                   <a:solidFill>
                     <a:srgbClr val="000000"/>
                   </a:solidFill>
@@ -38472,7 +38472,7 @@
             </a:ln>
             <a:extLst>
               <a:ext uri="{91240B29-F687-4f45-9708-019B960494DF}">
-                <a14:hiddenLine xmlns="" xmlns:a14="http://schemas.microsoft.com/office/drawing/2010/main" w="9525">
+                <a14:hiddenLine xmlns:a14="http://schemas.microsoft.com/office/drawing/2010/main" xmlns="" w="9525">
                   <a:solidFill>
                     <a:srgbClr val="000000"/>
                   </a:solidFill>
@@ -38496,6 +38496,219 @@
           </p:txBody>
         </p:sp>
       </p:grpSp>
+      <p:sp>
+        <p:nvSpPr>
+          <p:cNvPr id="71" name="Content Placeholder 1" descr="/*{{values:birthday.csv}}*/">
+            <a:extLst>
+              <a:ext uri="{FF2B5EF4-FFF2-40B4-BE49-F238E27FC236}">
+                <a16:creationId xmlns:a16="http://schemas.microsoft.com/office/drawing/2014/main" id="{B497C003-FF04-4227-B6D2-23AA6908B6B1}"/>
+              </a:ext>
+            </a:extLst>
+          </p:cNvPr>
+          <p:cNvSpPr txBox="1">
+            <a:spLocks/>
+          </p:cNvSpPr>
+          <p:nvPr/>
+        </p:nvSpPr>
+        <p:spPr>
+          <a:xfrm>
+            <a:off x="335360" y="1196752"/>
+            <a:ext cx="10409902" cy="546868"/>
+          </a:xfrm>
+          <a:prstGeom prst="rect">
+            <a:avLst/>
+          </a:prstGeom>
+        </p:spPr>
+        <p:txBody>
+          <a:bodyPr/>
+          <a:lstStyle>
+            <a:lvl1pPr marL="234950" indent="-234950" algn="l" defTabSz="914400" rtl="0" eaLnBrk="1" latinLnBrk="0" hangingPunct="1">
+              <a:lnSpc>
+                <a:spcPct val="120000"/>
+              </a:lnSpc>
+              <a:spcBef>
+                <a:spcPts val="1000"/>
+              </a:spcBef>
+              <a:buFont typeface="Arial" panose="020B0604020202020204" pitchFamily="34" charset="0"/>
+              <a:buChar char="•"/>
+              <a:tabLst/>
+              <a:defRPr sz="2100" kern="1200">
+                <a:solidFill>
+                  <a:schemeClr val="tx1"/>
+                </a:solidFill>
+                <a:latin typeface="+mn-lt"/>
+                <a:ea typeface="+mn-ea"/>
+                <a:cs typeface="+mn-cs"/>
+              </a:defRPr>
+            </a:lvl1pPr>
+            <a:lvl2pPr marL="577850" indent="-223838" algn="l" defTabSz="914400" rtl="0" eaLnBrk="1" latinLnBrk="0" hangingPunct="1">
+              <a:lnSpc>
+                <a:spcPct val="100000"/>
+              </a:lnSpc>
+              <a:spcBef>
+                <a:spcPts val="500"/>
+              </a:spcBef>
+              <a:buFont typeface="Arial" panose="020B0604020202020204" pitchFamily="34" charset="0"/>
+              <a:buChar char="•"/>
+              <a:tabLst/>
+              <a:defRPr sz="1900" kern="1200">
+                <a:solidFill>
+                  <a:schemeClr val="tx1"/>
+                </a:solidFill>
+                <a:latin typeface="+mn-lt"/>
+                <a:ea typeface="+mn-ea"/>
+                <a:cs typeface="+mn-cs"/>
+              </a:defRPr>
+            </a:lvl2pPr>
+            <a:lvl3pPr marL="914400" indent="-233363" algn="l" defTabSz="914400" rtl="0" eaLnBrk="1" latinLnBrk="0" hangingPunct="1">
+              <a:lnSpc>
+                <a:spcPct val="90000"/>
+              </a:lnSpc>
+              <a:spcBef>
+                <a:spcPts val="500"/>
+              </a:spcBef>
+              <a:buFont typeface="Arial" panose="020B0604020202020204" pitchFamily="34" charset="0"/>
+              <a:buChar char="•"/>
+              <a:tabLst/>
+              <a:defRPr sz="1700" kern="1200">
+                <a:solidFill>
+                  <a:schemeClr val="tx1"/>
+                </a:solidFill>
+                <a:latin typeface="+mn-lt"/>
+                <a:ea typeface="+mn-ea"/>
+                <a:cs typeface="+mn-cs"/>
+              </a:defRPr>
+            </a:lvl3pPr>
+            <a:lvl4pPr marL="1260475" indent="-233363" algn="l" defTabSz="914400" rtl="0" eaLnBrk="1" latinLnBrk="0" hangingPunct="1">
+              <a:lnSpc>
+                <a:spcPct val="90000"/>
+              </a:lnSpc>
+              <a:spcBef>
+                <a:spcPts val="500"/>
+              </a:spcBef>
+              <a:buFont typeface="Arial" panose="020B0604020202020204" pitchFamily="34" charset="0"/>
+              <a:buChar char="•"/>
+              <a:tabLst/>
+              <a:defRPr sz="1700" kern="1200">
+                <a:solidFill>
+                  <a:schemeClr val="tx1"/>
+                </a:solidFill>
+                <a:latin typeface="+mn-lt"/>
+                <a:ea typeface="+mn-ea"/>
+                <a:cs typeface="+mn-cs"/>
+              </a:defRPr>
+            </a:lvl4pPr>
+            <a:lvl5pPr marL="1603375" indent="-222250" algn="l" defTabSz="914400" rtl="0" eaLnBrk="1" latinLnBrk="0" hangingPunct="1">
+              <a:lnSpc>
+                <a:spcPct val="90000"/>
+              </a:lnSpc>
+              <a:spcBef>
+                <a:spcPts val="500"/>
+              </a:spcBef>
+              <a:buFont typeface="Arial" panose="020B0604020202020204" pitchFamily="34" charset="0"/>
+              <a:buChar char="•"/>
+              <a:tabLst/>
+              <a:defRPr sz="1700" kern="1200">
+                <a:solidFill>
+                  <a:schemeClr val="tx1"/>
+                </a:solidFill>
+                <a:latin typeface="+mn-lt"/>
+                <a:ea typeface="+mn-ea"/>
+                <a:cs typeface="+mn-cs"/>
+              </a:defRPr>
+            </a:lvl5pPr>
+            <a:lvl6pPr marL="2514600" indent="-228600" algn="l" defTabSz="914400" rtl="0" eaLnBrk="1" latinLnBrk="0" hangingPunct="1">
+              <a:lnSpc>
+                <a:spcPct val="90000"/>
+              </a:lnSpc>
+              <a:spcBef>
+                <a:spcPts val="500"/>
+              </a:spcBef>
+              <a:buFont typeface="Arial" panose="020B0604020202020204" pitchFamily="34" charset="0"/>
+              <a:buChar char="•"/>
+              <a:defRPr sz="1800" kern="1200">
+                <a:solidFill>
+                  <a:schemeClr val="tx1"/>
+                </a:solidFill>
+                <a:latin typeface="+mn-lt"/>
+                <a:ea typeface="+mn-ea"/>
+                <a:cs typeface="+mn-cs"/>
+              </a:defRPr>
+            </a:lvl6pPr>
+            <a:lvl7pPr marL="2971800" indent="-228600" algn="l" defTabSz="914400" rtl="0" eaLnBrk="1" latinLnBrk="0" hangingPunct="1">
+              <a:lnSpc>
+                <a:spcPct val="90000"/>
+              </a:lnSpc>
+              <a:spcBef>
+                <a:spcPts val="500"/>
+              </a:spcBef>
+              <a:buFont typeface="Arial" panose="020B0604020202020204" pitchFamily="34" charset="0"/>
+              <a:buChar char="•"/>
+              <a:defRPr sz="1800" kern="1200">
+                <a:solidFill>
+                  <a:schemeClr val="tx1"/>
+                </a:solidFill>
+                <a:latin typeface="+mn-lt"/>
+                <a:ea typeface="+mn-ea"/>
+                <a:cs typeface="+mn-cs"/>
+              </a:defRPr>
+            </a:lvl7pPr>
+            <a:lvl8pPr marL="3429000" indent="-228600" algn="l" defTabSz="914400" rtl="0" eaLnBrk="1" latinLnBrk="0" hangingPunct="1">
+              <a:lnSpc>
+                <a:spcPct val="90000"/>
+              </a:lnSpc>
+              <a:spcBef>
+                <a:spcPts val="500"/>
+              </a:spcBef>
+              <a:buFont typeface="Arial" panose="020B0604020202020204" pitchFamily="34" charset="0"/>
+              <a:buChar char="•"/>
+              <a:defRPr sz="1800" kern="1200">
+                <a:solidFill>
+                  <a:schemeClr val="tx1"/>
+                </a:solidFill>
+                <a:latin typeface="+mn-lt"/>
+                <a:ea typeface="+mn-ea"/>
+                <a:cs typeface="+mn-cs"/>
+              </a:defRPr>
+            </a:lvl8pPr>
+            <a:lvl9pPr marL="3886200" indent="-228600" algn="l" defTabSz="914400" rtl="0" eaLnBrk="1" latinLnBrk="0" hangingPunct="1">
+              <a:lnSpc>
+                <a:spcPct val="90000"/>
+              </a:lnSpc>
+              <a:spcBef>
+                <a:spcPts val="500"/>
+              </a:spcBef>
+              <a:buFont typeface="Arial" panose="020B0604020202020204" pitchFamily="34" charset="0"/>
+              <a:buChar char="•"/>
+              <a:defRPr sz="1800" kern="1200">
+                <a:solidFill>
+                  <a:schemeClr val="tx1"/>
+                </a:solidFill>
+                <a:latin typeface="+mn-lt"/>
+                <a:ea typeface="+mn-ea"/>
+                <a:cs typeface="+mn-cs"/>
+              </a:defRPr>
+            </a:lvl9pPr>
+          </a:lstStyle>
+          <a:p>
+            <a:pPr marL="0" indent="0">
+              <a:buNone/>
+            </a:pPr>
+            <a:r>
+              <a:rPr lang="en-US" dirty="0"/>
+              <a:t>If my birthday is {{</a:t>
+            </a:r>
+            <a:r>
+              <a:rPr lang="en-US" dirty="0" err="1"/>
+              <a:t>val:dat_index_count_for_pptx.csv</a:t>
+            </a:r>
+            <a:r>
+              <a:rPr lang="en-US" dirty="0"/>
+              <a:t>[2:3]}}</a:t>
+            </a:r>
+          </a:p>
+        </p:txBody>
+      </p:sp>
     </p:spTree>
     <p:extLst>
       <p:ext uri="{BB962C8B-B14F-4D97-AF65-F5344CB8AC3E}">
@@ -47010,7 +47223,7 @@
             </a:ln>
             <a:extLst>
               <a:ext uri="{91240B29-F687-4f45-9708-019B960494DF}">
-                <a14:hiddenLine xmlns="" xmlns:a14="http://schemas.microsoft.com/office/drawing/2010/main" w="9525">
+                <a14:hiddenLine xmlns:a14="http://schemas.microsoft.com/office/drawing/2010/main" xmlns="" w="9525">
                   <a:solidFill>
                     <a:srgbClr val="000000"/>
                   </a:solidFill>
@@ -47062,7 +47275,7 @@
             </a:ln>
             <a:extLst>
               <a:ext uri="{91240B29-F687-4f45-9708-019B960494DF}">
-                <a14:hiddenLine xmlns="" xmlns:a14="http://schemas.microsoft.com/office/drawing/2010/main" w="9525">
+                <a14:hiddenLine xmlns:a14="http://schemas.microsoft.com/office/drawing/2010/main" xmlns="" w="9525">
                   <a:solidFill>
                     <a:srgbClr val="000000"/>
                   </a:solidFill>
@@ -47114,7 +47327,7 @@
             </a:ln>
             <a:extLst>
               <a:ext uri="{91240B29-F687-4f45-9708-019B960494DF}">
-                <a14:hiddenLine xmlns="" xmlns:a14="http://schemas.microsoft.com/office/drawing/2010/main" w="9525">
+                <a14:hiddenLine xmlns:a14="http://schemas.microsoft.com/office/drawing/2010/main" xmlns="" w="9525">
                   <a:solidFill>
                     <a:srgbClr val="000000"/>
                   </a:solidFill>
@@ -47166,7 +47379,7 @@
             </a:ln>
             <a:extLst>
               <a:ext uri="{91240B29-F687-4f45-9708-019B960494DF}">
-                <a14:hiddenLine xmlns="" xmlns:a14="http://schemas.microsoft.com/office/drawing/2010/main" w="9525">
+                <a14:hiddenLine xmlns:a14="http://schemas.microsoft.com/office/drawing/2010/main" xmlns="" w="9525">
                   <a:solidFill>
                     <a:srgbClr val="000000"/>
                   </a:solidFill>
@@ -47619,7 +47832,7 @@
             </a:ln>
             <a:extLst>
               <a:ext uri="{91240B29-F687-4f45-9708-019B960494DF}">
-                <a14:hiddenLine xmlns="" xmlns:a14="http://schemas.microsoft.com/office/drawing/2010/main" w="9525">
+                <a14:hiddenLine xmlns:a14="http://schemas.microsoft.com/office/drawing/2010/main" xmlns="" w="9525">
                   <a:solidFill>
                     <a:srgbClr val="000000"/>
                   </a:solidFill>
@@ -47869,7 +48082,7 @@
             </a:ln>
             <a:extLst>
               <a:ext uri="{91240B29-F687-4f45-9708-019B960494DF}">
-                <a14:hiddenLine xmlns="" xmlns:a14="http://schemas.microsoft.com/office/drawing/2010/main" w="9525">
+                <a14:hiddenLine xmlns:a14="http://schemas.microsoft.com/office/drawing/2010/main" xmlns="" w="9525">
                   <a:solidFill>
                     <a:srgbClr val="000000"/>
                   </a:solidFill>
@@ -48347,7 +48560,7 @@
             </a:ln>
             <a:extLst>
               <a:ext uri="{91240B29-F687-4f45-9708-019B960494DF}">
-                <a14:hiddenLine xmlns="" xmlns:a14="http://schemas.microsoft.com/office/drawing/2010/main" w="9525">
+                <a14:hiddenLine xmlns:a14="http://schemas.microsoft.com/office/drawing/2010/main" xmlns="" w="9525">
                   <a:solidFill>
                     <a:srgbClr val="000000"/>
                   </a:solidFill>
@@ -50340,7 +50553,7 @@
             </a:ln>
             <a:extLst>
               <a:ext uri="{91240B29-F687-4f45-9708-019B960494DF}">
-                <a14:hiddenLine xmlns="" xmlns:a14="http://schemas.microsoft.com/office/drawing/2010/main" w="9525">
+                <a14:hiddenLine xmlns:a14="http://schemas.microsoft.com/office/drawing/2010/main" xmlns="" w="9525">
                   <a:solidFill>
                     <a:srgbClr val="000000"/>
                   </a:solidFill>
@@ -50570,7 +50783,7 @@
             </a:ln>
             <a:extLst>
               <a:ext uri="{91240B29-F687-4f45-9708-019B960494DF}">
-                <a14:hiddenLine xmlns="" xmlns:a14="http://schemas.microsoft.com/office/drawing/2010/main" w="9525">
+                <a14:hiddenLine xmlns:a14="http://schemas.microsoft.com/office/drawing/2010/main" xmlns="" w="9525">
                   <a:solidFill>
                     <a:srgbClr val="000000"/>
                   </a:solidFill>
@@ -50680,7 +50893,7 @@
             </a:ln>
             <a:extLst>
               <a:ext uri="{91240B29-F687-4f45-9708-019B960494DF}">
-                <a14:hiddenLine xmlns="" xmlns:a14="http://schemas.microsoft.com/office/drawing/2010/main" w="9525">
+                <a14:hiddenLine xmlns:a14="http://schemas.microsoft.com/office/drawing/2010/main" xmlns="" w="9525">
                   <a:solidFill>
                     <a:srgbClr val="000000"/>
                   </a:solidFill>
@@ -50917,7 +51130,7 @@
             </a:ln>
             <a:extLst>
               <a:ext uri="{91240B29-F687-4f45-9708-019B960494DF}">
-                <a14:hiddenLine xmlns="" xmlns:a14="http://schemas.microsoft.com/office/drawing/2010/main" w="9525">
+                <a14:hiddenLine xmlns:a14="http://schemas.microsoft.com/office/drawing/2010/main" xmlns="" w="9525">
                   <a:solidFill>
                     <a:srgbClr val="000000"/>
                   </a:solidFill>
@@ -51540,7 +51753,7 @@
             </a:ln>
             <a:extLst>
               <a:ext uri="{91240B29-F687-4f45-9708-019B960494DF}">
-                <a14:hiddenLine xmlns="" xmlns:a14="http://schemas.microsoft.com/office/drawing/2010/main" w="9525">
+                <a14:hiddenLine xmlns:a14="http://schemas.microsoft.com/office/drawing/2010/main" xmlns="" w="9525">
                   <a:solidFill>
                     <a:srgbClr val="000000"/>
                   </a:solidFill>
@@ -52139,7 +52352,7 @@
             </a:ln>
             <a:extLst>
               <a:ext uri="{91240B29-F687-4f45-9708-019B960494DF}">
-                <a14:hiddenLine xmlns="" xmlns:a14="http://schemas.microsoft.com/office/drawing/2010/main" w="9525">
+                <a14:hiddenLine xmlns:a14="http://schemas.microsoft.com/office/drawing/2010/main" xmlns="" w="9525">
                   <a:solidFill>
                     <a:srgbClr val="000000"/>
                   </a:solidFill>
@@ -52738,7 +52951,7 @@
             </a:ln>
             <a:extLst>
               <a:ext uri="{91240B29-F687-4f45-9708-019B960494DF}">
-                <a14:hiddenLine xmlns="" xmlns:a14="http://schemas.microsoft.com/office/drawing/2010/main" w="9525">
+                <a14:hiddenLine xmlns:a14="http://schemas.microsoft.com/office/drawing/2010/main" xmlns="" w="9525">
                   <a:solidFill>
                     <a:srgbClr val="000000"/>
                   </a:solidFill>
@@ -53332,21 +53545,6 @@
 </file>
 
 <file path=customXml/item1.xml><?xml version="1.0" encoding="utf-8"?>
-<p:properties xmlns:p="http://schemas.microsoft.com/office/2006/metadata/properties" xmlns:xsi="http://www.w3.org/2001/XMLSchema-instance" xmlns:pc="http://schemas.microsoft.com/office/infopath/2007/PartnerControls">
-  <documentManagement/>
-</p:properties>
-</file>
-
-<file path=customXml/item2.xml><?xml version="1.0" encoding="utf-8"?>
-<?mso-contentType ?>
-<FormTemplates xmlns="http://schemas.microsoft.com/sharepoint/v3/contenttype/forms">
-  <Display>DocumentLibraryForm</Display>
-  <Edit>DocumentLibraryForm</Edit>
-  <New>DocumentLibraryForm</New>
-</FormTemplates>
-</file>
-
-<file path=customXml/item3.xml><?xml version="1.0" encoding="utf-8"?>
 <ct:contentTypeSchema xmlns:ct="http://schemas.microsoft.com/office/2006/metadata/contentType" xmlns:ma="http://schemas.microsoft.com/office/2006/metadata/properties/metaAttributes" ct:_="" ma:_="" ma:contentTypeName="Document" ma:contentTypeID="0x0101003CFE317AB703A0449742DE406C676985" ma:contentTypeVersion="" ma:contentTypeDescription="Create a new document." ma:contentTypeScope="" ma:versionID="075a0df9327dac238a362fa612ce7c78">
   <xsd:schema xmlns:xsd="http://www.w3.org/2001/XMLSchema" xmlns:xs="http://www.w3.org/2001/XMLSchema" xmlns:p="http://schemas.microsoft.com/office/2006/metadata/properties" xmlns:ns2="dfcad76c-8265-44a7-8256-4938e7b2ebda" xmlns:ns3="cb8bf1fc-3ac3-4ad2-bdcd-c166d58421a5" targetNamespace="http://schemas.microsoft.com/office/2006/metadata/properties" ma:root="true" ma:fieldsID="77d1d37617f2da2848f03c1ae57996a7" ns2:_="" ns3:_="">
     <xsd:import namespace="dfcad76c-8265-44a7-8256-4938e7b2ebda"/>
@@ -53531,24 +53729,22 @@
 </ct:contentTypeSchema>
 </file>
 
-<file path=customXml/itemProps1.xml><?xml version="1.0" encoding="utf-8"?>
-<ds:datastoreItem xmlns:ds="http://schemas.openxmlformats.org/officeDocument/2006/customXml" ds:itemID="{00903BAE-DDAE-402D-98CC-A6F112A5C05E}">
-  <ds:schemaRefs>
-    <ds:schemaRef ds:uri="http://schemas.microsoft.com/office/2006/metadata/properties"/>
-    <ds:schemaRef ds:uri="http://schemas.microsoft.com/office/infopath/2007/PartnerControls"/>
-  </ds:schemaRefs>
-</ds:datastoreItem>
+<file path=customXml/item2.xml><?xml version="1.0" encoding="utf-8"?>
+<?mso-contentType ?>
+<FormTemplates xmlns="http://schemas.microsoft.com/sharepoint/v3/contenttype/forms">
+  <Display>DocumentLibraryForm</Display>
+  <Edit>DocumentLibraryForm</Edit>
+  <New>DocumentLibraryForm</New>
+</FormTemplates>
 </file>
 
-<file path=customXml/itemProps2.xml><?xml version="1.0" encoding="utf-8"?>
-<ds:datastoreItem xmlns:ds="http://schemas.openxmlformats.org/officeDocument/2006/customXml" ds:itemID="{0BD97C68-B59E-41E1-B6CE-FF954F133065}">
-  <ds:schemaRefs>
-    <ds:schemaRef ds:uri="http://schemas.microsoft.com/sharepoint/v3/contenttype/forms"/>
-  </ds:schemaRefs>
-</ds:datastoreItem>
+<file path=customXml/item3.xml><?xml version="1.0" encoding="utf-8"?>
+<p:properties xmlns:p="http://schemas.microsoft.com/office/2006/metadata/properties" xmlns:xsi="http://www.w3.org/2001/XMLSchema-instance" xmlns:pc="http://schemas.microsoft.com/office/infopath/2007/PartnerControls">
+  <documentManagement/>
+</p:properties>
 </file>
 
-<file path=customXml/itemProps3.xml><?xml version="1.0" encoding="utf-8"?>
+<file path=customXml/itemProps1.xml><?xml version="1.0" encoding="utf-8"?>
 <ds:datastoreItem xmlns:ds="http://schemas.openxmlformats.org/officeDocument/2006/customXml" ds:itemID="{C19435C9-137C-432D-9CF9-8A130E755C7B}">
   <ds:schemaRefs>
     <ds:schemaRef ds:uri="http://schemas.microsoft.com/office/2006/metadata/contentType"/>
@@ -53565,4 +53761,21 @@
     <ds:schemaRef ds:uri="http://schemas.microsoft.com/internal/obd"/>
   </ds:schemaRefs>
 </ds:datastoreItem>
+</file>
+
+<file path=customXml/itemProps2.xml><?xml version="1.0" encoding="utf-8"?>
+<ds:datastoreItem xmlns:ds="http://schemas.openxmlformats.org/officeDocument/2006/customXml" ds:itemID="{0BD97C68-B59E-41E1-B6CE-FF954F133065}">
+  <ds:schemaRefs>
+    <ds:schemaRef ds:uri="http://schemas.microsoft.com/sharepoint/v3/contenttype/forms"/>
+  </ds:schemaRefs>
+</ds:datastoreItem>
+</file>
+
+<file path=customXml/itemProps3.xml><?xml version="1.0" encoding="utf-8"?>
+<ds:datastoreItem xmlns:ds="http://schemas.openxmlformats.org/officeDocument/2006/customXml" ds:itemID="{00903BAE-DDAE-402D-98CC-A6F112A5C05E}">
+  <ds:schemaRefs>
+    <ds:schemaRef ds:uri="http://schemas.microsoft.com/office/2006/metadata/properties"/>
+    <ds:schemaRef ds:uri="http://schemas.microsoft.com/office/infopath/2007/PartnerControls"/>
+  </ds:schemaRefs>
+</ds:datastoreItem>
 </file>
--- a/filesets/compete_snowflake/snowflake_migration_blockers.pptx
+++ b/filesets/compete_snowflake/snowflake_migration_blockers.pptx
@@ -220,7 +220,7 @@
           <a:p>
             <a:fld id="{C7103FDF-5845-2441-8890-D723FF5A85D0}" type="datetimeFigureOut">
               <a:rPr lang="en-US" smtClean="0"/>
-              <a:t>25-Jun-20</a:t>
+              <a:t>8/21/2020</a:t>
             </a:fld>
             <a:endParaRPr lang="en-US"/>
           </a:p>
@@ -31342,10 +31342,10 @@
         </p:nvGrpSpPr>
         <p:grpSpPr>
           <a:xfrm>
-            <a:off x="843079" y="1840169"/>
-            <a:ext cx="2185605" cy="610831"/>
-            <a:chOff x="812462" y="1646497"/>
-            <a:chExt cx="2185605" cy="610831"/>
+            <a:off x="819617" y="1840169"/>
+            <a:ext cx="2077423" cy="720636"/>
+            <a:chOff x="787495" y="1646497"/>
+            <a:chExt cx="2210572" cy="846812"/>
           </a:xfrm>
         </p:grpSpPr>
         <p:sp>
@@ -31362,8 +31362,8 @@
           </p:nvSpPr>
           <p:spPr>
             <a:xfrm>
-              <a:off x="812462" y="1980329"/>
-              <a:ext cx="2185605" cy="276999"/>
+              <a:off x="787495" y="1950811"/>
+              <a:ext cx="2185605" cy="542498"/>
             </a:xfrm>
             <a:prstGeom prst="rect">
               <a:avLst/>
@@ -31377,14 +31377,35 @@
             <a:lstStyle/>
             <a:p>
               <a:r>
+                <a:rPr lang="en-US" sz="1200" dirty="0">
+                  <a:latin typeface="Arial" panose="020B0604020202020204" pitchFamily="34" charset="0"/>
+                  <a:cs typeface="Arial" panose="020B0604020202020204" pitchFamily="34" charset="0"/>
+                </a:rPr>
+                <a:t>{{</a:t>
+              </a:r>
+              <a:r>
+                <a:rPr lang="en-US" sz="1200" dirty="0" err="1">
+                  <a:latin typeface="Arial" panose="020B0604020202020204" pitchFamily="34" charset="0"/>
+                  <a:cs typeface="Arial" panose="020B0604020202020204" pitchFamily="34" charset="0"/>
+                </a:rPr>
+                <a:t>val:dat_snowflake_indextype.csv</a:t>
+              </a:r>
+              <a:r>
+                <a:rPr lang="en-US" sz="1200" dirty="0">
+                  <a:latin typeface="Arial" panose="020B0604020202020204" pitchFamily="34" charset="0"/>
+                  <a:cs typeface="Arial" panose="020B0604020202020204" pitchFamily="34" charset="0"/>
+                </a:rPr>
+                <a:t>[1:3]}}</a:t>
+              </a:r>
+              <a:r>
                 <a:rPr lang="en-IN" sz="1200" dirty="0">
                   <a:solidFill>
                     <a:schemeClr val="tx2"/>
                   </a:solidFill>
-                  <a:latin typeface="Arial" pitchFamily="34" charset="0"/>
+                  <a:latin typeface="Arial" panose="020B0604020202020204" pitchFamily="34" charset="0"/>
                   <a:cs typeface="Arial" pitchFamily="34" charset="0"/>
                 </a:rPr>
-                <a:t>36,784 UPI Defined</a:t>
+                <a:t> UPI Defined</a:t>
               </a:r>
             </a:p>
           </p:txBody>
@@ -31452,10 +31473,10 @@
         </p:nvGrpSpPr>
         <p:grpSpPr>
           <a:xfrm>
-            <a:off x="293855" y="3158745"/>
-            <a:ext cx="3152766" cy="980163"/>
+            <a:off x="328536" y="2924944"/>
+            <a:ext cx="3101829" cy="2272824"/>
             <a:chOff x="812462" y="1646497"/>
-            <a:chExt cx="2647028" cy="980163"/>
+            <a:chExt cx="2647028" cy="2272824"/>
           </a:xfrm>
         </p:grpSpPr>
         <p:sp>
@@ -31473,7 +31494,7 @@
           <p:spPr>
             <a:xfrm>
               <a:off x="812462" y="1980329"/>
-              <a:ext cx="2647028" cy="646331"/>
+              <a:ext cx="2647028" cy="1938992"/>
             </a:xfrm>
             <a:prstGeom prst="rect">
               <a:avLst/>
@@ -31495,10 +31516,96 @@
                   <a:solidFill>
                     <a:schemeClr val="tx2"/>
                   </a:solidFill>
+                  <a:latin typeface="Arial" panose="020B0604020202020204" pitchFamily="34" charset="0"/>
+                  <a:cs typeface="Arial" panose="020B0604020202020204" pitchFamily="34" charset="0"/>
+                </a:rPr>
+                <a:t>{{</a:t>
+              </a:r>
+              <a:r>
+                <a:rPr lang="en-IN" sz="1200" dirty="0" err="1">
+                  <a:solidFill>
+                    <a:schemeClr val="tx2"/>
+                  </a:solidFill>
+                  <a:latin typeface="Arial" panose="020B0604020202020204" pitchFamily="34" charset="0"/>
+                  <a:cs typeface="Arial" panose="020B0604020202020204" pitchFamily="34" charset="0"/>
+                </a:rPr>
+                <a:t>val:dat_snowflake_table_multiset.csv</a:t>
+              </a:r>
+              <a:r>
+                <a:rPr lang="en-IN" sz="1200" dirty="0">
+                  <a:solidFill>
+                    <a:schemeClr val="tx2"/>
+                  </a:solidFill>
+                  <a:latin typeface="Arial" panose="020B0604020202020204" pitchFamily="34" charset="0"/>
+                  <a:cs typeface="Arial" panose="020B0604020202020204" pitchFamily="34" charset="0"/>
+                </a:rPr>
+                <a:t>[1:3]}} SET tables out of {{</a:t>
+              </a:r>
+              <a:r>
+                <a:rPr lang="en-IN" sz="1200" dirty="0" err="1">
+                  <a:solidFill>
+                    <a:schemeClr val="tx2"/>
+                  </a:solidFill>
+                  <a:latin typeface="Arial" panose="020B0604020202020204" pitchFamily="34" charset="0"/>
+                  <a:cs typeface="Arial" panose="020B0604020202020204" pitchFamily="34" charset="0"/>
+                </a:rPr>
+                <a:t>val:dat_snowflake_table_multiset.csv</a:t>
+              </a:r>
+              <a:r>
+                <a:rPr lang="en-IN" sz="1200" dirty="0">
+                  <a:solidFill>
+                    <a:schemeClr val="tx2"/>
+                  </a:solidFill>
+                  <a:latin typeface="Arial" panose="020B0604020202020204" pitchFamily="34" charset="0"/>
+                  <a:cs typeface="Arial" panose="020B0604020202020204" pitchFamily="34" charset="0"/>
+                </a:rPr>
+                <a:t>[1:4]}} ({{</a:t>
+              </a:r>
+              <a:r>
+                <a:rPr lang="en-IN" sz="1200" dirty="0" err="1">
+                  <a:solidFill>
+                    <a:schemeClr val="tx2"/>
+                  </a:solidFill>
+                  <a:latin typeface="Arial" panose="020B0604020202020204" pitchFamily="34" charset="0"/>
+                  <a:cs typeface="Arial" panose="020B0604020202020204" pitchFamily="34" charset="0"/>
+                </a:rPr>
+                <a:t>val:dat_snowflake_table_multiset.csv</a:t>
+              </a:r>
+              <a:r>
+                <a:rPr lang="en-IN" sz="1200" dirty="0">
+                  <a:solidFill>
+                    <a:schemeClr val="tx2"/>
+                  </a:solidFill>
+                  <a:latin typeface="Arial" panose="020B0604020202020204" pitchFamily="34" charset="0"/>
+                  <a:cs typeface="Arial" panose="020B0604020202020204" pitchFamily="34" charset="0"/>
+                </a:rPr>
+                <a:t>[1:5]}}%)</a:t>
+              </a:r>
+            </a:p>
+            <a:p>
+              <a:pPr marL="171450" indent="-171450">
+                <a:buFont typeface="Arial" panose="020B0604020202020204" pitchFamily="34" charset="0"/>
+                <a:buChar char="•"/>
+              </a:pPr>
+              <a:r>
+                <a:rPr lang="nl-NL" sz="1200" dirty="0">
+                  <a:solidFill>
+                    <a:schemeClr val="tx2"/>
+                  </a:solidFill>
                   <a:latin typeface="Arial" pitchFamily="34" charset="0"/>
                   <a:cs typeface="Arial" pitchFamily="34" charset="0"/>
                 </a:rPr>
-                <a:t>80,836 SET tables out of 91,668 (88%)</a:t>
+                <a:t>{{val:dat_snowflake_usage_per_type.csv[1:5]}}</a:t>
+              </a:r>
+              <a:r>
+                <a:rPr lang="en-IN" sz="1200" dirty="0">
+                  <a:solidFill>
+                    <a:schemeClr val="tx2"/>
+                  </a:solidFill>
+                  <a:latin typeface="Arial" pitchFamily="34" charset="0"/>
+                  <a:cs typeface="Arial" pitchFamily="34" charset="0"/>
+                </a:rPr>
+                <a:t> Global Temporary Tables</a:t>
               </a:r>
             </a:p>
             <a:p>
@@ -31514,14 +31621,28 @@
                   <a:latin typeface="Arial" pitchFamily="34" charset="0"/>
                   <a:cs typeface="Arial" pitchFamily="34" charset="0"/>
                 </a:rPr>
-                <a:t>160,578 Global Temporary Tables</a:t>
+                <a:t>{{</a:t>
               </a:r>
-            </a:p>
-            <a:p>
-              <a:pPr marL="171450" indent="-171450">
-                <a:buFont typeface="Arial" panose="020B0604020202020204" pitchFamily="34" charset="0"/>
-                <a:buChar char="•"/>
-              </a:pPr>
+              <a:r>
+                <a:rPr lang="en-IN" sz="1200" dirty="0" err="1">
+                  <a:solidFill>
+                    <a:schemeClr val="tx2"/>
+                  </a:solidFill>
+                  <a:latin typeface="Arial" pitchFamily="34" charset="0"/>
+                  <a:cs typeface="Arial" pitchFamily="34" charset="0"/>
+                </a:rPr>
+                <a:t>val:d</a:t>
+              </a:r>
+              <a:r>
+                <a:rPr lang="en-US" sz="1200" dirty="0">
+                  <a:solidFill>
+                    <a:schemeClr val="tx2"/>
+                  </a:solidFill>
+                  <a:latin typeface="Arial" pitchFamily="34" charset="0"/>
+                  <a:cs typeface="Arial" pitchFamily="34" charset="0"/>
+                </a:rPr>
+                <a:t>at_snowflake_tablekind.csv</a:t>
+              </a:r>
               <a:r>
                 <a:rPr lang="en-IN" sz="1200" dirty="0">
                   <a:solidFill>
@@ -31530,7 +31651,7 @@
                   <a:latin typeface="Arial" pitchFamily="34" charset="0"/>
                   <a:cs typeface="Arial" pitchFamily="34" charset="0"/>
                 </a:rPr>
-                <a:t>12 Join Indexes</a:t>
+                <a:t>[1:3]}} Join Indexes</a:t>
               </a:r>
             </a:p>
           </p:txBody>
@@ -31598,10 +31719,10 @@
         </p:nvGrpSpPr>
         <p:grpSpPr>
           <a:xfrm>
-            <a:off x="673584" y="5071869"/>
-            <a:ext cx="2436333" cy="980163"/>
+            <a:off x="328536" y="5071869"/>
+            <a:ext cx="2781382" cy="1718827"/>
             <a:chOff x="642967" y="1646497"/>
-            <a:chExt cx="2436333" cy="980163"/>
+            <a:chExt cx="2436333" cy="1718827"/>
           </a:xfrm>
         </p:grpSpPr>
         <p:sp>
@@ -31619,7 +31740,7 @@
           <p:spPr>
             <a:xfrm>
               <a:off x="642967" y="1980329"/>
-              <a:ext cx="2436333" cy="646331"/>
+              <a:ext cx="2436333" cy="1384995"/>
             </a:xfrm>
             <a:prstGeom prst="rect">
               <a:avLst/>
@@ -31637,6 +31758,27 @@
                 <a:buChar char="•"/>
               </a:pPr>
               <a:r>
+                <a:rPr lang="en-US" sz="1200" dirty="0">
+                  <a:latin typeface="Arial" panose="020B0604020202020204" pitchFamily="34" charset="0"/>
+                  <a:cs typeface="Arial" panose="020B0604020202020204" pitchFamily="34" charset="0"/>
+                </a:rPr>
+                <a:t>{{</a:t>
+              </a:r>
+              <a:r>
+                <a:rPr lang="en-US" sz="1200" dirty="0" err="1">
+                  <a:latin typeface="Arial" panose="020B0604020202020204" pitchFamily="34" charset="0"/>
+                  <a:cs typeface="Arial" panose="020B0604020202020204" pitchFamily="34" charset="0"/>
+                </a:rPr>
+                <a:t>val:dat_snowflake_constrainttype.csv</a:t>
+              </a:r>
+              <a:r>
+                <a:rPr lang="en-US" sz="1200" dirty="0">
+                  <a:latin typeface="Arial" panose="020B0604020202020204" pitchFamily="34" charset="0"/>
+                  <a:cs typeface="Arial" panose="020B0604020202020204" pitchFamily="34" charset="0"/>
+                </a:rPr>
+                <a:t>[1:3]}}</a:t>
+              </a:r>
+              <a:r>
                 <a:rPr lang="en-IN" sz="1200" dirty="0">
                   <a:solidFill>
                     <a:schemeClr val="tx2"/>
@@ -31644,7 +31786,7 @@
                   <a:latin typeface="Arial" pitchFamily="34" charset="0"/>
                   <a:cs typeface="Arial" pitchFamily="34" charset="0"/>
                 </a:rPr>
-                <a:t>19 Check Column Constraints </a:t>
+                <a:t> Check Column Constraints</a:t>
               </a:r>
             </a:p>
             <a:p>
@@ -31653,6 +31795,27 @@
                 <a:buChar char="•"/>
               </a:pPr>
               <a:r>
+                <a:rPr lang="en-US" sz="1200" dirty="0">
+                  <a:latin typeface="Arial" panose="020B0604020202020204" pitchFamily="34" charset="0"/>
+                  <a:cs typeface="Arial" panose="020B0604020202020204" pitchFamily="34" charset="0"/>
+                </a:rPr>
+                <a:t>{{</a:t>
+              </a:r>
+              <a:r>
+                <a:rPr lang="en-US" sz="1200" dirty="0" err="1">
+                  <a:latin typeface="Arial" panose="020B0604020202020204" pitchFamily="34" charset="0"/>
+                  <a:cs typeface="Arial" panose="020B0604020202020204" pitchFamily="34" charset="0"/>
+                </a:rPr>
+                <a:t>val:dat_snowflake_constrainttype.csv</a:t>
+              </a:r>
+              <a:r>
+                <a:rPr lang="en-US" sz="1200" dirty="0">
+                  <a:latin typeface="Arial" panose="020B0604020202020204" pitchFamily="34" charset="0"/>
+                  <a:cs typeface="Arial" panose="020B0604020202020204" pitchFamily="34" charset="0"/>
+                </a:rPr>
+                <a:t>[1:4]}}</a:t>
+              </a:r>
+              <a:r>
                 <a:rPr lang="en-IN" sz="1200" dirty="0">
                   <a:solidFill>
                     <a:schemeClr val="tx2"/>
@@ -31660,7 +31823,7 @@
                   <a:latin typeface="Arial" pitchFamily="34" charset="0"/>
                   <a:cs typeface="Arial" pitchFamily="34" charset="0"/>
                 </a:rPr>
-                <a:t>251 Primary Key Constraints</a:t>
+                <a:t> Primary Key Constraints</a:t>
               </a:r>
             </a:p>
             <a:p>
@@ -31669,6 +31832,27 @@
                 <a:buChar char="•"/>
               </a:pPr>
               <a:r>
+                <a:rPr lang="en-US" sz="1200" dirty="0">
+                  <a:latin typeface="Arial" panose="020B0604020202020204" pitchFamily="34" charset="0"/>
+                  <a:cs typeface="Arial" panose="020B0604020202020204" pitchFamily="34" charset="0"/>
+                </a:rPr>
+                <a:t>{{</a:t>
+              </a:r>
+              <a:r>
+                <a:rPr lang="en-US" sz="1200" dirty="0" err="1">
+                  <a:latin typeface="Arial" panose="020B0604020202020204" pitchFamily="34" charset="0"/>
+                  <a:cs typeface="Arial" panose="020B0604020202020204" pitchFamily="34" charset="0"/>
+                </a:rPr>
+                <a:t>val:dat_snowflake_constrainttype.csv</a:t>
+              </a:r>
+              <a:r>
+                <a:rPr lang="en-US" sz="1200" dirty="0">
+                  <a:latin typeface="Arial" panose="020B0604020202020204" pitchFamily="34" charset="0"/>
+                  <a:cs typeface="Arial" panose="020B0604020202020204" pitchFamily="34" charset="0"/>
+                </a:rPr>
+                <a:t>[1:5]}}</a:t>
+              </a:r>
+              <a:r>
                 <a:rPr lang="en-IN" sz="1200" dirty="0">
                   <a:solidFill>
                     <a:schemeClr val="tx2"/>
@@ -31676,7 +31860,7 @@
                   <a:latin typeface="Arial" pitchFamily="34" charset="0"/>
                   <a:cs typeface="Arial" pitchFamily="34" charset="0"/>
                 </a:rPr>
-                <a:t>128 Foreign Key Constraints</a:t>
+                <a:t> Foreign Key Constraints</a:t>
               </a:r>
             </a:p>
           </p:txBody>
@@ -31745,9 +31929,9 @@
         <p:grpSpPr>
           <a:xfrm>
             <a:off x="9140035" y="1655503"/>
-            <a:ext cx="2782834" cy="795497"/>
+            <a:ext cx="2782834" cy="1164829"/>
             <a:chOff x="812462" y="1646497"/>
-            <a:chExt cx="2185605" cy="795497"/>
+            <a:chExt cx="2185605" cy="1164829"/>
           </a:xfrm>
         </p:grpSpPr>
         <p:sp>
@@ -31765,7 +31949,7 @@
           <p:spPr>
             <a:xfrm>
               <a:off x="812462" y="1980329"/>
-              <a:ext cx="2185605" cy="461665"/>
+              <a:ext cx="2185605" cy="830997"/>
             </a:xfrm>
             <a:prstGeom prst="rect">
               <a:avLst/>
@@ -31783,14 +31967,35 @@
                 <a:buChar char="•"/>
               </a:pPr>
               <a:r>
+                <a:rPr lang="en-US" sz="1200" dirty="0">
+                  <a:latin typeface="Arial" panose="020B0604020202020204" pitchFamily="34" charset="0"/>
+                  <a:cs typeface="Arial" panose="020B0604020202020204" pitchFamily="34" charset="0"/>
+                </a:rPr>
+                <a:t>{{</a:t>
+              </a:r>
+              <a:r>
+                <a:rPr lang="en-US" sz="1200" dirty="0" err="1">
+                  <a:latin typeface="Arial" panose="020B0604020202020204" pitchFamily="34" charset="0"/>
+                  <a:cs typeface="Arial" panose="020B0604020202020204" pitchFamily="34" charset="0"/>
+                </a:rPr>
+                <a:t>val:dat_dbobject_count_per_column_format.csv</a:t>
+              </a:r>
+              <a:r>
+                <a:rPr lang="en-US" sz="1200" dirty="0">
+                  <a:latin typeface="Arial" panose="020B0604020202020204" pitchFamily="34" charset="0"/>
+                  <a:cs typeface="Arial" panose="020B0604020202020204" pitchFamily="34" charset="0"/>
+                </a:rPr>
+                <a:t>[1:5]}}</a:t>
+              </a:r>
+              <a:r>
                 <a:rPr lang="en-IN" sz="1200" dirty="0">
                   <a:solidFill>
                     <a:schemeClr val="tx2"/>
                   </a:solidFill>
-                  <a:latin typeface="Arial" pitchFamily="34" charset="0"/>
+                  <a:latin typeface="Arial" panose="020B0604020202020204" pitchFamily="34" charset="0"/>
                   <a:cs typeface="Arial" pitchFamily="34" charset="0"/>
                 </a:rPr>
-                <a:t>1,339,686 Column Formats</a:t>
+                <a:t> Column Formats</a:t>
               </a:r>
             </a:p>
             <a:p>
@@ -31798,7 +32003,7 @@
                 <a:solidFill>
                   <a:schemeClr val="tx2"/>
                 </a:solidFill>
-                <a:latin typeface="Arial" pitchFamily="34" charset="0"/>
+                <a:latin typeface="Arial" panose="020B0604020202020204" pitchFamily="34" charset="0"/>
                 <a:cs typeface="Arial" pitchFamily="34" charset="0"/>
               </a:endParaRPr>
             </a:p>
@@ -31868,9 +32073,9 @@
         <p:grpSpPr>
           <a:xfrm>
             <a:off x="9332593" y="2780928"/>
-            <a:ext cx="2185605" cy="610831"/>
+            <a:ext cx="2185605" cy="795497"/>
             <a:chOff x="812462" y="1646497"/>
-            <a:chExt cx="2185605" cy="610831"/>
+            <a:chExt cx="2185605" cy="795497"/>
           </a:xfrm>
         </p:grpSpPr>
         <p:sp>
@@ -31888,7 +32093,7 @@
           <p:spPr>
             <a:xfrm>
               <a:off x="812462" y="1980329"/>
-              <a:ext cx="2185605" cy="276999"/>
+              <a:ext cx="2185605" cy="461665"/>
             </a:xfrm>
             <a:prstGeom prst="rect">
               <a:avLst/>
@@ -31909,7 +32114,27 @@
                   <a:latin typeface="Arial" pitchFamily="34" charset="0"/>
                   <a:cs typeface="Arial" pitchFamily="34" charset="0"/>
                 </a:rPr>
-                <a:t>6,985 PPI Defined</a:t>
+                <a:t>{{</a:t>
+              </a:r>
+              <a:r>
+                <a:rPr lang="en-IN" sz="1200" dirty="0" err="1">
+                  <a:solidFill>
+                    <a:schemeClr val="tx2"/>
+                  </a:solidFill>
+                  <a:latin typeface="Arial" pitchFamily="34" charset="0"/>
+                  <a:cs typeface="Arial" pitchFamily="34" charset="0"/>
+                </a:rPr>
+                <a:t>val:dat_snowflake_indextype.csv</a:t>
+              </a:r>
+              <a:r>
+                <a:rPr lang="en-IN" sz="1200" dirty="0">
+                  <a:solidFill>
+                    <a:schemeClr val="tx2"/>
+                  </a:solidFill>
+                  <a:latin typeface="Arial" pitchFamily="34" charset="0"/>
+                  <a:cs typeface="Arial" pitchFamily="34" charset="0"/>
+                </a:rPr>
+                <a:t>[1:4]}}  PPI Defined</a:t>
               </a:r>
             </a:p>
           </p:txBody>
@@ -31978,9 +32203,9 @@
         <p:grpSpPr>
           <a:xfrm>
             <a:off x="9215665" y="4252403"/>
-            <a:ext cx="2211083" cy="1903492"/>
+            <a:ext cx="2211083" cy="4488816"/>
             <a:chOff x="786984" y="1646497"/>
-            <a:chExt cx="2211083" cy="1903492"/>
+            <a:chExt cx="2211083" cy="4488816"/>
           </a:xfrm>
         </p:grpSpPr>
         <p:sp>
@@ -31998,7 +32223,7 @@
           <p:spPr>
             <a:xfrm>
               <a:off x="786984" y="1980329"/>
-              <a:ext cx="2185605" cy="1569660"/>
+              <a:ext cx="2185605" cy="4154984"/>
             </a:xfrm>
             <a:prstGeom prst="rect">
               <a:avLst/>
@@ -32016,6 +32241,27 @@
                 <a:buChar char="•"/>
               </a:pPr>
               <a:r>
+                <a:rPr lang="en-US" sz="1200" dirty="0">
+                  <a:latin typeface="Arial" panose="020B0604020202020204" pitchFamily="34" charset="0"/>
+                  <a:cs typeface="Arial" panose="020B0604020202020204" pitchFamily="34" charset="0"/>
+                </a:rPr>
+                <a:t>{{</a:t>
+              </a:r>
+              <a:r>
+                <a:rPr lang="en-US" sz="1200" dirty="0" err="1">
+                  <a:latin typeface="Arial" panose="020B0604020202020204" pitchFamily="34" charset="0"/>
+                  <a:cs typeface="Arial" panose="020B0604020202020204" pitchFamily="34" charset="0"/>
+                </a:rPr>
+                <a:t>val:dat_snowflake_special_data_types.csv</a:t>
+              </a:r>
+              <a:r>
+                <a:rPr lang="en-US" sz="1200" dirty="0">
+                  <a:latin typeface="Arial" panose="020B0604020202020204" pitchFamily="34" charset="0"/>
+                  <a:cs typeface="Arial" panose="020B0604020202020204" pitchFamily="34" charset="0"/>
+                </a:rPr>
+                <a:t>[1:3]}}</a:t>
+              </a:r>
+              <a:r>
                 <a:rPr lang="en-IN" sz="1200" dirty="0">
                   <a:solidFill>
                     <a:schemeClr val="tx2"/>
@@ -32023,7 +32269,7 @@
                   <a:latin typeface="Arial" pitchFamily="34" charset="0"/>
                   <a:cs typeface="Arial" pitchFamily="34" charset="0"/>
                 </a:rPr>
-                <a:t>60 INTERVAL</a:t>
+                <a:t>  INTERVAL</a:t>
               </a:r>
             </a:p>
             <a:p>
@@ -32032,6 +32278,27 @@
                 <a:buChar char="•"/>
               </a:pPr>
               <a:r>
+                <a:rPr lang="en-US" sz="1200" dirty="0">
+                  <a:latin typeface="Arial" panose="020B0604020202020204" pitchFamily="34" charset="0"/>
+                  <a:cs typeface="Arial" panose="020B0604020202020204" pitchFamily="34" charset="0"/>
+                </a:rPr>
+                <a:t>{{</a:t>
+              </a:r>
+              <a:r>
+                <a:rPr lang="en-US" sz="1200" dirty="0" err="1">
+                  <a:latin typeface="Arial" panose="020B0604020202020204" pitchFamily="34" charset="0"/>
+                  <a:cs typeface="Arial" panose="020B0604020202020204" pitchFamily="34" charset="0"/>
+                </a:rPr>
+                <a:t>val:dat_snowflake_special_data_types.csv</a:t>
+              </a:r>
+              <a:r>
+                <a:rPr lang="en-US" sz="1200" dirty="0">
+                  <a:latin typeface="Arial" panose="020B0604020202020204" pitchFamily="34" charset="0"/>
+                  <a:cs typeface="Arial" panose="020B0604020202020204" pitchFamily="34" charset="0"/>
+                </a:rPr>
+                <a:t>[1:4]}} </a:t>
+              </a:r>
+              <a:r>
                 <a:rPr lang="en-IN" sz="1200" dirty="0">
                   <a:solidFill>
                     <a:schemeClr val="tx2"/>
@@ -32039,7 +32306,7 @@
                   <a:latin typeface="Arial" pitchFamily="34" charset="0"/>
                   <a:cs typeface="Arial" pitchFamily="34" charset="0"/>
                 </a:rPr>
-                <a:t>165 PERIOD</a:t>
+                <a:t> PERIOD</a:t>
               </a:r>
             </a:p>
             <a:p>
@@ -32048,6 +32315,27 @@
                 <a:buChar char="•"/>
               </a:pPr>
               <a:r>
+                <a:rPr lang="en-US" sz="1200" dirty="0">
+                  <a:latin typeface="Arial" panose="020B0604020202020204" pitchFamily="34" charset="0"/>
+                  <a:cs typeface="Arial" panose="020B0604020202020204" pitchFamily="34" charset="0"/>
+                </a:rPr>
+                <a:t>{{</a:t>
+              </a:r>
+              <a:r>
+                <a:rPr lang="en-US" sz="1200" dirty="0" err="1">
+                  <a:latin typeface="Arial" panose="020B0604020202020204" pitchFamily="34" charset="0"/>
+                  <a:cs typeface="Arial" panose="020B0604020202020204" pitchFamily="34" charset="0"/>
+                </a:rPr>
+                <a:t>val:dat_snowflake_special_data_types.csv</a:t>
+              </a:r>
+              <a:r>
+                <a:rPr lang="en-US" sz="1200" dirty="0">
+                  <a:latin typeface="Arial" panose="020B0604020202020204" pitchFamily="34" charset="0"/>
+                  <a:cs typeface="Arial" panose="020B0604020202020204" pitchFamily="34" charset="0"/>
+                </a:rPr>
+                <a:t>[1:5]}} </a:t>
+              </a:r>
+              <a:r>
                 <a:rPr lang="en-IN" sz="1200" dirty="0">
                   <a:solidFill>
                     <a:schemeClr val="tx2"/>
@@ -32055,7 +32343,7 @@
                   <a:latin typeface="Arial" pitchFamily="34" charset="0"/>
                   <a:cs typeface="Arial" pitchFamily="34" charset="0"/>
                 </a:rPr>
-                <a:t>3,788 NUMBER</a:t>
+                <a:t> NUMBER</a:t>
               </a:r>
             </a:p>
             <a:p>
@@ -32064,6 +32352,27 @@
                 <a:buChar char="•"/>
               </a:pPr>
               <a:r>
+                <a:rPr lang="en-US" sz="1200" dirty="0">
+                  <a:latin typeface="Arial" panose="020B0604020202020204" pitchFamily="34" charset="0"/>
+                  <a:cs typeface="Arial" panose="020B0604020202020204" pitchFamily="34" charset="0"/>
+                </a:rPr>
+                <a:t>{{</a:t>
+              </a:r>
+              <a:r>
+                <a:rPr lang="en-US" sz="1200" dirty="0" err="1">
+                  <a:latin typeface="Arial" panose="020B0604020202020204" pitchFamily="34" charset="0"/>
+                  <a:cs typeface="Arial" panose="020B0604020202020204" pitchFamily="34" charset="0"/>
+                </a:rPr>
+                <a:t>val:dat_snowflake_special_data_types.csv</a:t>
+              </a:r>
+              <a:r>
+                <a:rPr lang="en-US" sz="1200" dirty="0">
+                  <a:latin typeface="Arial" panose="020B0604020202020204" pitchFamily="34" charset="0"/>
+                  <a:cs typeface="Arial" panose="020B0604020202020204" pitchFamily="34" charset="0"/>
+                </a:rPr>
+                <a:t>[1:6]}}</a:t>
+              </a:r>
+              <a:r>
                 <a:rPr lang="en-IN" sz="1200" dirty="0">
                   <a:solidFill>
                     <a:schemeClr val="tx2"/>
@@ -32071,7 +32380,7 @@
                   <a:latin typeface="Arial" pitchFamily="34" charset="0"/>
                   <a:cs typeface="Arial" pitchFamily="34" charset="0"/>
                 </a:rPr>
-                <a:t>72 BLOB &gt; 8MB</a:t>
+                <a:t> BLOB &gt; 8MB</a:t>
               </a:r>
             </a:p>
             <a:p>
@@ -32080,6 +32389,27 @@
                 <a:buChar char="•"/>
               </a:pPr>
               <a:r>
+                <a:rPr lang="en-US" sz="1200" dirty="0">
+                  <a:latin typeface="Arial" panose="020B0604020202020204" pitchFamily="34" charset="0"/>
+                  <a:cs typeface="Arial" panose="020B0604020202020204" pitchFamily="34" charset="0"/>
+                </a:rPr>
+                <a:t>{{</a:t>
+              </a:r>
+              <a:r>
+                <a:rPr lang="en-US" sz="1200" dirty="0" err="1">
+                  <a:latin typeface="Arial" panose="020B0604020202020204" pitchFamily="34" charset="0"/>
+                  <a:cs typeface="Arial" panose="020B0604020202020204" pitchFamily="34" charset="0"/>
+                </a:rPr>
+                <a:t>val:dat_snowflake_special_data_types.csv</a:t>
+              </a:r>
+              <a:r>
+                <a:rPr lang="en-US" sz="1200" dirty="0">
+                  <a:latin typeface="Arial" panose="020B0604020202020204" pitchFamily="34" charset="0"/>
+                  <a:cs typeface="Arial" panose="020B0604020202020204" pitchFamily="34" charset="0"/>
+                </a:rPr>
+                <a:t>[1:7]}} </a:t>
+              </a:r>
+              <a:r>
                 <a:rPr lang="en-IN" sz="1200" dirty="0">
                   <a:solidFill>
                     <a:schemeClr val="tx2"/>
@@ -32087,7 +32417,7 @@
                   <a:latin typeface="Arial" pitchFamily="34" charset="0"/>
                   <a:cs typeface="Arial" pitchFamily="34" charset="0"/>
                 </a:rPr>
-                <a:t>50 CLOB &gt; 16MB</a:t>
+                <a:t> CLOB &gt; 16MB</a:t>
               </a:r>
             </a:p>
             <a:p>
@@ -32096,6 +32426,27 @@
                 <a:buChar char="•"/>
               </a:pPr>
               <a:r>
+                <a:rPr lang="en-US" sz="1200" dirty="0">
+                  <a:latin typeface="Arial" panose="020B0604020202020204" pitchFamily="34" charset="0"/>
+                  <a:cs typeface="Arial" panose="020B0604020202020204" pitchFamily="34" charset="0"/>
+                </a:rPr>
+                <a:t>{{</a:t>
+              </a:r>
+              <a:r>
+                <a:rPr lang="en-US" sz="1200" dirty="0" err="1">
+                  <a:latin typeface="Arial" panose="020B0604020202020204" pitchFamily="34" charset="0"/>
+                  <a:cs typeface="Arial" panose="020B0604020202020204" pitchFamily="34" charset="0"/>
+                </a:rPr>
+                <a:t>val:dat_snowflake_special_data_types.csv</a:t>
+              </a:r>
+              <a:r>
+                <a:rPr lang="en-US" sz="1200" dirty="0">
+                  <a:latin typeface="Arial" panose="020B0604020202020204" pitchFamily="34" charset="0"/>
+                  <a:cs typeface="Arial" panose="020B0604020202020204" pitchFamily="34" charset="0"/>
+                </a:rPr>
+                <a:t>[1:8]}}</a:t>
+              </a:r>
+              <a:r>
                 <a:rPr lang="en-IN" sz="1200" dirty="0">
                   <a:solidFill>
                     <a:schemeClr val="tx2"/>
@@ -32103,7 +32454,7 @@
                   <a:latin typeface="Arial" pitchFamily="34" charset="0"/>
                   <a:cs typeface="Arial" pitchFamily="34" charset="0"/>
                 </a:rPr>
-                <a:t>267 XML/JSON </a:t>
+                <a:t> XML/JSON </a:t>
               </a:r>
             </a:p>
             <a:p>
@@ -32112,6 +32463,27 @@
                 <a:buChar char="•"/>
               </a:pPr>
               <a:r>
+                <a:rPr lang="en-US" sz="1200" dirty="0">
+                  <a:latin typeface="Arial" panose="020B0604020202020204" pitchFamily="34" charset="0"/>
+                  <a:cs typeface="Arial" panose="020B0604020202020204" pitchFamily="34" charset="0"/>
+                </a:rPr>
+                <a:t>{{</a:t>
+              </a:r>
+              <a:r>
+                <a:rPr lang="en-US" sz="1200" dirty="0" err="1">
+                  <a:latin typeface="Arial" panose="020B0604020202020204" pitchFamily="34" charset="0"/>
+                  <a:cs typeface="Arial" panose="020B0604020202020204" pitchFamily="34" charset="0"/>
+                </a:rPr>
+                <a:t>val:dat_snowflake_special_data_types.csv</a:t>
+              </a:r>
+              <a:r>
+                <a:rPr lang="en-US" sz="1200" dirty="0">
+                  <a:latin typeface="Arial" panose="020B0604020202020204" pitchFamily="34" charset="0"/>
+                  <a:cs typeface="Arial" panose="020B0604020202020204" pitchFamily="34" charset="0"/>
+                </a:rPr>
+                <a:t>[1:9]}}</a:t>
+              </a:r>
+              <a:r>
                 <a:rPr lang="en-IN" sz="1200" dirty="0">
                   <a:solidFill>
                     <a:schemeClr val="tx2"/>
@@ -32119,7 +32491,7 @@
                   <a:latin typeface="Arial" pitchFamily="34" charset="0"/>
                   <a:cs typeface="Arial" pitchFamily="34" charset="0"/>
                 </a:rPr>
-                <a:t>196 Geospatial</a:t>
+                <a:t> Geospatial</a:t>
               </a:r>
             </a:p>
             <a:p>
@@ -53320,12 +53692,6 @@
 </file>
 
 <file path=customXml/item1.xml><?xml version="1.0" encoding="utf-8"?>
-<p:properties xmlns:p="http://schemas.microsoft.com/office/2006/metadata/properties" xmlns:xsi="http://www.w3.org/2001/XMLSchema-instance" xmlns:pc="http://schemas.microsoft.com/office/infopath/2007/PartnerControls">
-  <documentManagement/>
-</p:properties>
-</file>
-
-<file path=customXml/item2.xml><?xml version="1.0" encoding="utf-8"?>
 <?mso-contentType ?>
 <FormTemplates xmlns="http://schemas.microsoft.com/sharepoint/v3/contenttype/forms">
   <Display>DocumentLibraryForm</Display>
@@ -53334,7 +53700,7 @@
 </FormTemplates>
 </file>
 
-<file path=customXml/item3.xml><?xml version="1.0" encoding="utf-8"?>
+<file path=customXml/item2.xml><?xml version="1.0" encoding="utf-8"?>
 <ct:contentTypeSchema xmlns:ct="http://schemas.microsoft.com/office/2006/metadata/contentType" xmlns:ma="http://schemas.microsoft.com/office/2006/metadata/properties/metaAttributes" ct:_="" ma:_="" ma:contentTypeName="Document" ma:contentTypeID="0x0101003CFE317AB703A0449742DE406C676985" ma:contentTypeVersion="" ma:contentTypeDescription="Create a new document." ma:contentTypeScope="" ma:versionID="075a0df9327dac238a362fa612ce7c78">
   <xsd:schema xmlns:xsd="http://www.w3.org/2001/XMLSchema" xmlns:xs="http://www.w3.org/2001/XMLSchema" xmlns:p="http://schemas.microsoft.com/office/2006/metadata/properties" xmlns:ns2="dfcad76c-8265-44a7-8256-4938e7b2ebda" xmlns:ns3="cb8bf1fc-3ac3-4ad2-bdcd-c166d58421a5" targetNamespace="http://schemas.microsoft.com/office/2006/metadata/properties" ma:root="true" ma:fieldsID="77d1d37617f2da2848f03c1ae57996a7" ns2:_="" ns3:_="">
     <xsd:import namespace="dfcad76c-8265-44a7-8256-4938e7b2ebda"/>
@@ -53519,16 +53885,13 @@
 </ct:contentTypeSchema>
 </file>
 
-<file path=customXml/itemProps1.xml><?xml version="1.0" encoding="utf-8"?>
-<ds:datastoreItem xmlns:ds="http://schemas.openxmlformats.org/officeDocument/2006/customXml" ds:itemID="{00903BAE-DDAE-402D-98CC-A6F112A5C05E}">
-  <ds:schemaRefs>
-    <ds:schemaRef ds:uri="http://schemas.microsoft.com/office/2006/metadata/properties"/>
-    <ds:schemaRef ds:uri="http://schemas.microsoft.com/office/infopath/2007/PartnerControls"/>
-  </ds:schemaRefs>
-</ds:datastoreItem>
+<file path=customXml/item3.xml><?xml version="1.0" encoding="utf-8"?>
+<p:properties xmlns:p="http://schemas.microsoft.com/office/2006/metadata/properties" xmlns:xsi="http://www.w3.org/2001/XMLSchema-instance" xmlns:pc="http://schemas.microsoft.com/office/infopath/2007/PartnerControls">
+  <documentManagement/>
+</p:properties>
 </file>
 
-<file path=customXml/itemProps2.xml><?xml version="1.0" encoding="utf-8"?>
+<file path=customXml/itemProps1.xml><?xml version="1.0" encoding="utf-8"?>
 <ds:datastoreItem xmlns:ds="http://schemas.openxmlformats.org/officeDocument/2006/customXml" ds:itemID="{0BD97C68-B59E-41E1-B6CE-FF954F133065}">
   <ds:schemaRefs>
     <ds:schemaRef ds:uri="http://schemas.microsoft.com/sharepoint/v3/contenttype/forms"/>
@@ -53536,7 +53899,7 @@
 </ds:datastoreItem>
 </file>
 
-<file path=customXml/itemProps3.xml><?xml version="1.0" encoding="utf-8"?>
+<file path=customXml/itemProps2.xml><?xml version="1.0" encoding="utf-8"?>
 <ds:datastoreItem xmlns:ds="http://schemas.openxmlformats.org/officeDocument/2006/customXml" ds:itemID="{C19435C9-137C-432D-9CF9-8A130E755C7B}">
   <ds:schemaRefs>
     <ds:schemaRef ds:uri="http://schemas.microsoft.com/office/2006/metadata/contentType"/>
@@ -53553,4 +53916,13 @@
     <ds:schemaRef ds:uri="http://schemas.microsoft.com/internal/obd"/>
   </ds:schemaRefs>
 </ds:datastoreItem>
+</file>
+
+<file path=customXml/itemProps3.xml><?xml version="1.0" encoding="utf-8"?>
+<ds:datastoreItem xmlns:ds="http://schemas.openxmlformats.org/officeDocument/2006/customXml" ds:itemID="{00903BAE-DDAE-402D-98CC-A6F112A5C05E}">
+  <ds:schemaRefs>
+    <ds:schemaRef ds:uri="http://schemas.microsoft.com/office/2006/metadata/properties"/>
+    <ds:schemaRef ds:uri="http://schemas.microsoft.com/office/infopath/2007/PartnerControls"/>
+  </ds:schemaRefs>
+</ds:datastoreItem>
 </file>
--- a/filesets/compete_snowflake/snowflake_migration_blockers.pptx
+++ b/filesets/compete_snowflake/snowflake_migration_blockers.pptx
@@ -220,7 +220,7 @@
           <a:p>
             <a:fld id="{C7103FDF-5845-2441-8890-D723FF5A85D0}" type="datetimeFigureOut">
               <a:rPr lang="en-US" smtClean="0"/>
-              <a:t>8/21/2020</a:t>
+              <a:t>8/24/2020</a:t>
             </a:fld>
             <a:endParaRPr lang="en-US"/>
           </a:p>
@@ -24171,7 +24171,12 @@
             <p:ph type="ftr" sz="quarter" idx="11"/>
           </p:nvPr>
         </p:nvSpPr>
-        <p:spPr/>
+        <p:spPr>
+          <a:xfrm>
+            <a:off x="3788899" y="6374638"/>
+            <a:ext cx="4114800" cy="221599"/>
+          </a:xfrm>
+        </p:spPr>
         <p:txBody>
           <a:bodyPr/>
           <a:lstStyle/>
@@ -25447,7 +25452,10 @@
             </a:bodyPr>
             <a:lstStyle/>
             <a:p>
-              <a:endParaRPr lang="en-IN"/>
+              <a:r>
+                <a:rPr lang="en-IN" dirty="0"/>
+                <a:t>`</a:t>
+              </a:r>
             </a:p>
           </p:txBody>
         </p:sp>
@@ -28138,7 +28146,7 @@
         </p:nvSpPr>
         <p:spPr bwMode="auto">
           <a:xfrm>
-            <a:off x="7176758" y="2324215"/>
+            <a:off x="3628127" y="2227101"/>
             <a:ext cx="1081325" cy="1084732"/>
           </a:xfrm>
           <a:custGeom>
@@ -28650,7 +28658,7 @@
           </a:bodyPr>
           <a:lstStyle/>
           <a:p>
-            <a:endParaRPr lang="en-IN"/>
+            <a:endParaRPr lang="en-IN" dirty="0"/>
           </a:p>
         </p:txBody>
       </p:sp>
@@ -31060,8 +31068,8 @@
         </p:nvCxnSpPr>
         <p:spPr>
           <a:xfrm flipV="1">
-            <a:off x="3106339" y="1736137"/>
-            <a:ext cx="2238732" cy="467148"/>
+            <a:off x="2986270" y="1736137"/>
+            <a:ext cx="2358801" cy="384850"/>
           </a:xfrm>
           <a:prstGeom prst="bentConnector3">
             <a:avLst>
@@ -31252,8 +31260,8 @@
         </p:nvCxnSpPr>
         <p:spPr>
           <a:xfrm rot="5400000" flipH="1" flipV="1">
-            <a:off x="3167912" y="3127131"/>
-            <a:ext cx="766944" cy="529310"/>
+            <a:off x="3128687" y="3073493"/>
+            <a:ext cx="753490" cy="623132"/>
           </a:xfrm>
           <a:prstGeom prst="bentConnector3">
             <a:avLst/>
@@ -31342,10 +31350,10 @@
         </p:nvGrpSpPr>
         <p:grpSpPr>
           <a:xfrm>
-            <a:off x="819617" y="1840169"/>
-            <a:ext cx="2077423" cy="720636"/>
-            <a:chOff x="787495" y="1646497"/>
-            <a:chExt cx="2210572" cy="846812"/>
+            <a:off x="623392" y="1866311"/>
+            <a:ext cx="2068743" cy="688990"/>
+            <a:chOff x="852617" y="1672397"/>
+            <a:chExt cx="2201335" cy="809624"/>
           </a:xfrm>
         </p:grpSpPr>
         <p:sp>
@@ -31362,8 +31370,8 @@
           </p:nvSpPr>
           <p:spPr>
             <a:xfrm>
-              <a:off x="787495" y="1950811"/>
-              <a:ext cx="2185605" cy="542498"/>
+              <a:off x="868347" y="1939522"/>
+              <a:ext cx="2185605" cy="542499"/>
             </a:xfrm>
             <a:prstGeom prst="rect">
               <a:avLst/>
@@ -31424,8 +31432,8 @@
           </p:nvSpPr>
           <p:spPr>
             <a:xfrm>
-              <a:off x="812462" y="1646497"/>
-              <a:ext cx="2185605" cy="338554"/>
+              <a:off x="852617" y="1672397"/>
+              <a:ext cx="2002264" cy="397831"/>
             </a:xfrm>
             <a:prstGeom prst="rect">
               <a:avLst/>
@@ -31473,8 +31481,8 @@
         </p:nvGrpSpPr>
         <p:grpSpPr>
           <a:xfrm>
-            <a:off x="328536" y="2924944"/>
-            <a:ext cx="3101829" cy="2272824"/>
+            <a:off x="328536" y="3100392"/>
+            <a:ext cx="2979101" cy="2272824"/>
             <a:chOff x="812462" y="1646497"/>
             <a:chExt cx="2647028" cy="2272824"/>
           </a:xfrm>
@@ -31670,7 +31678,7 @@
           </p:nvSpPr>
           <p:spPr>
             <a:xfrm>
-              <a:off x="812462" y="1646497"/>
+              <a:off x="967778" y="1646497"/>
               <a:ext cx="2185605" cy="338554"/>
             </a:xfrm>
             <a:prstGeom prst="rect">
@@ -31719,7 +31727,7 @@
         </p:nvGrpSpPr>
         <p:grpSpPr>
           <a:xfrm>
-            <a:off x="328536" y="5071869"/>
+            <a:off x="328536" y="4869160"/>
             <a:ext cx="2781382" cy="1718827"/>
             <a:chOff x="642967" y="1646497"/>
             <a:chExt cx="2436333" cy="1718827"/>
@@ -31928,10 +31936,10 @@
         </p:nvGrpSpPr>
         <p:grpSpPr>
           <a:xfrm>
-            <a:off x="9140035" y="1655503"/>
-            <a:ext cx="2782834" cy="1164829"/>
+            <a:off x="9217822" y="1655504"/>
+            <a:ext cx="2782834" cy="891426"/>
             <a:chOff x="812462" y="1646497"/>
-            <a:chExt cx="2185605" cy="1164829"/>
+            <a:chExt cx="2185605" cy="1214168"/>
           </a:xfrm>
         </p:grpSpPr>
         <p:sp>
@@ -31949,7 +31957,7 @@
           <p:spPr>
             <a:xfrm>
               <a:off x="812462" y="1980329"/>
-              <a:ext cx="2185605" cy="830997"/>
+              <a:ext cx="2185605" cy="880336"/>
             </a:xfrm>
             <a:prstGeom prst="rect">
               <a:avLst/>
@@ -31997,15 +32005,6 @@
                 </a:rPr>
                 <a:t> Column Formats</a:t>
               </a:r>
-            </a:p>
-            <a:p>
-              <a:endParaRPr lang="en-IN" sz="1200" dirty="0">
-                <a:solidFill>
-                  <a:schemeClr val="tx2"/>
-                </a:solidFill>
-                <a:latin typeface="Arial" panose="020B0604020202020204" pitchFamily="34" charset="0"/>
-                <a:cs typeface="Arial" pitchFamily="34" charset="0"/>
-              </a:endParaRPr>
             </a:p>
           </p:txBody>
         </p:sp>
@@ -32072,10 +32071,10 @@
         </p:nvGrpSpPr>
         <p:grpSpPr>
           <a:xfrm>
-            <a:off x="9332593" y="2780928"/>
-            <a:ext cx="2185605" cy="795497"/>
-            <a:chOff x="812462" y="1646497"/>
-            <a:chExt cx="2185605" cy="795497"/>
+            <a:off x="9238987" y="2943021"/>
+            <a:ext cx="2185605" cy="702003"/>
+            <a:chOff x="812462" y="1739991"/>
+            <a:chExt cx="2185605" cy="702003"/>
           </a:xfrm>
         </p:grpSpPr>
         <p:sp>
@@ -32153,7 +32152,7 @@
           </p:nvSpPr>
           <p:spPr>
             <a:xfrm>
-              <a:off x="812462" y="1646497"/>
+              <a:off x="812462" y="1739991"/>
               <a:ext cx="2185605" cy="338554"/>
             </a:xfrm>
             <a:prstGeom prst="rect">
@@ -53692,6 +53691,12 @@
 </file>
 
 <file path=customXml/item1.xml><?xml version="1.0" encoding="utf-8"?>
+<p:properties xmlns:p="http://schemas.microsoft.com/office/2006/metadata/properties" xmlns:xsi="http://www.w3.org/2001/XMLSchema-instance" xmlns:pc="http://schemas.microsoft.com/office/infopath/2007/PartnerControls">
+  <documentManagement/>
+</p:properties>
+</file>
+
+<file path=customXml/item2.xml><?xml version="1.0" encoding="utf-8"?>
 <?mso-contentType ?>
 <FormTemplates xmlns="http://schemas.microsoft.com/sharepoint/v3/contenttype/forms">
   <Display>DocumentLibraryForm</Display>
@@ -53700,7 +53705,7 @@
 </FormTemplates>
 </file>
 
-<file path=customXml/item2.xml><?xml version="1.0" encoding="utf-8"?>
+<file path=customXml/item3.xml><?xml version="1.0" encoding="utf-8"?>
 <ct:contentTypeSchema xmlns:ct="http://schemas.microsoft.com/office/2006/metadata/contentType" xmlns:ma="http://schemas.microsoft.com/office/2006/metadata/properties/metaAttributes" ct:_="" ma:_="" ma:contentTypeName="Document" ma:contentTypeID="0x0101003CFE317AB703A0449742DE406C676985" ma:contentTypeVersion="" ma:contentTypeDescription="Create a new document." ma:contentTypeScope="" ma:versionID="075a0df9327dac238a362fa612ce7c78">
   <xsd:schema xmlns:xsd="http://www.w3.org/2001/XMLSchema" xmlns:xs="http://www.w3.org/2001/XMLSchema" xmlns:p="http://schemas.microsoft.com/office/2006/metadata/properties" xmlns:ns2="dfcad76c-8265-44a7-8256-4938e7b2ebda" xmlns:ns3="cb8bf1fc-3ac3-4ad2-bdcd-c166d58421a5" targetNamespace="http://schemas.microsoft.com/office/2006/metadata/properties" ma:root="true" ma:fieldsID="77d1d37617f2da2848f03c1ae57996a7" ns2:_="" ns3:_="">
     <xsd:import namespace="dfcad76c-8265-44a7-8256-4938e7b2ebda"/>
@@ -53885,13 +53890,16 @@
 </ct:contentTypeSchema>
 </file>
 
-<file path=customXml/item3.xml><?xml version="1.0" encoding="utf-8"?>
-<p:properties xmlns:p="http://schemas.microsoft.com/office/2006/metadata/properties" xmlns:xsi="http://www.w3.org/2001/XMLSchema-instance" xmlns:pc="http://schemas.microsoft.com/office/infopath/2007/PartnerControls">
-  <documentManagement/>
-</p:properties>
+<file path=customXml/itemProps1.xml><?xml version="1.0" encoding="utf-8"?>
+<ds:datastoreItem xmlns:ds="http://schemas.openxmlformats.org/officeDocument/2006/customXml" ds:itemID="{00903BAE-DDAE-402D-98CC-A6F112A5C05E}">
+  <ds:schemaRefs>
+    <ds:schemaRef ds:uri="http://schemas.microsoft.com/office/2006/metadata/properties"/>
+    <ds:schemaRef ds:uri="http://schemas.microsoft.com/office/infopath/2007/PartnerControls"/>
+  </ds:schemaRefs>
+</ds:datastoreItem>
 </file>
 
-<file path=customXml/itemProps1.xml><?xml version="1.0" encoding="utf-8"?>
+<file path=customXml/itemProps2.xml><?xml version="1.0" encoding="utf-8"?>
 <ds:datastoreItem xmlns:ds="http://schemas.openxmlformats.org/officeDocument/2006/customXml" ds:itemID="{0BD97C68-B59E-41E1-B6CE-FF954F133065}">
   <ds:schemaRefs>
     <ds:schemaRef ds:uri="http://schemas.microsoft.com/sharepoint/v3/contenttype/forms"/>
@@ -53899,7 +53907,7 @@
 </ds:datastoreItem>
 </file>
 
-<file path=customXml/itemProps2.xml><?xml version="1.0" encoding="utf-8"?>
+<file path=customXml/itemProps3.xml><?xml version="1.0" encoding="utf-8"?>
 <ds:datastoreItem xmlns:ds="http://schemas.openxmlformats.org/officeDocument/2006/customXml" ds:itemID="{C19435C9-137C-432D-9CF9-8A130E755C7B}">
   <ds:schemaRefs>
     <ds:schemaRef ds:uri="http://schemas.microsoft.com/office/2006/metadata/contentType"/>
@@ -53916,13 +53924,4 @@
     <ds:schemaRef ds:uri="http://schemas.microsoft.com/internal/obd"/>
   </ds:schemaRefs>
 </ds:datastoreItem>
-</file>
-
-<file path=customXml/itemProps3.xml><?xml version="1.0" encoding="utf-8"?>
-<ds:datastoreItem xmlns:ds="http://schemas.openxmlformats.org/officeDocument/2006/customXml" ds:itemID="{00903BAE-DDAE-402D-98CC-A6F112A5C05E}">
-  <ds:schemaRefs>
-    <ds:schemaRef ds:uri="http://schemas.microsoft.com/office/2006/metadata/properties"/>
-    <ds:schemaRef ds:uri="http://schemas.microsoft.com/office/infopath/2007/PartnerControls"/>
-  </ds:schemaRefs>
-</ds:datastoreItem>
 </file>
--- a/filesets/compete_snowflake/snowflake_migration_blockers.pptx
+++ b/filesets/compete_snowflake/snowflake_migration_blockers.pptx
@@ -220,7 +220,7 @@
           <a:p>
             <a:fld id="{C7103FDF-5845-2441-8890-D723FF5A85D0}" type="datetimeFigureOut">
               <a:rPr lang="en-US" smtClean="0"/>
-              <a:t>8/10/2020</a:t>
+              <a:t>25-Jun-20</a:t>
             </a:fld>
             <a:endParaRPr lang="en-US"/>
           </a:p>
@@ -31342,10 +31342,10 @@
         </p:nvGrpSpPr>
         <p:grpSpPr>
           <a:xfrm>
-            <a:off x="47329" y="1840169"/>
-            <a:ext cx="2981356" cy="795497"/>
-            <a:chOff x="16712" y="1646497"/>
-            <a:chExt cx="2981356" cy="795497"/>
+            <a:off x="843079" y="1840169"/>
+            <a:ext cx="2185605" cy="610831"/>
+            <a:chOff x="812462" y="1646497"/>
+            <a:chExt cx="2185605" cy="610831"/>
           </a:xfrm>
         </p:grpSpPr>
         <p:sp>
@@ -31362,8 +31362,8 @@
           </p:nvSpPr>
           <p:spPr>
             <a:xfrm>
-              <a:off x="16712" y="1980329"/>
-              <a:ext cx="2981356" cy="461665"/>
+              <a:off x="812462" y="1980329"/>
+              <a:ext cx="2185605" cy="276999"/>
             </a:xfrm>
             <a:prstGeom prst="rect">
               <a:avLst/>
@@ -31377,18 +31377,6 @@
             <a:lstStyle/>
             <a:p>
               <a:r>
-                <a:rPr lang="en-US" sz="1200" dirty="0"/>
-                <a:t>{{</a:t>
-              </a:r>
-              <a:r>
-                <a:rPr lang="en-US" sz="1200" dirty="0" err="1"/>
-                <a:t>val:dat_index_count_for_pptx.csv</a:t>
-              </a:r>
-              <a:r>
-                <a:rPr lang="en-US" sz="1200" dirty="0"/>
-                <a:t>[1:3]}}</a:t>
-              </a:r>
-              <a:r>
                 <a:rPr lang="en-IN" sz="1200" dirty="0">
                   <a:solidFill>
                     <a:schemeClr val="tx2"/>
@@ -31396,7 +31384,7 @@
                   <a:latin typeface="Arial" pitchFamily="34" charset="0"/>
                   <a:cs typeface="Arial" pitchFamily="34" charset="0"/>
                 </a:rPr>
-                <a:t> UPI Defined</a:t>
+                <a:t>36,784 UPI Defined</a:t>
               </a:r>
             </a:p>
           </p:txBody>
@@ -32744,7 +32732,7 @@
             </a:ln>
             <a:extLst>
               <a:ext uri="{91240B29-F687-4f45-9708-019B960494DF}">
-                <a14:hiddenLine xmlns:a14="http://schemas.microsoft.com/office/drawing/2010/main" xmlns="" w="9525">
+                <a14:hiddenLine xmlns="" xmlns:a14="http://schemas.microsoft.com/office/drawing/2010/main" w="9525">
                   <a:solidFill>
                     <a:srgbClr val="000000"/>
                   </a:solidFill>
@@ -32796,7 +32784,7 @@
             </a:ln>
             <a:extLst>
               <a:ext uri="{91240B29-F687-4f45-9708-019B960494DF}">
-                <a14:hiddenLine xmlns:a14="http://schemas.microsoft.com/office/drawing/2010/main" xmlns="" w="9525">
+                <a14:hiddenLine xmlns="" xmlns:a14="http://schemas.microsoft.com/office/drawing/2010/main" w="9525">
                   <a:solidFill>
                     <a:srgbClr val="000000"/>
                   </a:solidFill>
@@ -32848,7 +32836,7 @@
             </a:ln>
             <a:extLst>
               <a:ext uri="{91240B29-F687-4f45-9708-019B960494DF}">
-                <a14:hiddenLine xmlns:a14="http://schemas.microsoft.com/office/drawing/2010/main" xmlns="" w="9525">
+                <a14:hiddenLine xmlns="" xmlns:a14="http://schemas.microsoft.com/office/drawing/2010/main" w="9525">
                   <a:solidFill>
                     <a:srgbClr val="000000"/>
                   </a:solidFill>
@@ -32900,7 +32888,7 @@
             </a:ln>
             <a:extLst>
               <a:ext uri="{91240B29-F687-4f45-9708-019B960494DF}">
-                <a14:hiddenLine xmlns:a14="http://schemas.microsoft.com/office/drawing/2010/main" xmlns="" w="9525">
+                <a14:hiddenLine xmlns="" xmlns:a14="http://schemas.microsoft.com/office/drawing/2010/main" w="9525">
                   <a:solidFill>
                     <a:srgbClr val="000000"/>
                   </a:solidFill>
@@ -33353,7 +33341,7 @@
             </a:ln>
             <a:extLst>
               <a:ext uri="{91240B29-F687-4f45-9708-019B960494DF}">
-                <a14:hiddenLine xmlns:a14="http://schemas.microsoft.com/office/drawing/2010/main" xmlns="" w="9525">
+                <a14:hiddenLine xmlns="" xmlns:a14="http://schemas.microsoft.com/office/drawing/2010/main" w="9525">
                   <a:solidFill>
                     <a:srgbClr val="000000"/>
                   </a:solidFill>
@@ -33603,7 +33591,7 @@
             </a:ln>
             <a:extLst>
               <a:ext uri="{91240B29-F687-4f45-9708-019B960494DF}">
-                <a14:hiddenLine xmlns:a14="http://schemas.microsoft.com/office/drawing/2010/main" xmlns="" w="9525">
+                <a14:hiddenLine xmlns="" xmlns:a14="http://schemas.microsoft.com/office/drawing/2010/main" w="9525">
                   <a:solidFill>
                     <a:srgbClr val="000000"/>
                   </a:solidFill>
@@ -34081,7 +34069,7 @@
             </a:ln>
             <a:extLst>
               <a:ext uri="{91240B29-F687-4f45-9708-019B960494DF}">
-                <a14:hiddenLine xmlns:a14="http://schemas.microsoft.com/office/drawing/2010/main" xmlns="" w="9525">
+                <a14:hiddenLine xmlns="" xmlns:a14="http://schemas.microsoft.com/office/drawing/2010/main" w="9525">
                   <a:solidFill>
                     <a:srgbClr val="000000"/>
                   </a:solidFill>
@@ -36074,7 +36062,7 @@
             </a:ln>
             <a:extLst>
               <a:ext uri="{91240B29-F687-4f45-9708-019B960494DF}">
-                <a14:hiddenLine xmlns:a14="http://schemas.microsoft.com/office/drawing/2010/main" xmlns="" w="9525">
+                <a14:hiddenLine xmlns="" xmlns:a14="http://schemas.microsoft.com/office/drawing/2010/main" w="9525">
                   <a:solidFill>
                     <a:srgbClr val="000000"/>
                   </a:solidFill>
@@ -36304,7 +36292,7 @@
             </a:ln>
             <a:extLst>
               <a:ext uri="{91240B29-F687-4f45-9708-019B960494DF}">
-                <a14:hiddenLine xmlns:a14="http://schemas.microsoft.com/office/drawing/2010/main" xmlns="" w="9525">
+                <a14:hiddenLine xmlns="" xmlns:a14="http://schemas.microsoft.com/office/drawing/2010/main" w="9525">
                   <a:solidFill>
                     <a:srgbClr val="000000"/>
                   </a:solidFill>
@@ -36414,7 +36402,7 @@
             </a:ln>
             <a:extLst>
               <a:ext uri="{91240B29-F687-4f45-9708-019B960494DF}">
-                <a14:hiddenLine xmlns:a14="http://schemas.microsoft.com/office/drawing/2010/main" xmlns="" w="9525">
+                <a14:hiddenLine xmlns="" xmlns:a14="http://schemas.microsoft.com/office/drawing/2010/main" w="9525">
                   <a:solidFill>
                     <a:srgbClr val="000000"/>
                   </a:solidFill>
@@ -36651,7 +36639,7 @@
             </a:ln>
             <a:extLst>
               <a:ext uri="{91240B29-F687-4f45-9708-019B960494DF}">
-                <a14:hiddenLine xmlns:a14="http://schemas.microsoft.com/office/drawing/2010/main" xmlns="" w="9525">
+                <a14:hiddenLine xmlns="" xmlns:a14="http://schemas.microsoft.com/office/drawing/2010/main" w="9525">
                   <a:solidFill>
                     <a:srgbClr val="000000"/>
                   </a:solidFill>
@@ -37274,7 +37262,7 @@
             </a:ln>
             <a:extLst>
               <a:ext uri="{91240B29-F687-4f45-9708-019B960494DF}">
-                <a14:hiddenLine xmlns:a14="http://schemas.microsoft.com/office/drawing/2010/main" xmlns="" w="9525">
+                <a14:hiddenLine xmlns="" xmlns:a14="http://schemas.microsoft.com/office/drawing/2010/main" w="9525">
                   <a:solidFill>
                     <a:srgbClr val="000000"/>
                   </a:solidFill>
@@ -37873,7 +37861,7 @@
             </a:ln>
             <a:extLst>
               <a:ext uri="{91240B29-F687-4f45-9708-019B960494DF}">
-                <a14:hiddenLine xmlns:a14="http://schemas.microsoft.com/office/drawing/2010/main" xmlns="" w="9525">
+                <a14:hiddenLine xmlns="" xmlns:a14="http://schemas.microsoft.com/office/drawing/2010/main" w="9525">
                   <a:solidFill>
                     <a:srgbClr val="000000"/>
                   </a:solidFill>
@@ -38472,7 +38460,7 @@
             </a:ln>
             <a:extLst>
               <a:ext uri="{91240B29-F687-4f45-9708-019B960494DF}">
-                <a14:hiddenLine xmlns:a14="http://schemas.microsoft.com/office/drawing/2010/main" xmlns="" w="9525">
+                <a14:hiddenLine xmlns="" xmlns:a14="http://schemas.microsoft.com/office/drawing/2010/main" w="9525">
                   <a:solidFill>
                     <a:srgbClr val="000000"/>
                   </a:solidFill>
@@ -38496,219 +38484,6 @@
           </p:txBody>
         </p:sp>
       </p:grpSp>
-      <p:sp>
-        <p:nvSpPr>
-          <p:cNvPr id="71" name="Content Placeholder 1" descr="/*{{values:birthday.csv}}*/">
-            <a:extLst>
-              <a:ext uri="{FF2B5EF4-FFF2-40B4-BE49-F238E27FC236}">
-                <a16:creationId xmlns:a16="http://schemas.microsoft.com/office/drawing/2014/main" id="{B497C003-FF04-4227-B6D2-23AA6908B6B1}"/>
-              </a:ext>
-            </a:extLst>
-          </p:cNvPr>
-          <p:cNvSpPr txBox="1">
-            <a:spLocks/>
-          </p:cNvSpPr>
-          <p:nvPr/>
-        </p:nvSpPr>
-        <p:spPr>
-          <a:xfrm>
-            <a:off x="335360" y="1196752"/>
-            <a:ext cx="10409902" cy="546868"/>
-          </a:xfrm>
-          <a:prstGeom prst="rect">
-            <a:avLst/>
-          </a:prstGeom>
-        </p:spPr>
-        <p:txBody>
-          <a:bodyPr/>
-          <a:lstStyle>
-            <a:lvl1pPr marL="234950" indent="-234950" algn="l" defTabSz="914400" rtl="0" eaLnBrk="1" latinLnBrk="0" hangingPunct="1">
-              <a:lnSpc>
-                <a:spcPct val="120000"/>
-              </a:lnSpc>
-              <a:spcBef>
-                <a:spcPts val="1000"/>
-              </a:spcBef>
-              <a:buFont typeface="Arial" panose="020B0604020202020204" pitchFamily="34" charset="0"/>
-              <a:buChar char="•"/>
-              <a:tabLst/>
-              <a:defRPr sz="2100" kern="1200">
-                <a:solidFill>
-                  <a:schemeClr val="tx1"/>
-                </a:solidFill>
-                <a:latin typeface="+mn-lt"/>
-                <a:ea typeface="+mn-ea"/>
-                <a:cs typeface="+mn-cs"/>
-              </a:defRPr>
-            </a:lvl1pPr>
-            <a:lvl2pPr marL="577850" indent="-223838" algn="l" defTabSz="914400" rtl="0" eaLnBrk="1" latinLnBrk="0" hangingPunct="1">
-              <a:lnSpc>
-                <a:spcPct val="100000"/>
-              </a:lnSpc>
-              <a:spcBef>
-                <a:spcPts val="500"/>
-              </a:spcBef>
-              <a:buFont typeface="Arial" panose="020B0604020202020204" pitchFamily="34" charset="0"/>
-              <a:buChar char="•"/>
-              <a:tabLst/>
-              <a:defRPr sz="1900" kern="1200">
-                <a:solidFill>
-                  <a:schemeClr val="tx1"/>
-                </a:solidFill>
-                <a:latin typeface="+mn-lt"/>
-                <a:ea typeface="+mn-ea"/>
-                <a:cs typeface="+mn-cs"/>
-              </a:defRPr>
-            </a:lvl2pPr>
-            <a:lvl3pPr marL="914400" indent="-233363" algn="l" defTabSz="914400" rtl="0" eaLnBrk="1" latinLnBrk="0" hangingPunct="1">
-              <a:lnSpc>
-                <a:spcPct val="90000"/>
-              </a:lnSpc>
-              <a:spcBef>
-                <a:spcPts val="500"/>
-              </a:spcBef>
-              <a:buFont typeface="Arial" panose="020B0604020202020204" pitchFamily="34" charset="0"/>
-              <a:buChar char="•"/>
-              <a:tabLst/>
-              <a:defRPr sz="1700" kern="1200">
-                <a:solidFill>
-                  <a:schemeClr val="tx1"/>
-                </a:solidFill>
-                <a:latin typeface="+mn-lt"/>
-                <a:ea typeface="+mn-ea"/>
-                <a:cs typeface="+mn-cs"/>
-              </a:defRPr>
-            </a:lvl3pPr>
-            <a:lvl4pPr marL="1260475" indent="-233363" algn="l" defTabSz="914400" rtl="0" eaLnBrk="1" latinLnBrk="0" hangingPunct="1">
-              <a:lnSpc>
-                <a:spcPct val="90000"/>
-              </a:lnSpc>
-              <a:spcBef>
-                <a:spcPts val="500"/>
-              </a:spcBef>
-              <a:buFont typeface="Arial" panose="020B0604020202020204" pitchFamily="34" charset="0"/>
-              <a:buChar char="•"/>
-              <a:tabLst/>
-              <a:defRPr sz="1700" kern="1200">
-                <a:solidFill>
-                  <a:schemeClr val="tx1"/>
-                </a:solidFill>
-                <a:latin typeface="+mn-lt"/>
-                <a:ea typeface="+mn-ea"/>
-                <a:cs typeface="+mn-cs"/>
-              </a:defRPr>
-            </a:lvl4pPr>
-            <a:lvl5pPr marL="1603375" indent="-222250" algn="l" defTabSz="914400" rtl="0" eaLnBrk="1" latinLnBrk="0" hangingPunct="1">
-              <a:lnSpc>
-                <a:spcPct val="90000"/>
-              </a:lnSpc>
-              <a:spcBef>
-                <a:spcPts val="500"/>
-              </a:spcBef>
-              <a:buFont typeface="Arial" panose="020B0604020202020204" pitchFamily="34" charset="0"/>
-              <a:buChar char="•"/>
-              <a:tabLst/>
-              <a:defRPr sz="1700" kern="1200">
-                <a:solidFill>
-                  <a:schemeClr val="tx1"/>
-                </a:solidFill>
-                <a:latin typeface="+mn-lt"/>
-                <a:ea typeface="+mn-ea"/>
-                <a:cs typeface="+mn-cs"/>
-              </a:defRPr>
-            </a:lvl5pPr>
-            <a:lvl6pPr marL="2514600" indent="-228600" algn="l" defTabSz="914400" rtl="0" eaLnBrk="1" latinLnBrk="0" hangingPunct="1">
-              <a:lnSpc>
-                <a:spcPct val="90000"/>
-              </a:lnSpc>
-              <a:spcBef>
-                <a:spcPts val="500"/>
-              </a:spcBef>
-              <a:buFont typeface="Arial" panose="020B0604020202020204" pitchFamily="34" charset="0"/>
-              <a:buChar char="•"/>
-              <a:defRPr sz="1800" kern="1200">
-                <a:solidFill>
-                  <a:schemeClr val="tx1"/>
-                </a:solidFill>
-                <a:latin typeface="+mn-lt"/>
-                <a:ea typeface="+mn-ea"/>
-                <a:cs typeface="+mn-cs"/>
-              </a:defRPr>
-            </a:lvl6pPr>
-            <a:lvl7pPr marL="2971800" indent="-228600" algn="l" defTabSz="914400" rtl="0" eaLnBrk="1" latinLnBrk="0" hangingPunct="1">
-              <a:lnSpc>
-                <a:spcPct val="90000"/>
-              </a:lnSpc>
-              <a:spcBef>
-                <a:spcPts val="500"/>
-              </a:spcBef>
-              <a:buFont typeface="Arial" panose="020B0604020202020204" pitchFamily="34" charset="0"/>
-              <a:buChar char="•"/>
-              <a:defRPr sz="1800" kern="1200">
-                <a:solidFill>
-                  <a:schemeClr val="tx1"/>
-                </a:solidFill>
-                <a:latin typeface="+mn-lt"/>
-                <a:ea typeface="+mn-ea"/>
-                <a:cs typeface="+mn-cs"/>
-              </a:defRPr>
-            </a:lvl7pPr>
-            <a:lvl8pPr marL="3429000" indent="-228600" algn="l" defTabSz="914400" rtl="0" eaLnBrk="1" latinLnBrk="0" hangingPunct="1">
-              <a:lnSpc>
-                <a:spcPct val="90000"/>
-              </a:lnSpc>
-              <a:spcBef>
-                <a:spcPts val="500"/>
-              </a:spcBef>
-              <a:buFont typeface="Arial" panose="020B0604020202020204" pitchFamily="34" charset="0"/>
-              <a:buChar char="•"/>
-              <a:defRPr sz="1800" kern="1200">
-                <a:solidFill>
-                  <a:schemeClr val="tx1"/>
-                </a:solidFill>
-                <a:latin typeface="+mn-lt"/>
-                <a:ea typeface="+mn-ea"/>
-                <a:cs typeface="+mn-cs"/>
-              </a:defRPr>
-            </a:lvl8pPr>
-            <a:lvl9pPr marL="3886200" indent="-228600" algn="l" defTabSz="914400" rtl="0" eaLnBrk="1" latinLnBrk="0" hangingPunct="1">
-              <a:lnSpc>
-                <a:spcPct val="90000"/>
-              </a:lnSpc>
-              <a:spcBef>
-                <a:spcPts val="500"/>
-              </a:spcBef>
-              <a:buFont typeface="Arial" panose="020B0604020202020204" pitchFamily="34" charset="0"/>
-              <a:buChar char="•"/>
-              <a:defRPr sz="1800" kern="1200">
-                <a:solidFill>
-                  <a:schemeClr val="tx1"/>
-                </a:solidFill>
-                <a:latin typeface="+mn-lt"/>
-                <a:ea typeface="+mn-ea"/>
-                <a:cs typeface="+mn-cs"/>
-              </a:defRPr>
-            </a:lvl9pPr>
-          </a:lstStyle>
-          <a:p>
-            <a:pPr marL="0" indent="0">
-              <a:buNone/>
-            </a:pPr>
-            <a:r>
-              <a:rPr lang="en-US" dirty="0"/>
-              <a:t>If my birthday is {{</a:t>
-            </a:r>
-            <a:r>
-              <a:rPr lang="en-US" dirty="0" err="1"/>
-              <a:t>val:dat_index_count_for_pptx.csv</a:t>
-            </a:r>
-            <a:r>
-              <a:rPr lang="en-US" dirty="0"/>
-              <a:t>[2:3]}}</a:t>
-            </a:r>
-          </a:p>
-        </p:txBody>
-      </p:sp>
     </p:spTree>
     <p:extLst>
       <p:ext uri="{BB962C8B-B14F-4D97-AF65-F5344CB8AC3E}">
@@ -47223,7 +46998,7 @@
             </a:ln>
             <a:extLst>
               <a:ext uri="{91240B29-F687-4f45-9708-019B960494DF}">
-                <a14:hiddenLine xmlns:a14="http://schemas.microsoft.com/office/drawing/2010/main" xmlns="" w="9525">
+                <a14:hiddenLine xmlns="" xmlns:a14="http://schemas.microsoft.com/office/drawing/2010/main" w="9525">
                   <a:solidFill>
                     <a:srgbClr val="000000"/>
                   </a:solidFill>
@@ -47275,7 +47050,7 @@
             </a:ln>
             <a:extLst>
               <a:ext uri="{91240B29-F687-4f45-9708-019B960494DF}">
-                <a14:hiddenLine xmlns:a14="http://schemas.microsoft.com/office/drawing/2010/main" xmlns="" w="9525">
+                <a14:hiddenLine xmlns="" xmlns:a14="http://schemas.microsoft.com/office/drawing/2010/main" w="9525">
                   <a:solidFill>
                     <a:srgbClr val="000000"/>
                   </a:solidFill>
@@ -47327,7 +47102,7 @@
             </a:ln>
             <a:extLst>
               <a:ext uri="{91240B29-F687-4f45-9708-019B960494DF}">
-                <a14:hiddenLine xmlns:a14="http://schemas.microsoft.com/office/drawing/2010/main" xmlns="" w="9525">
+                <a14:hiddenLine xmlns="" xmlns:a14="http://schemas.microsoft.com/office/drawing/2010/main" w="9525">
                   <a:solidFill>
                     <a:srgbClr val="000000"/>
                   </a:solidFill>
@@ -47379,7 +47154,7 @@
             </a:ln>
             <a:extLst>
               <a:ext uri="{91240B29-F687-4f45-9708-019B960494DF}">
-                <a14:hiddenLine xmlns:a14="http://schemas.microsoft.com/office/drawing/2010/main" xmlns="" w="9525">
+                <a14:hiddenLine xmlns="" xmlns:a14="http://schemas.microsoft.com/office/drawing/2010/main" w="9525">
                   <a:solidFill>
                     <a:srgbClr val="000000"/>
                   </a:solidFill>
@@ -47832,7 +47607,7 @@
             </a:ln>
             <a:extLst>
               <a:ext uri="{91240B29-F687-4f45-9708-019B960494DF}">
-                <a14:hiddenLine xmlns:a14="http://schemas.microsoft.com/office/drawing/2010/main" xmlns="" w="9525">
+                <a14:hiddenLine xmlns="" xmlns:a14="http://schemas.microsoft.com/office/drawing/2010/main" w="9525">
                   <a:solidFill>
                     <a:srgbClr val="000000"/>
                   </a:solidFill>
@@ -48082,7 +47857,7 @@
             </a:ln>
             <a:extLst>
               <a:ext uri="{91240B29-F687-4f45-9708-019B960494DF}">
-                <a14:hiddenLine xmlns:a14="http://schemas.microsoft.com/office/drawing/2010/main" xmlns="" w="9525">
+                <a14:hiddenLine xmlns="" xmlns:a14="http://schemas.microsoft.com/office/drawing/2010/main" w="9525">
                   <a:solidFill>
                     <a:srgbClr val="000000"/>
                   </a:solidFill>
@@ -48560,7 +48335,7 @@
             </a:ln>
             <a:extLst>
               <a:ext uri="{91240B29-F687-4f45-9708-019B960494DF}">
-                <a14:hiddenLine xmlns:a14="http://schemas.microsoft.com/office/drawing/2010/main" xmlns="" w="9525">
+                <a14:hiddenLine xmlns="" xmlns:a14="http://schemas.microsoft.com/office/drawing/2010/main" w="9525">
                   <a:solidFill>
                     <a:srgbClr val="000000"/>
                   </a:solidFill>
@@ -50553,7 +50328,7 @@
             </a:ln>
             <a:extLst>
               <a:ext uri="{91240B29-F687-4f45-9708-019B960494DF}">
-                <a14:hiddenLine xmlns:a14="http://schemas.microsoft.com/office/drawing/2010/main" xmlns="" w="9525">
+                <a14:hiddenLine xmlns="" xmlns:a14="http://schemas.microsoft.com/office/drawing/2010/main" w="9525">
                   <a:solidFill>
                     <a:srgbClr val="000000"/>
                   </a:solidFill>
@@ -50783,7 +50558,7 @@
             </a:ln>
             <a:extLst>
               <a:ext uri="{91240B29-F687-4f45-9708-019B960494DF}">
-                <a14:hiddenLine xmlns:a14="http://schemas.microsoft.com/office/drawing/2010/main" xmlns="" w="9525">
+                <a14:hiddenLine xmlns="" xmlns:a14="http://schemas.microsoft.com/office/drawing/2010/main" w="9525">
                   <a:solidFill>
                     <a:srgbClr val="000000"/>
                   </a:solidFill>
@@ -50893,7 +50668,7 @@
             </a:ln>
             <a:extLst>
               <a:ext uri="{91240B29-F687-4f45-9708-019B960494DF}">
-                <a14:hiddenLine xmlns:a14="http://schemas.microsoft.com/office/drawing/2010/main" xmlns="" w="9525">
+                <a14:hiddenLine xmlns="" xmlns:a14="http://schemas.microsoft.com/office/drawing/2010/main" w="9525">
                   <a:solidFill>
                     <a:srgbClr val="000000"/>
                   </a:solidFill>
@@ -51130,7 +50905,7 @@
             </a:ln>
             <a:extLst>
               <a:ext uri="{91240B29-F687-4f45-9708-019B960494DF}">
-                <a14:hiddenLine xmlns:a14="http://schemas.microsoft.com/office/drawing/2010/main" xmlns="" w="9525">
+                <a14:hiddenLine xmlns="" xmlns:a14="http://schemas.microsoft.com/office/drawing/2010/main" w="9525">
                   <a:solidFill>
                     <a:srgbClr val="000000"/>
                   </a:solidFill>
@@ -51753,7 +51528,7 @@
             </a:ln>
             <a:extLst>
               <a:ext uri="{91240B29-F687-4f45-9708-019B960494DF}">
-                <a14:hiddenLine xmlns:a14="http://schemas.microsoft.com/office/drawing/2010/main" xmlns="" w="9525">
+                <a14:hiddenLine xmlns="" xmlns:a14="http://schemas.microsoft.com/office/drawing/2010/main" w="9525">
                   <a:solidFill>
                     <a:srgbClr val="000000"/>
                   </a:solidFill>
@@ -52352,7 +52127,7 @@
             </a:ln>
             <a:extLst>
               <a:ext uri="{91240B29-F687-4f45-9708-019B960494DF}">
-                <a14:hiddenLine xmlns:a14="http://schemas.microsoft.com/office/drawing/2010/main" xmlns="" w="9525">
+                <a14:hiddenLine xmlns="" xmlns:a14="http://schemas.microsoft.com/office/drawing/2010/main" w="9525">
                   <a:solidFill>
                     <a:srgbClr val="000000"/>
                   </a:solidFill>
@@ -52951,7 +52726,7 @@
             </a:ln>
             <a:extLst>
               <a:ext uri="{91240B29-F687-4f45-9708-019B960494DF}">
-                <a14:hiddenLine xmlns:a14="http://schemas.microsoft.com/office/drawing/2010/main" xmlns="" w="9525">
+                <a14:hiddenLine xmlns="" xmlns:a14="http://schemas.microsoft.com/office/drawing/2010/main" w="9525">
                   <a:solidFill>
                     <a:srgbClr val="000000"/>
                   </a:solidFill>
@@ -53545,6 +53320,21 @@
 </file>
 
 <file path=customXml/item1.xml><?xml version="1.0" encoding="utf-8"?>
+<p:properties xmlns:p="http://schemas.microsoft.com/office/2006/metadata/properties" xmlns:xsi="http://www.w3.org/2001/XMLSchema-instance" xmlns:pc="http://schemas.microsoft.com/office/infopath/2007/PartnerControls">
+  <documentManagement/>
+</p:properties>
+</file>
+
+<file path=customXml/item2.xml><?xml version="1.0" encoding="utf-8"?>
+<?mso-contentType ?>
+<FormTemplates xmlns="http://schemas.microsoft.com/sharepoint/v3/contenttype/forms">
+  <Display>DocumentLibraryForm</Display>
+  <Edit>DocumentLibraryForm</Edit>
+  <New>DocumentLibraryForm</New>
+</FormTemplates>
+</file>
+
+<file path=customXml/item3.xml><?xml version="1.0" encoding="utf-8"?>
 <ct:contentTypeSchema xmlns:ct="http://schemas.microsoft.com/office/2006/metadata/contentType" xmlns:ma="http://schemas.microsoft.com/office/2006/metadata/properties/metaAttributes" ct:_="" ma:_="" ma:contentTypeName="Document" ma:contentTypeID="0x0101003CFE317AB703A0449742DE406C676985" ma:contentTypeVersion="" ma:contentTypeDescription="Create a new document." ma:contentTypeScope="" ma:versionID="075a0df9327dac238a362fa612ce7c78">
   <xsd:schema xmlns:xsd="http://www.w3.org/2001/XMLSchema" xmlns:xs="http://www.w3.org/2001/XMLSchema" xmlns:p="http://schemas.microsoft.com/office/2006/metadata/properties" xmlns:ns2="dfcad76c-8265-44a7-8256-4938e7b2ebda" xmlns:ns3="cb8bf1fc-3ac3-4ad2-bdcd-c166d58421a5" targetNamespace="http://schemas.microsoft.com/office/2006/metadata/properties" ma:root="true" ma:fieldsID="77d1d37617f2da2848f03c1ae57996a7" ns2:_="" ns3:_="">
     <xsd:import namespace="dfcad76c-8265-44a7-8256-4938e7b2ebda"/>
@@ -53729,22 +53519,24 @@
 </ct:contentTypeSchema>
 </file>
 
-<file path=customXml/item2.xml><?xml version="1.0" encoding="utf-8"?>
-<?mso-contentType ?>
-<FormTemplates xmlns="http://schemas.microsoft.com/sharepoint/v3/contenttype/forms">
-  <Display>DocumentLibraryForm</Display>
-  <Edit>DocumentLibraryForm</Edit>
-  <New>DocumentLibraryForm</New>
-</FormTemplates>
+<file path=customXml/itemProps1.xml><?xml version="1.0" encoding="utf-8"?>
+<ds:datastoreItem xmlns:ds="http://schemas.openxmlformats.org/officeDocument/2006/customXml" ds:itemID="{00903BAE-DDAE-402D-98CC-A6F112A5C05E}">
+  <ds:schemaRefs>
+    <ds:schemaRef ds:uri="http://schemas.microsoft.com/office/2006/metadata/properties"/>
+    <ds:schemaRef ds:uri="http://schemas.microsoft.com/office/infopath/2007/PartnerControls"/>
+  </ds:schemaRefs>
+</ds:datastoreItem>
 </file>
 
-<file path=customXml/item3.xml><?xml version="1.0" encoding="utf-8"?>
-<p:properties xmlns:p="http://schemas.microsoft.com/office/2006/metadata/properties" xmlns:xsi="http://www.w3.org/2001/XMLSchema-instance" xmlns:pc="http://schemas.microsoft.com/office/infopath/2007/PartnerControls">
-  <documentManagement/>
-</p:properties>
+<file path=customXml/itemProps2.xml><?xml version="1.0" encoding="utf-8"?>
+<ds:datastoreItem xmlns:ds="http://schemas.openxmlformats.org/officeDocument/2006/customXml" ds:itemID="{0BD97C68-B59E-41E1-B6CE-FF954F133065}">
+  <ds:schemaRefs>
+    <ds:schemaRef ds:uri="http://schemas.microsoft.com/sharepoint/v3/contenttype/forms"/>
+  </ds:schemaRefs>
+</ds:datastoreItem>
 </file>
 
-<file path=customXml/itemProps1.xml><?xml version="1.0" encoding="utf-8"?>
+<file path=customXml/itemProps3.xml><?xml version="1.0" encoding="utf-8"?>
 <ds:datastoreItem xmlns:ds="http://schemas.openxmlformats.org/officeDocument/2006/customXml" ds:itemID="{C19435C9-137C-432D-9CF9-8A130E755C7B}">
   <ds:schemaRefs>
     <ds:schemaRef ds:uri="http://schemas.microsoft.com/office/2006/metadata/contentType"/>
@@ -53761,21 +53553,4 @@
     <ds:schemaRef ds:uri="http://schemas.microsoft.com/internal/obd"/>
   </ds:schemaRefs>
 </ds:datastoreItem>
-</file>
-
-<file path=customXml/itemProps2.xml><?xml version="1.0" encoding="utf-8"?>
-<ds:datastoreItem xmlns:ds="http://schemas.openxmlformats.org/officeDocument/2006/customXml" ds:itemID="{0BD97C68-B59E-41E1-B6CE-FF954F133065}">
-  <ds:schemaRefs>
-    <ds:schemaRef ds:uri="http://schemas.microsoft.com/sharepoint/v3/contenttype/forms"/>
-  </ds:schemaRefs>
-</ds:datastoreItem>
-</file>
-
-<file path=customXml/itemProps3.xml><?xml version="1.0" encoding="utf-8"?>
-<ds:datastoreItem xmlns:ds="http://schemas.openxmlformats.org/officeDocument/2006/customXml" ds:itemID="{00903BAE-DDAE-402D-98CC-A6F112A5C05E}">
-  <ds:schemaRefs>
-    <ds:schemaRef ds:uri="http://schemas.microsoft.com/office/2006/metadata/properties"/>
-    <ds:schemaRef ds:uri="http://schemas.microsoft.com/office/infopath/2007/PartnerControls"/>
-  </ds:schemaRefs>
-</ds:datastoreItem>
 </file>
--- a/filesets/compete_snowflake/snowflake_migration_blockers.pptx
+++ b/filesets/compete_snowflake/snowflake_migration_blockers.pptx
@@ -220,7 +220,7 @@
           <a:p>
             <a:fld id="{C7103FDF-5845-2441-8890-D723FF5A85D0}" type="datetimeFigureOut">
               <a:rPr lang="en-US" smtClean="0"/>
-              <a:t>8/24/2020</a:t>
+              <a:t>8/26/2020</a:t>
             </a:fld>
             <a:endParaRPr lang="en-US"/>
           </a:p>
@@ -28146,7 +28146,7 @@
         </p:nvSpPr>
         <p:spPr bwMode="auto">
           <a:xfrm>
-            <a:off x="3628127" y="2227101"/>
+            <a:off x="3934555" y="2344268"/>
             <a:ext cx="1081325" cy="1084732"/>
           </a:xfrm>
           <a:custGeom>
@@ -30242,7 +30242,7 @@
         </p:nvSpPr>
         <p:spPr bwMode="auto">
           <a:xfrm>
-            <a:off x="3956635" y="2317400"/>
+            <a:off x="7176120" y="2345404"/>
             <a:ext cx="1082461" cy="1083596"/>
           </a:xfrm>
           <a:custGeom>
@@ -33103,7 +33103,7 @@
             </a:ln>
             <a:extLst>
               <a:ext uri="{91240B29-F687-4f45-9708-019B960494DF}">
-                <a14:hiddenLine xmlns="" xmlns:a14="http://schemas.microsoft.com/office/drawing/2010/main" w="9525">
+                <a14:hiddenLine xmlns:a14="http://schemas.microsoft.com/office/drawing/2010/main" xmlns="" w="9525">
                   <a:solidFill>
                     <a:srgbClr val="000000"/>
                   </a:solidFill>
@@ -33155,7 +33155,7 @@
             </a:ln>
             <a:extLst>
               <a:ext uri="{91240B29-F687-4f45-9708-019B960494DF}">
-                <a14:hiddenLine xmlns="" xmlns:a14="http://schemas.microsoft.com/office/drawing/2010/main" w="9525">
+                <a14:hiddenLine xmlns:a14="http://schemas.microsoft.com/office/drawing/2010/main" xmlns="" w="9525">
                   <a:solidFill>
                     <a:srgbClr val="000000"/>
                   </a:solidFill>
@@ -33207,7 +33207,7 @@
             </a:ln>
             <a:extLst>
               <a:ext uri="{91240B29-F687-4f45-9708-019B960494DF}">
-                <a14:hiddenLine xmlns="" xmlns:a14="http://schemas.microsoft.com/office/drawing/2010/main" w="9525">
+                <a14:hiddenLine xmlns:a14="http://schemas.microsoft.com/office/drawing/2010/main" xmlns="" w="9525">
                   <a:solidFill>
                     <a:srgbClr val="000000"/>
                   </a:solidFill>
@@ -33259,7 +33259,7 @@
             </a:ln>
             <a:extLst>
               <a:ext uri="{91240B29-F687-4f45-9708-019B960494DF}">
-                <a14:hiddenLine xmlns="" xmlns:a14="http://schemas.microsoft.com/office/drawing/2010/main" w="9525">
+                <a14:hiddenLine xmlns:a14="http://schemas.microsoft.com/office/drawing/2010/main" xmlns="" w="9525">
                   <a:solidFill>
                     <a:srgbClr val="000000"/>
                   </a:solidFill>
@@ -33712,7 +33712,7 @@
             </a:ln>
             <a:extLst>
               <a:ext uri="{91240B29-F687-4f45-9708-019B960494DF}">
-                <a14:hiddenLine xmlns="" xmlns:a14="http://schemas.microsoft.com/office/drawing/2010/main" w="9525">
+                <a14:hiddenLine xmlns:a14="http://schemas.microsoft.com/office/drawing/2010/main" xmlns="" w="9525">
                   <a:solidFill>
                     <a:srgbClr val="000000"/>
                   </a:solidFill>
@@ -33962,7 +33962,7 @@
             </a:ln>
             <a:extLst>
               <a:ext uri="{91240B29-F687-4f45-9708-019B960494DF}">
-                <a14:hiddenLine xmlns="" xmlns:a14="http://schemas.microsoft.com/office/drawing/2010/main" w="9525">
+                <a14:hiddenLine xmlns:a14="http://schemas.microsoft.com/office/drawing/2010/main" xmlns="" w="9525">
                   <a:solidFill>
                     <a:srgbClr val="000000"/>
                   </a:solidFill>
@@ -34440,7 +34440,7 @@
             </a:ln>
             <a:extLst>
               <a:ext uri="{91240B29-F687-4f45-9708-019B960494DF}">
-                <a14:hiddenLine xmlns="" xmlns:a14="http://schemas.microsoft.com/office/drawing/2010/main" w="9525">
+                <a14:hiddenLine xmlns:a14="http://schemas.microsoft.com/office/drawing/2010/main" xmlns="" w="9525">
                   <a:solidFill>
                     <a:srgbClr val="000000"/>
                   </a:solidFill>
@@ -36433,7 +36433,7 @@
             </a:ln>
             <a:extLst>
               <a:ext uri="{91240B29-F687-4f45-9708-019B960494DF}">
-                <a14:hiddenLine xmlns="" xmlns:a14="http://schemas.microsoft.com/office/drawing/2010/main" w="9525">
+                <a14:hiddenLine xmlns:a14="http://schemas.microsoft.com/office/drawing/2010/main" xmlns="" w="9525">
                   <a:solidFill>
                     <a:srgbClr val="000000"/>
                   </a:solidFill>
@@ -36663,7 +36663,7 @@
             </a:ln>
             <a:extLst>
               <a:ext uri="{91240B29-F687-4f45-9708-019B960494DF}">
-                <a14:hiddenLine xmlns="" xmlns:a14="http://schemas.microsoft.com/office/drawing/2010/main" w="9525">
+                <a14:hiddenLine xmlns:a14="http://schemas.microsoft.com/office/drawing/2010/main" xmlns="" w="9525">
                   <a:solidFill>
                     <a:srgbClr val="000000"/>
                   </a:solidFill>
@@ -36773,7 +36773,7 @@
             </a:ln>
             <a:extLst>
               <a:ext uri="{91240B29-F687-4f45-9708-019B960494DF}">
-                <a14:hiddenLine xmlns="" xmlns:a14="http://schemas.microsoft.com/office/drawing/2010/main" w="9525">
+                <a14:hiddenLine xmlns:a14="http://schemas.microsoft.com/office/drawing/2010/main" xmlns="" w="9525">
                   <a:solidFill>
                     <a:srgbClr val="000000"/>
                   </a:solidFill>
@@ -37010,7 +37010,7 @@
             </a:ln>
             <a:extLst>
               <a:ext uri="{91240B29-F687-4f45-9708-019B960494DF}">
-                <a14:hiddenLine xmlns="" xmlns:a14="http://schemas.microsoft.com/office/drawing/2010/main" w="9525">
+                <a14:hiddenLine xmlns:a14="http://schemas.microsoft.com/office/drawing/2010/main" xmlns="" w="9525">
                   <a:solidFill>
                     <a:srgbClr val="000000"/>
                   </a:solidFill>
@@ -37633,7 +37633,7 @@
             </a:ln>
             <a:extLst>
               <a:ext uri="{91240B29-F687-4f45-9708-019B960494DF}">
-                <a14:hiddenLine xmlns="" xmlns:a14="http://schemas.microsoft.com/office/drawing/2010/main" w="9525">
+                <a14:hiddenLine xmlns:a14="http://schemas.microsoft.com/office/drawing/2010/main" xmlns="" w="9525">
                   <a:solidFill>
                     <a:srgbClr val="000000"/>
                   </a:solidFill>
@@ -38232,7 +38232,7 @@
             </a:ln>
             <a:extLst>
               <a:ext uri="{91240B29-F687-4f45-9708-019B960494DF}">
-                <a14:hiddenLine xmlns="" xmlns:a14="http://schemas.microsoft.com/office/drawing/2010/main" w="9525">
+                <a14:hiddenLine xmlns:a14="http://schemas.microsoft.com/office/drawing/2010/main" xmlns="" w="9525">
                   <a:solidFill>
                     <a:srgbClr val="000000"/>
                   </a:solidFill>
@@ -38831,7 +38831,7 @@
             </a:ln>
             <a:extLst>
               <a:ext uri="{91240B29-F687-4f45-9708-019B960494DF}">
-                <a14:hiddenLine xmlns="" xmlns:a14="http://schemas.microsoft.com/office/drawing/2010/main" w="9525">
+                <a14:hiddenLine xmlns:a14="http://schemas.microsoft.com/office/drawing/2010/main" xmlns="" w="9525">
                   <a:solidFill>
                     <a:srgbClr val="000000"/>
                   </a:solidFill>
@@ -47369,7 +47369,7 @@
             </a:ln>
             <a:extLst>
               <a:ext uri="{91240B29-F687-4f45-9708-019B960494DF}">
-                <a14:hiddenLine xmlns="" xmlns:a14="http://schemas.microsoft.com/office/drawing/2010/main" w="9525">
+                <a14:hiddenLine xmlns:a14="http://schemas.microsoft.com/office/drawing/2010/main" xmlns="" w="9525">
                   <a:solidFill>
                     <a:srgbClr val="000000"/>
                   </a:solidFill>
@@ -47421,7 +47421,7 @@
             </a:ln>
             <a:extLst>
               <a:ext uri="{91240B29-F687-4f45-9708-019B960494DF}">
-                <a14:hiddenLine xmlns="" xmlns:a14="http://schemas.microsoft.com/office/drawing/2010/main" w="9525">
+                <a14:hiddenLine xmlns:a14="http://schemas.microsoft.com/office/drawing/2010/main" xmlns="" w="9525">
                   <a:solidFill>
                     <a:srgbClr val="000000"/>
                   </a:solidFill>
@@ -47473,7 +47473,7 @@
             </a:ln>
             <a:extLst>
               <a:ext uri="{91240B29-F687-4f45-9708-019B960494DF}">
-                <a14:hiddenLine xmlns="" xmlns:a14="http://schemas.microsoft.com/office/drawing/2010/main" w="9525">
+                <a14:hiddenLine xmlns:a14="http://schemas.microsoft.com/office/drawing/2010/main" xmlns="" w="9525">
                   <a:solidFill>
                     <a:srgbClr val="000000"/>
                   </a:solidFill>
@@ -47525,7 +47525,7 @@
             </a:ln>
             <a:extLst>
               <a:ext uri="{91240B29-F687-4f45-9708-019B960494DF}">
-                <a14:hiddenLine xmlns="" xmlns:a14="http://schemas.microsoft.com/office/drawing/2010/main" w="9525">
+                <a14:hiddenLine xmlns:a14="http://schemas.microsoft.com/office/drawing/2010/main" xmlns="" w="9525">
                   <a:solidFill>
                     <a:srgbClr val="000000"/>
                   </a:solidFill>
@@ -47978,7 +47978,7 @@
             </a:ln>
             <a:extLst>
               <a:ext uri="{91240B29-F687-4f45-9708-019B960494DF}">
-                <a14:hiddenLine xmlns="" xmlns:a14="http://schemas.microsoft.com/office/drawing/2010/main" w="9525">
+                <a14:hiddenLine xmlns:a14="http://schemas.microsoft.com/office/drawing/2010/main" xmlns="" w="9525">
                   <a:solidFill>
                     <a:srgbClr val="000000"/>
                   </a:solidFill>
@@ -48228,7 +48228,7 @@
             </a:ln>
             <a:extLst>
               <a:ext uri="{91240B29-F687-4f45-9708-019B960494DF}">
-                <a14:hiddenLine xmlns="" xmlns:a14="http://schemas.microsoft.com/office/drawing/2010/main" w="9525">
+                <a14:hiddenLine xmlns:a14="http://schemas.microsoft.com/office/drawing/2010/main" xmlns="" w="9525">
                   <a:solidFill>
                     <a:srgbClr val="000000"/>
                   </a:solidFill>
@@ -48706,7 +48706,7 @@
             </a:ln>
             <a:extLst>
               <a:ext uri="{91240B29-F687-4f45-9708-019B960494DF}">
-                <a14:hiddenLine xmlns="" xmlns:a14="http://schemas.microsoft.com/office/drawing/2010/main" w="9525">
+                <a14:hiddenLine xmlns:a14="http://schemas.microsoft.com/office/drawing/2010/main" xmlns="" w="9525">
                   <a:solidFill>
                     <a:srgbClr val="000000"/>
                   </a:solidFill>
@@ -50699,7 +50699,7 @@
             </a:ln>
             <a:extLst>
               <a:ext uri="{91240B29-F687-4f45-9708-019B960494DF}">
-                <a14:hiddenLine xmlns="" xmlns:a14="http://schemas.microsoft.com/office/drawing/2010/main" w="9525">
+                <a14:hiddenLine xmlns:a14="http://schemas.microsoft.com/office/drawing/2010/main" xmlns="" w="9525">
                   <a:solidFill>
                     <a:srgbClr val="000000"/>
                   </a:solidFill>
@@ -50929,7 +50929,7 @@
             </a:ln>
             <a:extLst>
               <a:ext uri="{91240B29-F687-4f45-9708-019B960494DF}">
-                <a14:hiddenLine xmlns="" xmlns:a14="http://schemas.microsoft.com/office/drawing/2010/main" w="9525">
+                <a14:hiddenLine xmlns:a14="http://schemas.microsoft.com/office/drawing/2010/main" xmlns="" w="9525">
                   <a:solidFill>
                     <a:srgbClr val="000000"/>
                   </a:solidFill>
@@ -51039,7 +51039,7 @@
             </a:ln>
             <a:extLst>
               <a:ext uri="{91240B29-F687-4f45-9708-019B960494DF}">
-                <a14:hiddenLine xmlns="" xmlns:a14="http://schemas.microsoft.com/office/drawing/2010/main" w="9525">
+                <a14:hiddenLine xmlns:a14="http://schemas.microsoft.com/office/drawing/2010/main" xmlns="" w="9525">
                   <a:solidFill>
                     <a:srgbClr val="000000"/>
                   </a:solidFill>
@@ -51276,7 +51276,7 @@
             </a:ln>
             <a:extLst>
               <a:ext uri="{91240B29-F687-4f45-9708-019B960494DF}">
-                <a14:hiddenLine xmlns="" xmlns:a14="http://schemas.microsoft.com/office/drawing/2010/main" w="9525">
+                <a14:hiddenLine xmlns:a14="http://schemas.microsoft.com/office/drawing/2010/main" xmlns="" w="9525">
                   <a:solidFill>
                     <a:srgbClr val="000000"/>
                   </a:solidFill>
@@ -51899,7 +51899,7 @@
             </a:ln>
             <a:extLst>
               <a:ext uri="{91240B29-F687-4f45-9708-019B960494DF}">
-                <a14:hiddenLine xmlns="" xmlns:a14="http://schemas.microsoft.com/office/drawing/2010/main" w="9525">
+                <a14:hiddenLine xmlns:a14="http://schemas.microsoft.com/office/drawing/2010/main" xmlns="" w="9525">
                   <a:solidFill>
                     <a:srgbClr val="000000"/>
                   </a:solidFill>
@@ -52498,7 +52498,7 @@
             </a:ln>
             <a:extLst>
               <a:ext uri="{91240B29-F687-4f45-9708-019B960494DF}">
-                <a14:hiddenLine xmlns="" xmlns:a14="http://schemas.microsoft.com/office/drawing/2010/main" w="9525">
+                <a14:hiddenLine xmlns:a14="http://schemas.microsoft.com/office/drawing/2010/main" xmlns="" w="9525">
                   <a:solidFill>
                     <a:srgbClr val="000000"/>
                   </a:solidFill>
@@ -53097,7 +53097,7 @@
             </a:ln>
             <a:extLst>
               <a:ext uri="{91240B29-F687-4f45-9708-019B960494DF}">
-                <a14:hiddenLine xmlns="" xmlns:a14="http://schemas.microsoft.com/office/drawing/2010/main" w="9525">
+                <a14:hiddenLine xmlns:a14="http://schemas.microsoft.com/office/drawing/2010/main" xmlns="" w="9525">
                   <a:solidFill>
                     <a:srgbClr val="000000"/>
                   </a:solidFill>
@@ -53691,21 +53691,6 @@
 </file>
 
 <file path=customXml/item1.xml><?xml version="1.0" encoding="utf-8"?>
-<p:properties xmlns:p="http://schemas.microsoft.com/office/2006/metadata/properties" xmlns:xsi="http://www.w3.org/2001/XMLSchema-instance" xmlns:pc="http://schemas.microsoft.com/office/infopath/2007/PartnerControls">
-  <documentManagement/>
-</p:properties>
-</file>
-
-<file path=customXml/item2.xml><?xml version="1.0" encoding="utf-8"?>
-<?mso-contentType ?>
-<FormTemplates xmlns="http://schemas.microsoft.com/sharepoint/v3/contenttype/forms">
-  <Display>DocumentLibraryForm</Display>
-  <Edit>DocumentLibraryForm</Edit>
-  <New>DocumentLibraryForm</New>
-</FormTemplates>
-</file>
-
-<file path=customXml/item3.xml><?xml version="1.0" encoding="utf-8"?>
 <ct:contentTypeSchema xmlns:ct="http://schemas.microsoft.com/office/2006/metadata/contentType" xmlns:ma="http://schemas.microsoft.com/office/2006/metadata/properties/metaAttributes" ct:_="" ma:_="" ma:contentTypeName="Document" ma:contentTypeID="0x0101003CFE317AB703A0449742DE406C676985" ma:contentTypeVersion="" ma:contentTypeDescription="Create a new document." ma:contentTypeScope="" ma:versionID="075a0df9327dac238a362fa612ce7c78">
   <xsd:schema xmlns:xsd="http://www.w3.org/2001/XMLSchema" xmlns:xs="http://www.w3.org/2001/XMLSchema" xmlns:p="http://schemas.microsoft.com/office/2006/metadata/properties" xmlns:ns2="dfcad76c-8265-44a7-8256-4938e7b2ebda" xmlns:ns3="cb8bf1fc-3ac3-4ad2-bdcd-c166d58421a5" targetNamespace="http://schemas.microsoft.com/office/2006/metadata/properties" ma:root="true" ma:fieldsID="77d1d37617f2da2848f03c1ae57996a7" ns2:_="" ns3:_="">
     <xsd:import namespace="dfcad76c-8265-44a7-8256-4938e7b2ebda"/>
@@ -53890,24 +53875,22 @@
 </ct:contentTypeSchema>
 </file>
 
-<file path=customXml/itemProps1.xml><?xml version="1.0" encoding="utf-8"?>
-<ds:datastoreItem xmlns:ds="http://schemas.openxmlformats.org/officeDocument/2006/customXml" ds:itemID="{00903BAE-DDAE-402D-98CC-A6F112A5C05E}">
-  <ds:schemaRefs>
-    <ds:schemaRef ds:uri="http://schemas.microsoft.com/office/2006/metadata/properties"/>
-    <ds:schemaRef ds:uri="http://schemas.microsoft.com/office/infopath/2007/PartnerControls"/>
-  </ds:schemaRefs>
-</ds:datastoreItem>
+<file path=customXml/item2.xml><?xml version="1.0" encoding="utf-8"?>
+<?mso-contentType ?>
+<FormTemplates xmlns="http://schemas.microsoft.com/sharepoint/v3/contenttype/forms">
+  <Display>DocumentLibraryForm</Display>
+  <Edit>DocumentLibraryForm</Edit>
+  <New>DocumentLibraryForm</New>
+</FormTemplates>
 </file>
 
-<file path=customXml/itemProps2.xml><?xml version="1.0" encoding="utf-8"?>
-<ds:datastoreItem xmlns:ds="http://schemas.openxmlformats.org/officeDocument/2006/customXml" ds:itemID="{0BD97C68-B59E-41E1-B6CE-FF954F133065}">
-  <ds:schemaRefs>
-    <ds:schemaRef ds:uri="http://schemas.microsoft.com/sharepoint/v3/contenttype/forms"/>
-  </ds:schemaRefs>
-</ds:datastoreItem>
+<file path=customXml/item3.xml><?xml version="1.0" encoding="utf-8"?>
+<p:properties xmlns:p="http://schemas.microsoft.com/office/2006/metadata/properties" xmlns:xsi="http://www.w3.org/2001/XMLSchema-instance" xmlns:pc="http://schemas.microsoft.com/office/infopath/2007/PartnerControls">
+  <documentManagement/>
+</p:properties>
 </file>
 
-<file path=customXml/itemProps3.xml><?xml version="1.0" encoding="utf-8"?>
+<file path=customXml/itemProps1.xml><?xml version="1.0" encoding="utf-8"?>
 <ds:datastoreItem xmlns:ds="http://schemas.openxmlformats.org/officeDocument/2006/customXml" ds:itemID="{C19435C9-137C-432D-9CF9-8A130E755C7B}">
   <ds:schemaRefs>
     <ds:schemaRef ds:uri="http://schemas.microsoft.com/office/2006/metadata/contentType"/>
@@ -53924,4 +53907,21 @@
     <ds:schemaRef ds:uri="http://schemas.microsoft.com/internal/obd"/>
   </ds:schemaRefs>
 </ds:datastoreItem>
+</file>
+
+<file path=customXml/itemProps2.xml><?xml version="1.0" encoding="utf-8"?>
+<ds:datastoreItem xmlns:ds="http://schemas.openxmlformats.org/officeDocument/2006/customXml" ds:itemID="{0BD97C68-B59E-41E1-B6CE-FF954F133065}">
+  <ds:schemaRefs>
+    <ds:schemaRef ds:uri="http://schemas.microsoft.com/sharepoint/v3/contenttype/forms"/>
+  </ds:schemaRefs>
+</ds:datastoreItem>
+</file>
+
+<file path=customXml/itemProps3.xml><?xml version="1.0" encoding="utf-8"?>
+<ds:datastoreItem xmlns:ds="http://schemas.openxmlformats.org/officeDocument/2006/customXml" ds:itemID="{00903BAE-DDAE-402D-98CC-A6F112A5C05E}">
+  <ds:schemaRefs>
+    <ds:schemaRef ds:uri="http://schemas.microsoft.com/office/2006/metadata/properties"/>
+    <ds:schemaRef ds:uri="http://schemas.microsoft.com/office/infopath/2007/PartnerControls"/>
+  </ds:schemaRefs>
+</ds:datastoreItem>
 </file>
--- a/filesets/compete_snowflake/snowflake_migration_blockers.pptx
+++ b/filesets/compete_snowflake/snowflake_migration_blockers.pptx
@@ -220,7 +220,7 @@
           <a:p>
             <a:fld id="{C7103FDF-5845-2441-8890-D723FF5A85D0}" type="datetimeFigureOut">
               <a:rPr lang="en-US" smtClean="0"/>
-              <a:t>8/26/2020</a:t>
+              <a:t>9/28/20</a:t>
             </a:fld>
             <a:endParaRPr lang="en-US"/>
           </a:p>
@@ -33103,7 +33103,7 @@
             </a:ln>
             <a:extLst>
               <a:ext uri="{91240B29-F687-4f45-9708-019B960494DF}">
-                <a14:hiddenLine xmlns:a14="http://schemas.microsoft.com/office/drawing/2010/main" xmlns="" w="9525">
+                <a14:hiddenLine xmlns="" xmlns:a14="http://schemas.microsoft.com/office/drawing/2010/main" w="9525">
                   <a:solidFill>
                     <a:srgbClr val="000000"/>
                   </a:solidFill>
@@ -33155,7 +33155,7 @@
             </a:ln>
             <a:extLst>
               <a:ext uri="{91240B29-F687-4f45-9708-019B960494DF}">
-                <a14:hiddenLine xmlns:a14="http://schemas.microsoft.com/office/drawing/2010/main" xmlns="" w="9525">
+                <a14:hiddenLine xmlns="" xmlns:a14="http://schemas.microsoft.com/office/drawing/2010/main" w="9525">
                   <a:solidFill>
                     <a:srgbClr val="000000"/>
                   </a:solidFill>
@@ -33207,7 +33207,7 @@
             </a:ln>
             <a:extLst>
               <a:ext uri="{91240B29-F687-4f45-9708-019B960494DF}">
-                <a14:hiddenLine xmlns:a14="http://schemas.microsoft.com/office/drawing/2010/main" xmlns="" w="9525">
+                <a14:hiddenLine xmlns="" xmlns:a14="http://schemas.microsoft.com/office/drawing/2010/main" w="9525">
                   <a:solidFill>
                     <a:srgbClr val="000000"/>
                   </a:solidFill>
@@ -33259,7 +33259,7 @@
             </a:ln>
             <a:extLst>
               <a:ext uri="{91240B29-F687-4f45-9708-019B960494DF}">
-                <a14:hiddenLine xmlns:a14="http://schemas.microsoft.com/office/drawing/2010/main" xmlns="" w="9525">
+                <a14:hiddenLine xmlns="" xmlns:a14="http://schemas.microsoft.com/office/drawing/2010/main" w="9525">
                   <a:solidFill>
                     <a:srgbClr val="000000"/>
                   </a:solidFill>
@@ -33712,7 +33712,7 @@
             </a:ln>
             <a:extLst>
               <a:ext uri="{91240B29-F687-4f45-9708-019B960494DF}">
-                <a14:hiddenLine xmlns:a14="http://schemas.microsoft.com/office/drawing/2010/main" xmlns="" w="9525">
+                <a14:hiddenLine xmlns="" xmlns:a14="http://schemas.microsoft.com/office/drawing/2010/main" w="9525">
                   <a:solidFill>
                     <a:srgbClr val="000000"/>
                   </a:solidFill>
@@ -33962,7 +33962,7 @@
             </a:ln>
             <a:extLst>
               <a:ext uri="{91240B29-F687-4f45-9708-019B960494DF}">
-                <a14:hiddenLine xmlns:a14="http://schemas.microsoft.com/office/drawing/2010/main" xmlns="" w="9525">
+                <a14:hiddenLine xmlns="" xmlns:a14="http://schemas.microsoft.com/office/drawing/2010/main" w="9525">
                   <a:solidFill>
                     <a:srgbClr val="000000"/>
                   </a:solidFill>
@@ -34440,7 +34440,7 @@
             </a:ln>
             <a:extLst>
               <a:ext uri="{91240B29-F687-4f45-9708-019B960494DF}">
-                <a14:hiddenLine xmlns:a14="http://schemas.microsoft.com/office/drawing/2010/main" xmlns="" w="9525">
+                <a14:hiddenLine xmlns="" xmlns:a14="http://schemas.microsoft.com/office/drawing/2010/main" w="9525">
                   <a:solidFill>
                     <a:srgbClr val="000000"/>
                   </a:solidFill>
@@ -36433,7 +36433,7 @@
             </a:ln>
             <a:extLst>
               <a:ext uri="{91240B29-F687-4f45-9708-019B960494DF}">
-                <a14:hiddenLine xmlns:a14="http://schemas.microsoft.com/office/drawing/2010/main" xmlns="" w="9525">
+                <a14:hiddenLine xmlns="" xmlns:a14="http://schemas.microsoft.com/office/drawing/2010/main" w="9525">
                   <a:solidFill>
                     <a:srgbClr val="000000"/>
                   </a:solidFill>
@@ -36663,7 +36663,7 @@
             </a:ln>
             <a:extLst>
               <a:ext uri="{91240B29-F687-4f45-9708-019B960494DF}">
-                <a14:hiddenLine xmlns:a14="http://schemas.microsoft.com/office/drawing/2010/main" xmlns="" w="9525">
+                <a14:hiddenLine xmlns="" xmlns:a14="http://schemas.microsoft.com/office/drawing/2010/main" w="9525">
                   <a:solidFill>
                     <a:srgbClr val="000000"/>
                   </a:solidFill>
@@ -36773,7 +36773,7 @@
             </a:ln>
             <a:extLst>
               <a:ext uri="{91240B29-F687-4f45-9708-019B960494DF}">
-                <a14:hiddenLine xmlns:a14="http://schemas.microsoft.com/office/drawing/2010/main" xmlns="" w="9525">
+                <a14:hiddenLine xmlns="" xmlns:a14="http://schemas.microsoft.com/office/drawing/2010/main" w="9525">
                   <a:solidFill>
                     <a:srgbClr val="000000"/>
                   </a:solidFill>
@@ -37010,7 +37010,7 @@
             </a:ln>
             <a:extLst>
               <a:ext uri="{91240B29-F687-4f45-9708-019B960494DF}">
-                <a14:hiddenLine xmlns:a14="http://schemas.microsoft.com/office/drawing/2010/main" xmlns="" w="9525">
+                <a14:hiddenLine xmlns="" xmlns:a14="http://schemas.microsoft.com/office/drawing/2010/main" w="9525">
                   <a:solidFill>
                     <a:srgbClr val="000000"/>
                   </a:solidFill>
@@ -37633,7 +37633,7 @@
             </a:ln>
             <a:extLst>
               <a:ext uri="{91240B29-F687-4f45-9708-019B960494DF}">
-                <a14:hiddenLine xmlns:a14="http://schemas.microsoft.com/office/drawing/2010/main" xmlns="" w="9525">
+                <a14:hiddenLine xmlns="" xmlns:a14="http://schemas.microsoft.com/office/drawing/2010/main" w="9525">
                   <a:solidFill>
                     <a:srgbClr val="000000"/>
                   </a:solidFill>
@@ -38232,7 +38232,7 @@
             </a:ln>
             <a:extLst>
               <a:ext uri="{91240B29-F687-4f45-9708-019B960494DF}">
-                <a14:hiddenLine xmlns:a14="http://schemas.microsoft.com/office/drawing/2010/main" xmlns="" w="9525">
+                <a14:hiddenLine xmlns="" xmlns:a14="http://schemas.microsoft.com/office/drawing/2010/main" w="9525">
                   <a:solidFill>
                     <a:srgbClr val="000000"/>
                   </a:solidFill>
@@ -38831,7 +38831,7 @@
             </a:ln>
             <a:extLst>
               <a:ext uri="{91240B29-F687-4f45-9708-019B960494DF}">
-                <a14:hiddenLine xmlns:a14="http://schemas.microsoft.com/office/drawing/2010/main" xmlns="" w="9525">
+                <a14:hiddenLine xmlns="" xmlns:a14="http://schemas.microsoft.com/office/drawing/2010/main" w="9525">
                   <a:solidFill>
                     <a:srgbClr val="000000"/>
                   </a:solidFill>
@@ -46242,9 +46242,9 @@
         <p:grpSpPr>
           <a:xfrm>
             <a:off x="293855" y="3158745"/>
-            <a:ext cx="3152766" cy="1534161"/>
+            <a:ext cx="3152766" cy="1349495"/>
             <a:chOff x="812462" y="1646497"/>
-            <a:chExt cx="2647028" cy="1534161"/>
+            <a:chExt cx="2647028" cy="1349495"/>
           </a:xfrm>
         </p:grpSpPr>
         <p:sp>
@@ -46262,7 +46262,7 @@
           <p:spPr>
             <a:xfrm>
               <a:off x="812462" y="1980329"/>
-              <a:ext cx="2647028" cy="1200329"/>
+              <a:ext cx="2647028" cy="1015663"/>
             </a:xfrm>
             <a:prstGeom prst="rect">
               <a:avLst/>
@@ -46287,7 +46287,7 @@
                   <a:latin typeface="Arial" pitchFamily="34" charset="0"/>
                   <a:cs typeface="Arial" pitchFamily="34" charset="0"/>
                 </a:rPr>
-                <a:t>88% of the tables are SET tables which enforce uniqueness automatically, absence of this capability will require moving this complex logic to ETL.</a:t>
+                <a:t>SET tables enforce uniqueness automatically, absence of will require moving this complex logic to ETL.</a:t>
               </a:r>
             </a:p>
             <a:p>
@@ -47369,7 +47369,7 @@
             </a:ln>
             <a:extLst>
               <a:ext uri="{91240B29-F687-4f45-9708-019B960494DF}">
-                <a14:hiddenLine xmlns:a14="http://schemas.microsoft.com/office/drawing/2010/main" xmlns="" w="9525">
+                <a14:hiddenLine xmlns="" xmlns:a14="http://schemas.microsoft.com/office/drawing/2010/main" w="9525">
                   <a:solidFill>
                     <a:srgbClr val="000000"/>
                   </a:solidFill>
@@ -47421,7 +47421,7 @@
             </a:ln>
             <a:extLst>
               <a:ext uri="{91240B29-F687-4f45-9708-019B960494DF}">
-                <a14:hiddenLine xmlns:a14="http://schemas.microsoft.com/office/drawing/2010/main" xmlns="" w="9525">
+                <a14:hiddenLine xmlns="" xmlns:a14="http://schemas.microsoft.com/office/drawing/2010/main" w="9525">
                   <a:solidFill>
                     <a:srgbClr val="000000"/>
                   </a:solidFill>
@@ -47473,7 +47473,7 @@
             </a:ln>
             <a:extLst>
               <a:ext uri="{91240B29-F687-4f45-9708-019B960494DF}">
-                <a14:hiddenLine xmlns:a14="http://schemas.microsoft.com/office/drawing/2010/main" xmlns="" w="9525">
+                <a14:hiddenLine xmlns="" xmlns:a14="http://schemas.microsoft.com/office/drawing/2010/main" w="9525">
                   <a:solidFill>
                     <a:srgbClr val="000000"/>
                   </a:solidFill>
@@ -47525,7 +47525,7 @@
             </a:ln>
             <a:extLst>
               <a:ext uri="{91240B29-F687-4f45-9708-019B960494DF}">
-                <a14:hiddenLine xmlns:a14="http://schemas.microsoft.com/office/drawing/2010/main" xmlns="" w="9525">
+                <a14:hiddenLine xmlns="" xmlns:a14="http://schemas.microsoft.com/office/drawing/2010/main" w="9525">
                   <a:solidFill>
                     <a:srgbClr val="000000"/>
                   </a:solidFill>
@@ -47978,7 +47978,7 @@
             </a:ln>
             <a:extLst>
               <a:ext uri="{91240B29-F687-4f45-9708-019B960494DF}">
-                <a14:hiddenLine xmlns:a14="http://schemas.microsoft.com/office/drawing/2010/main" xmlns="" w="9525">
+                <a14:hiddenLine xmlns="" xmlns:a14="http://schemas.microsoft.com/office/drawing/2010/main" w="9525">
                   <a:solidFill>
                     <a:srgbClr val="000000"/>
                   </a:solidFill>
@@ -48228,7 +48228,7 @@
             </a:ln>
             <a:extLst>
               <a:ext uri="{91240B29-F687-4f45-9708-019B960494DF}">
-                <a14:hiddenLine xmlns:a14="http://schemas.microsoft.com/office/drawing/2010/main" xmlns="" w="9525">
+                <a14:hiddenLine xmlns="" xmlns:a14="http://schemas.microsoft.com/office/drawing/2010/main" w="9525">
                   <a:solidFill>
                     <a:srgbClr val="000000"/>
                   </a:solidFill>
@@ -48706,7 +48706,7 @@
             </a:ln>
             <a:extLst>
               <a:ext uri="{91240B29-F687-4f45-9708-019B960494DF}">
-                <a14:hiddenLine xmlns:a14="http://schemas.microsoft.com/office/drawing/2010/main" xmlns="" w="9525">
+                <a14:hiddenLine xmlns="" xmlns:a14="http://schemas.microsoft.com/office/drawing/2010/main" w="9525">
                   <a:solidFill>
                     <a:srgbClr val="000000"/>
                   </a:solidFill>
@@ -50699,7 +50699,7 @@
             </a:ln>
             <a:extLst>
               <a:ext uri="{91240B29-F687-4f45-9708-019B960494DF}">
-                <a14:hiddenLine xmlns:a14="http://schemas.microsoft.com/office/drawing/2010/main" xmlns="" w="9525">
+                <a14:hiddenLine xmlns="" xmlns:a14="http://schemas.microsoft.com/office/drawing/2010/main" w="9525">
                   <a:solidFill>
                     <a:srgbClr val="000000"/>
                   </a:solidFill>
@@ -50929,7 +50929,7 @@
             </a:ln>
             <a:extLst>
               <a:ext uri="{91240B29-F687-4f45-9708-019B960494DF}">
-                <a14:hiddenLine xmlns:a14="http://schemas.microsoft.com/office/drawing/2010/main" xmlns="" w="9525">
+                <a14:hiddenLine xmlns="" xmlns:a14="http://schemas.microsoft.com/office/drawing/2010/main" w="9525">
                   <a:solidFill>
                     <a:srgbClr val="000000"/>
                   </a:solidFill>
@@ -51039,7 +51039,7 @@
             </a:ln>
             <a:extLst>
               <a:ext uri="{91240B29-F687-4f45-9708-019B960494DF}">
-                <a14:hiddenLine xmlns:a14="http://schemas.microsoft.com/office/drawing/2010/main" xmlns="" w="9525">
+                <a14:hiddenLine xmlns="" xmlns:a14="http://schemas.microsoft.com/office/drawing/2010/main" w="9525">
                   <a:solidFill>
                     <a:srgbClr val="000000"/>
                   </a:solidFill>
@@ -51276,7 +51276,7 @@
             </a:ln>
             <a:extLst>
               <a:ext uri="{91240B29-F687-4f45-9708-019B960494DF}">
-                <a14:hiddenLine xmlns:a14="http://schemas.microsoft.com/office/drawing/2010/main" xmlns="" w="9525">
+                <a14:hiddenLine xmlns="" xmlns:a14="http://schemas.microsoft.com/office/drawing/2010/main" w="9525">
                   <a:solidFill>
                     <a:srgbClr val="000000"/>
                   </a:solidFill>
@@ -51899,7 +51899,7 @@
             </a:ln>
             <a:extLst>
               <a:ext uri="{91240B29-F687-4f45-9708-019B960494DF}">
-                <a14:hiddenLine xmlns:a14="http://schemas.microsoft.com/office/drawing/2010/main" xmlns="" w="9525">
+                <a14:hiddenLine xmlns="" xmlns:a14="http://schemas.microsoft.com/office/drawing/2010/main" w="9525">
                   <a:solidFill>
                     <a:srgbClr val="000000"/>
                   </a:solidFill>
@@ -52498,7 +52498,7 @@
             </a:ln>
             <a:extLst>
               <a:ext uri="{91240B29-F687-4f45-9708-019B960494DF}">
-                <a14:hiddenLine xmlns:a14="http://schemas.microsoft.com/office/drawing/2010/main" xmlns="" w="9525">
+                <a14:hiddenLine xmlns="" xmlns:a14="http://schemas.microsoft.com/office/drawing/2010/main" w="9525">
                   <a:solidFill>
                     <a:srgbClr val="000000"/>
                   </a:solidFill>
@@ -53097,7 +53097,7 @@
             </a:ln>
             <a:extLst>
               <a:ext uri="{91240B29-F687-4f45-9708-019B960494DF}">
-                <a14:hiddenLine xmlns:a14="http://schemas.microsoft.com/office/drawing/2010/main" xmlns="" w="9525">
+                <a14:hiddenLine xmlns="" xmlns:a14="http://schemas.microsoft.com/office/drawing/2010/main" w="9525">
                   <a:solidFill>
                     <a:srgbClr val="000000"/>
                   </a:solidFill>
@@ -53691,6 +53691,21 @@
 </file>
 
 <file path=customXml/item1.xml><?xml version="1.0" encoding="utf-8"?>
+<p:properties xmlns:p="http://schemas.microsoft.com/office/2006/metadata/properties" xmlns:xsi="http://www.w3.org/2001/XMLSchema-instance" xmlns:pc="http://schemas.microsoft.com/office/infopath/2007/PartnerControls">
+  <documentManagement/>
+</p:properties>
+</file>
+
+<file path=customXml/item2.xml><?xml version="1.0" encoding="utf-8"?>
+<?mso-contentType ?>
+<FormTemplates xmlns="http://schemas.microsoft.com/sharepoint/v3/contenttype/forms">
+  <Display>DocumentLibraryForm</Display>
+  <Edit>DocumentLibraryForm</Edit>
+  <New>DocumentLibraryForm</New>
+</FormTemplates>
+</file>
+
+<file path=customXml/item3.xml><?xml version="1.0" encoding="utf-8"?>
 <ct:contentTypeSchema xmlns:ct="http://schemas.microsoft.com/office/2006/metadata/contentType" xmlns:ma="http://schemas.microsoft.com/office/2006/metadata/properties/metaAttributes" ct:_="" ma:_="" ma:contentTypeName="Document" ma:contentTypeID="0x0101003CFE317AB703A0449742DE406C676985" ma:contentTypeVersion="" ma:contentTypeDescription="Create a new document." ma:contentTypeScope="" ma:versionID="075a0df9327dac238a362fa612ce7c78">
   <xsd:schema xmlns:xsd="http://www.w3.org/2001/XMLSchema" xmlns:xs="http://www.w3.org/2001/XMLSchema" xmlns:p="http://schemas.microsoft.com/office/2006/metadata/properties" xmlns:ns2="dfcad76c-8265-44a7-8256-4938e7b2ebda" xmlns:ns3="cb8bf1fc-3ac3-4ad2-bdcd-c166d58421a5" targetNamespace="http://schemas.microsoft.com/office/2006/metadata/properties" ma:root="true" ma:fieldsID="77d1d37617f2da2848f03c1ae57996a7" ns2:_="" ns3:_="">
     <xsd:import namespace="dfcad76c-8265-44a7-8256-4938e7b2ebda"/>
@@ -53875,22 +53890,24 @@
 </ct:contentTypeSchema>
 </file>
 
-<file path=customXml/item2.xml><?xml version="1.0" encoding="utf-8"?>
-<?mso-contentType ?>
-<FormTemplates xmlns="http://schemas.microsoft.com/sharepoint/v3/contenttype/forms">
-  <Display>DocumentLibraryForm</Display>
-  <Edit>DocumentLibraryForm</Edit>
-  <New>DocumentLibraryForm</New>
-</FormTemplates>
+<file path=customXml/itemProps1.xml><?xml version="1.0" encoding="utf-8"?>
+<ds:datastoreItem xmlns:ds="http://schemas.openxmlformats.org/officeDocument/2006/customXml" ds:itemID="{00903BAE-DDAE-402D-98CC-A6F112A5C05E}">
+  <ds:schemaRefs>
+    <ds:schemaRef ds:uri="http://schemas.microsoft.com/office/2006/metadata/properties"/>
+    <ds:schemaRef ds:uri="http://schemas.microsoft.com/office/infopath/2007/PartnerControls"/>
+  </ds:schemaRefs>
+</ds:datastoreItem>
 </file>
 
-<file path=customXml/item3.xml><?xml version="1.0" encoding="utf-8"?>
-<p:properties xmlns:p="http://schemas.microsoft.com/office/2006/metadata/properties" xmlns:xsi="http://www.w3.org/2001/XMLSchema-instance" xmlns:pc="http://schemas.microsoft.com/office/infopath/2007/PartnerControls">
-  <documentManagement/>
-</p:properties>
+<file path=customXml/itemProps2.xml><?xml version="1.0" encoding="utf-8"?>
+<ds:datastoreItem xmlns:ds="http://schemas.openxmlformats.org/officeDocument/2006/customXml" ds:itemID="{0BD97C68-B59E-41E1-B6CE-FF954F133065}">
+  <ds:schemaRefs>
+    <ds:schemaRef ds:uri="http://schemas.microsoft.com/sharepoint/v3/contenttype/forms"/>
+  </ds:schemaRefs>
+</ds:datastoreItem>
 </file>
 
-<file path=customXml/itemProps1.xml><?xml version="1.0" encoding="utf-8"?>
+<file path=customXml/itemProps3.xml><?xml version="1.0" encoding="utf-8"?>
 <ds:datastoreItem xmlns:ds="http://schemas.openxmlformats.org/officeDocument/2006/customXml" ds:itemID="{C19435C9-137C-432D-9CF9-8A130E755C7B}">
   <ds:schemaRefs>
     <ds:schemaRef ds:uri="http://schemas.microsoft.com/office/2006/metadata/contentType"/>
@@ -53907,21 +53924,4 @@
     <ds:schemaRef ds:uri="http://schemas.microsoft.com/internal/obd"/>
   </ds:schemaRefs>
 </ds:datastoreItem>
-</file>
-
-<file path=customXml/itemProps2.xml><?xml version="1.0" encoding="utf-8"?>
-<ds:datastoreItem xmlns:ds="http://schemas.openxmlformats.org/officeDocument/2006/customXml" ds:itemID="{0BD97C68-B59E-41E1-B6CE-FF954F133065}">
-  <ds:schemaRefs>
-    <ds:schemaRef ds:uri="http://schemas.microsoft.com/sharepoint/v3/contenttype/forms"/>
-  </ds:schemaRefs>
-</ds:datastoreItem>
-</file>
-
-<file path=customXml/itemProps3.xml><?xml version="1.0" encoding="utf-8"?>
-<ds:datastoreItem xmlns:ds="http://schemas.openxmlformats.org/officeDocument/2006/customXml" ds:itemID="{00903BAE-DDAE-402D-98CC-A6F112A5C05E}">
-  <ds:schemaRefs>
-    <ds:schemaRef ds:uri="http://schemas.microsoft.com/office/2006/metadata/properties"/>
-    <ds:schemaRef ds:uri="http://schemas.microsoft.com/office/infopath/2007/PartnerControls"/>
-  </ds:schemaRefs>
-</ds:datastoreItem>
 </file>
--- a/filesets/compete_snowflake/snowflake_migration_blockers.pptx
+++ b/filesets/compete_snowflake/snowflake_migration_blockers.pptx
@@ -220,7 +220,7 @@
           <a:p>
             <a:fld id="{C7103FDF-5845-2441-8890-D723FF5A85D0}" type="datetimeFigureOut">
               <a:rPr lang="en-US" smtClean="0"/>
-              <a:t>9/28/20</a:t>
+              <a:t>9/30/2020</a:t>
             </a:fld>
             <a:endParaRPr lang="en-US"/>
           </a:p>
@@ -31403,7 +31403,7 @@
                   <a:latin typeface="Arial" panose="020B0604020202020204" pitchFamily="34" charset="0"/>
                   <a:cs typeface="Arial" panose="020B0604020202020204" pitchFamily="34" charset="0"/>
                 </a:rPr>
-                <a:t>[1:3]}}</a:t>
+                <a:t>[1:2]}}</a:t>
               </a:r>
               <a:r>
                 <a:rPr lang="en-IN" sz="1200" dirty="0">
@@ -31547,7 +31547,7 @@
                   <a:latin typeface="Arial" panose="020B0604020202020204" pitchFamily="34" charset="0"/>
                   <a:cs typeface="Arial" panose="020B0604020202020204" pitchFamily="34" charset="0"/>
                 </a:rPr>
-                <a:t>[1:3]}} SET tables out of {{</a:t>
+                <a:t>[1:2]}} SET tables out of {{</a:t>
               </a:r>
               <a:r>
                 <a:rPr lang="en-IN" sz="1200" dirty="0" err="1">
@@ -31567,7 +31567,7 @@
                   <a:latin typeface="Arial" panose="020B0604020202020204" pitchFamily="34" charset="0"/>
                   <a:cs typeface="Arial" panose="020B0604020202020204" pitchFamily="34" charset="0"/>
                 </a:rPr>
-                <a:t>[1:4]}} ({{</a:t>
+                <a:t>[1:3]}} ({{</a:t>
               </a:r>
               <a:r>
                 <a:rPr lang="en-IN" sz="1200" dirty="0" err="1">
@@ -31587,7 +31587,7 @@
                   <a:latin typeface="Arial" panose="020B0604020202020204" pitchFamily="34" charset="0"/>
                   <a:cs typeface="Arial" panose="020B0604020202020204" pitchFamily="34" charset="0"/>
                 </a:rPr>
-                <a:t>[1:5]}}%)</a:t>
+                <a:t>[1:4]}}%)</a:t>
               </a:r>
             </a:p>
             <a:p>
@@ -31603,7 +31603,7 @@
                   <a:latin typeface="Arial" pitchFamily="34" charset="0"/>
                   <a:cs typeface="Arial" pitchFamily="34" charset="0"/>
                 </a:rPr>
-                <a:t>{{val:dat_snowflake_usage_per_type.csv[1:5]}}</a:t>
+                <a:t>{{val:dat_snowflake_usage_per_type.csv[1:4]}}</a:t>
               </a:r>
               <a:r>
                 <a:rPr lang="en-IN" sz="1200" dirty="0">
@@ -31659,7 +31659,7 @@
                   <a:latin typeface="Arial" pitchFamily="34" charset="0"/>
                   <a:cs typeface="Arial" pitchFamily="34" charset="0"/>
                 </a:rPr>
-                <a:t>[1:3]}} Join Indexes</a:t>
+                <a:t>[1:2]}} Join Indexes</a:t>
               </a:r>
             </a:p>
           </p:txBody>
@@ -31784,7 +31784,7 @@
                   <a:latin typeface="Arial" panose="020B0604020202020204" pitchFamily="34" charset="0"/>
                   <a:cs typeface="Arial" panose="020B0604020202020204" pitchFamily="34" charset="0"/>
                 </a:rPr>
-                <a:t>[1:3]}}</a:t>
+                <a:t>[1:2]}}</a:t>
               </a:r>
               <a:r>
                 <a:rPr lang="en-IN" sz="1200" dirty="0">
@@ -31821,7 +31821,7 @@
                   <a:latin typeface="Arial" panose="020B0604020202020204" pitchFamily="34" charset="0"/>
                   <a:cs typeface="Arial" panose="020B0604020202020204" pitchFamily="34" charset="0"/>
                 </a:rPr>
-                <a:t>[1:4]}}</a:t>
+                <a:t>[1:3]}}</a:t>
               </a:r>
               <a:r>
                 <a:rPr lang="en-IN" sz="1200" dirty="0">
@@ -31858,7 +31858,7 @@
                   <a:latin typeface="Arial" panose="020B0604020202020204" pitchFamily="34" charset="0"/>
                   <a:cs typeface="Arial" panose="020B0604020202020204" pitchFamily="34" charset="0"/>
                 </a:rPr>
-                <a:t>[1:5]}}</a:t>
+                <a:t>[1:4]}}</a:t>
               </a:r>
               <a:r>
                 <a:rPr lang="en-IN" sz="1200" dirty="0">
@@ -31993,7 +31993,7 @@
                   <a:latin typeface="Arial" panose="020B0604020202020204" pitchFamily="34" charset="0"/>
                   <a:cs typeface="Arial" panose="020B0604020202020204" pitchFamily="34" charset="0"/>
                 </a:rPr>
-                <a:t>[1:5]}}</a:t>
+                <a:t>[1:4]}}</a:t>
               </a:r>
               <a:r>
                 <a:rPr lang="en-IN" sz="1200" dirty="0">
@@ -32133,7 +32133,7 @@
                   <a:latin typeface="Arial" pitchFamily="34" charset="0"/>
                   <a:cs typeface="Arial" pitchFamily="34" charset="0"/>
                 </a:rPr>
-                <a:t>[1:4]}}  PPI Defined</a:t>
+                <a:t>[1:3]}}  PPI Defined</a:t>
               </a:r>
             </a:p>
           </p:txBody>
@@ -32258,7 +32258,7 @@
                   <a:latin typeface="Arial" panose="020B0604020202020204" pitchFamily="34" charset="0"/>
                   <a:cs typeface="Arial" panose="020B0604020202020204" pitchFamily="34" charset="0"/>
                 </a:rPr>
-                <a:t>[1:3]}}</a:t>
+                <a:t>[1:2]}}</a:t>
               </a:r>
               <a:r>
                 <a:rPr lang="en-IN" sz="1200" dirty="0">
@@ -32295,7 +32295,7 @@
                   <a:latin typeface="Arial" panose="020B0604020202020204" pitchFamily="34" charset="0"/>
                   <a:cs typeface="Arial" panose="020B0604020202020204" pitchFamily="34" charset="0"/>
                 </a:rPr>
-                <a:t>[1:4]}} </a:t>
+                <a:t>[1:3]}} </a:t>
               </a:r>
               <a:r>
                 <a:rPr lang="en-IN" sz="1200" dirty="0">
@@ -32332,7 +32332,7 @@
                   <a:latin typeface="Arial" panose="020B0604020202020204" pitchFamily="34" charset="0"/>
                   <a:cs typeface="Arial" panose="020B0604020202020204" pitchFamily="34" charset="0"/>
                 </a:rPr>
-                <a:t>[1:5]}} </a:t>
+                <a:t>[1:4]}} </a:t>
               </a:r>
               <a:r>
                 <a:rPr lang="en-IN" sz="1200" dirty="0">
@@ -32369,7 +32369,7 @@
                   <a:latin typeface="Arial" panose="020B0604020202020204" pitchFamily="34" charset="0"/>
                   <a:cs typeface="Arial" panose="020B0604020202020204" pitchFamily="34" charset="0"/>
                 </a:rPr>
-                <a:t>[1:6]}}</a:t>
+                <a:t>[1:5]}}</a:t>
               </a:r>
               <a:r>
                 <a:rPr lang="en-IN" sz="1200" dirty="0">
@@ -32406,7 +32406,7 @@
                   <a:latin typeface="Arial" panose="020B0604020202020204" pitchFamily="34" charset="0"/>
                   <a:cs typeface="Arial" panose="020B0604020202020204" pitchFamily="34" charset="0"/>
                 </a:rPr>
-                <a:t>[1:7]}} </a:t>
+                <a:t>[1:6]}} </a:t>
               </a:r>
               <a:r>
                 <a:rPr lang="en-IN" sz="1200" dirty="0">
@@ -32443,7 +32443,7 @@
                   <a:latin typeface="Arial" panose="020B0604020202020204" pitchFamily="34" charset="0"/>
                   <a:cs typeface="Arial" panose="020B0604020202020204" pitchFamily="34" charset="0"/>
                 </a:rPr>
-                <a:t>[1:8]}}</a:t>
+                <a:t>[1:7]}}</a:t>
               </a:r>
               <a:r>
                 <a:rPr lang="en-IN" sz="1200" dirty="0">
@@ -32480,7 +32480,7 @@
                   <a:latin typeface="Arial" panose="020B0604020202020204" pitchFamily="34" charset="0"/>
                   <a:cs typeface="Arial" panose="020B0604020202020204" pitchFamily="34" charset="0"/>
                 </a:rPr>
-                <a:t>[1:9]}}</a:t>
+                <a:t>[1:8]}}</a:t>
               </a:r>
               <a:r>
                 <a:rPr lang="en-IN" sz="1200" dirty="0">
@@ -33103,7 +33103,7 @@
             </a:ln>
             <a:extLst>
               <a:ext uri="{91240B29-F687-4f45-9708-019B960494DF}">
-                <a14:hiddenLine xmlns="" xmlns:a14="http://schemas.microsoft.com/office/drawing/2010/main" w="9525">
+                <a14:hiddenLine xmlns:a14="http://schemas.microsoft.com/office/drawing/2010/main" xmlns="" w="9525">
                   <a:solidFill>
                     <a:srgbClr val="000000"/>
                   </a:solidFill>
@@ -33155,7 +33155,7 @@
             </a:ln>
             <a:extLst>
               <a:ext uri="{91240B29-F687-4f45-9708-019B960494DF}">
-                <a14:hiddenLine xmlns="" xmlns:a14="http://schemas.microsoft.com/office/drawing/2010/main" w="9525">
+                <a14:hiddenLine xmlns:a14="http://schemas.microsoft.com/office/drawing/2010/main" xmlns="" w="9525">
                   <a:solidFill>
                     <a:srgbClr val="000000"/>
                   </a:solidFill>
@@ -33207,7 +33207,7 @@
             </a:ln>
             <a:extLst>
               <a:ext uri="{91240B29-F687-4f45-9708-019B960494DF}">
-                <a14:hiddenLine xmlns="" xmlns:a14="http://schemas.microsoft.com/office/drawing/2010/main" w="9525">
+                <a14:hiddenLine xmlns:a14="http://schemas.microsoft.com/office/drawing/2010/main" xmlns="" w="9525">
                   <a:solidFill>
                     <a:srgbClr val="000000"/>
                   </a:solidFill>
@@ -33259,7 +33259,7 @@
             </a:ln>
             <a:extLst>
               <a:ext uri="{91240B29-F687-4f45-9708-019B960494DF}">
-                <a14:hiddenLine xmlns="" xmlns:a14="http://schemas.microsoft.com/office/drawing/2010/main" w="9525">
+                <a14:hiddenLine xmlns:a14="http://schemas.microsoft.com/office/drawing/2010/main" xmlns="" w="9525">
                   <a:solidFill>
                     <a:srgbClr val="000000"/>
                   </a:solidFill>
@@ -33712,7 +33712,7 @@
             </a:ln>
             <a:extLst>
               <a:ext uri="{91240B29-F687-4f45-9708-019B960494DF}">
-                <a14:hiddenLine xmlns="" xmlns:a14="http://schemas.microsoft.com/office/drawing/2010/main" w="9525">
+                <a14:hiddenLine xmlns:a14="http://schemas.microsoft.com/office/drawing/2010/main" xmlns="" w="9525">
                   <a:solidFill>
                     <a:srgbClr val="000000"/>
                   </a:solidFill>
@@ -33962,7 +33962,7 @@
             </a:ln>
             <a:extLst>
               <a:ext uri="{91240B29-F687-4f45-9708-019B960494DF}">
-                <a14:hiddenLine xmlns="" xmlns:a14="http://schemas.microsoft.com/office/drawing/2010/main" w="9525">
+                <a14:hiddenLine xmlns:a14="http://schemas.microsoft.com/office/drawing/2010/main" xmlns="" w="9525">
                   <a:solidFill>
                     <a:srgbClr val="000000"/>
                   </a:solidFill>
@@ -34440,7 +34440,7 @@
             </a:ln>
             <a:extLst>
               <a:ext uri="{91240B29-F687-4f45-9708-019B960494DF}">
-                <a14:hiddenLine xmlns="" xmlns:a14="http://schemas.microsoft.com/office/drawing/2010/main" w="9525">
+                <a14:hiddenLine xmlns:a14="http://schemas.microsoft.com/office/drawing/2010/main" xmlns="" w="9525">
                   <a:solidFill>
                     <a:srgbClr val="000000"/>
                   </a:solidFill>
@@ -36433,7 +36433,7 @@
             </a:ln>
             <a:extLst>
               <a:ext uri="{91240B29-F687-4f45-9708-019B960494DF}">
-                <a14:hiddenLine xmlns="" xmlns:a14="http://schemas.microsoft.com/office/drawing/2010/main" w="9525">
+                <a14:hiddenLine xmlns:a14="http://schemas.microsoft.com/office/drawing/2010/main" xmlns="" w="9525">
                   <a:solidFill>
                     <a:srgbClr val="000000"/>
                   </a:solidFill>
@@ -36663,7 +36663,7 @@
             </a:ln>
             <a:extLst>
               <a:ext uri="{91240B29-F687-4f45-9708-019B960494DF}">
-                <a14:hiddenLine xmlns="" xmlns:a14="http://schemas.microsoft.com/office/drawing/2010/main" w="9525">
+                <a14:hiddenLine xmlns:a14="http://schemas.microsoft.com/office/drawing/2010/main" xmlns="" w="9525">
                   <a:solidFill>
                     <a:srgbClr val="000000"/>
                   </a:solidFill>
@@ -36773,7 +36773,7 @@
             </a:ln>
             <a:extLst>
               <a:ext uri="{91240B29-F687-4f45-9708-019B960494DF}">
-                <a14:hiddenLine xmlns="" xmlns:a14="http://schemas.microsoft.com/office/drawing/2010/main" w="9525">
+                <a14:hiddenLine xmlns:a14="http://schemas.microsoft.com/office/drawing/2010/main" xmlns="" w="9525">
                   <a:solidFill>
                     <a:srgbClr val="000000"/>
                   </a:solidFill>
@@ -37010,7 +37010,7 @@
             </a:ln>
             <a:extLst>
               <a:ext uri="{91240B29-F687-4f45-9708-019B960494DF}">
-                <a14:hiddenLine xmlns="" xmlns:a14="http://schemas.microsoft.com/office/drawing/2010/main" w="9525">
+                <a14:hiddenLine xmlns:a14="http://schemas.microsoft.com/office/drawing/2010/main" xmlns="" w="9525">
                   <a:solidFill>
                     <a:srgbClr val="000000"/>
                   </a:solidFill>
@@ -37633,7 +37633,7 @@
             </a:ln>
             <a:extLst>
               <a:ext uri="{91240B29-F687-4f45-9708-019B960494DF}">
-                <a14:hiddenLine xmlns="" xmlns:a14="http://schemas.microsoft.com/office/drawing/2010/main" w="9525">
+                <a14:hiddenLine xmlns:a14="http://schemas.microsoft.com/office/drawing/2010/main" xmlns="" w="9525">
                   <a:solidFill>
                     <a:srgbClr val="000000"/>
                   </a:solidFill>
@@ -38232,7 +38232,7 @@
             </a:ln>
             <a:extLst>
               <a:ext uri="{91240B29-F687-4f45-9708-019B960494DF}">
-                <a14:hiddenLine xmlns="" xmlns:a14="http://schemas.microsoft.com/office/drawing/2010/main" w="9525">
+                <a14:hiddenLine xmlns:a14="http://schemas.microsoft.com/office/drawing/2010/main" xmlns="" w="9525">
                   <a:solidFill>
                     <a:srgbClr val="000000"/>
                   </a:solidFill>
@@ -38831,7 +38831,7 @@
             </a:ln>
             <a:extLst>
               <a:ext uri="{91240B29-F687-4f45-9708-019B960494DF}">
-                <a14:hiddenLine xmlns="" xmlns:a14="http://schemas.microsoft.com/office/drawing/2010/main" w="9525">
+                <a14:hiddenLine xmlns:a14="http://schemas.microsoft.com/office/drawing/2010/main" xmlns="" w="9525">
                   <a:solidFill>
                     <a:srgbClr val="000000"/>
                   </a:solidFill>
@@ -47369,7 +47369,7 @@
             </a:ln>
             <a:extLst>
               <a:ext uri="{91240B29-F687-4f45-9708-019B960494DF}">
-                <a14:hiddenLine xmlns="" xmlns:a14="http://schemas.microsoft.com/office/drawing/2010/main" w="9525">
+                <a14:hiddenLine xmlns:a14="http://schemas.microsoft.com/office/drawing/2010/main" xmlns="" w="9525">
                   <a:solidFill>
                     <a:srgbClr val="000000"/>
                   </a:solidFill>
@@ -47421,7 +47421,7 @@
             </a:ln>
             <a:extLst>
               <a:ext uri="{91240B29-F687-4f45-9708-019B960494DF}">
-                <a14:hiddenLine xmlns="" xmlns:a14="http://schemas.microsoft.com/office/drawing/2010/main" w="9525">
+                <a14:hiddenLine xmlns:a14="http://schemas.microsoft.com/office/drawing/2010/main" xmlns="" w="9525">
                   <a:solidFill>
                     <a:srgbClr val="000000"/>
                   </a:solidFill>
@@ -47473,7 +47473,7 @@
             </a:ln>
             <a:extLst>
               <a:ext uri="{91240B29-F687-4f45-9708-019B960494DF}">
-                <a14:hiddenLine xmlns="" xmlns:a14="http://schemas.microsoft.com/office/drawing/2010/main" w="9525">
+                <a14:hiddenLine xmlns:a14="http://schemas.microsoft.com/office/drawing/2010/main" xmlns="" w="9525">
                   <a:solidFill>
                     <a:srgbClr val="000000"/>
                   </a:solidFill>
@@ -47525,7 +47525,7 @@
             </a:ln>
             <a:extLst>
               <a:ext uri="{91240B29-F687-4f45-9708-019B960494DF}">
-                <a14:hiddenLine xmlns="" xmlns:a14="http://schemas.microsoft.com/office/drawing/2010/main" w="9525">
+                <a14:hiddenLine xmlns:a14="http://schemas.microsoft.com/office/drawing/2010/main" xmlns="" w="9525">
                   <a:solidFill>
                     <a:srgbClr val="000000"/>
                   </a:solidFill>
@@ -47978,7 +47978,7 @@
             </a:ln>
             <a:extLst>
               <a:ext uri="{91240B29-F687-4f45-9708-019B960494DF}">
-                <a14:hiddenLine xmlns="" xmlns:a14="http://schemas.microsoft.com/office/drawing/2010/main" w="9525">
+                <a14:hiddenLine xmlns:a14="http://schemas.microsoft.com/office/drawing/2010/main" xmlns="" w="9525">
                   <a:solidFill>
                     <a:srgbClr val="000000"/>
                   </a:solidFill>
@@ -48228,7 +48228,7 @@
             </a:ln>
             <a:extLst>
               <a:ext uri="{91240B29-F687-4f45-9708-019B960494DF}">
-                <a14:hiddenLine xmlns="" xmlns:a14="http://schemas.microsoft.com/office/drawing/2010/main" w="9525">
+                <a14:hiddenLine xmlns:a14="http://schemas.microsoft.com/office/drawing/2010/main" xmlns="" w="9525">
                   <a:solidFill>
                     <a:srgbClr val="000000"/>
                   </a:solidFill>
@@ -48706,7 +48706,7 @@
             </a:ln>
             <a:extLst>
               <a:ext uri="{91240B29-F687-4f45-9708-019B960494DF}">
-                <a14:hiddenLine xmlns="" xmlns:a14="http://schemas.microsoft.com/office/drawing/2010/main" w="9525">
+                <a14:hiddenLine xmlns:a14="http://schemas.microsoft.com/office/drawing/2010/main" xmlns="" w="9525">
                   <a:solidFill>
                     <a:srgbClr val="000000"/>
                   </a:solidFill>
@@ -50699,7 +50699,7 @@
             </a:ln>
             <a:extLst>
               <a:ext uri="{91240B29-F687-4f45-9708-019B960494DF}">
-                <a14:hiddenLine xmlns="" xmlns:a14="http://schemas.microsoft.com/office/drawing/2010/main" w="9525">
+                <a14:hiddenLine xmlns:a14="http://schemas.microsoft.com/office/drawing/2010/main" xmlns="" w="9525">
                   <a:solidFill>
                     <a:srgbClr val="000000"/>
                   </a:solidFill>
@@ -50929,7 +50929,7 @@
             </a:ln>
             <a:extLst>
               <a:ext uri="{91240B29-F687-4f45-9708-019B960494DF}">
-                <a14:hiddenLine xmlns="" xmlns:a14="http://schemas.microsoft.com/office/drawing/2010/main" w="9525">
+                <a14:hiddenLine xmlns:a14="http://schemas.microsoft.com/office/drawing/2010/main" xmlns="" w="9525">
                   <a:solidFill>
                     <a:srgbClr val="000000"/>
                   </a:solidFill>
@@ -51039,7 +51039,7 @@
             </a:ln>
             <a:extLst>
               <a:ext uri="{91240B29-F687-4f45-9708-019B960494DF}">
-                <a14:hiddenLine xmlns="" xmlns:a14="http://schemas.microsoft.com/office/drawing/2010/main" w="9525">
+                <a14:hiddenLine xmlns:a14="http://schemas.microsoft.com/office/drawing/2010/main" xmlns="" w="9525">
                   <a:solidFill>
                     <a:srgbClr val="000000"/>
                   </a:solidFill>
@@ -51276,7 +51276,7 @@
             </a:ln>
             <a:extLst>
               <a:ext uri="{91240B29-F687-4f45-9708-019B960494DF}">
-                <a14:hiddenLine xmlns="" xmlns:a14="http://schemas.microsoft.com/office/drawing/2010/main" w="9525">
+                <a14:hiddenLine xmlns:a14="http://schemas.microsoft.com/office/drawing/2010/main" xmlns="" w="9525">
                   <a:solidFill>
                     <a:srgbClr val="000000"/>
                   </a:solidFill>
@@ -51899,7 +51899,7 @@
             </a:ln>
             <a:extLst>
               <a:ext uri="{91240B29-F687-4f45-9708-019B960494DF}">
-                <a14:hiddenLine xmlns="" xmlns:a14="http://schemas.microsoft.com/office/drawing/2010/main" w="9525">
+                <a14:hiddenLine xmlns:a14="http://schemas.microsoft.com/office/drawing/2010/main" xmlns="" w="9525">
                   <a:solidFill>
                     <a:srgbClr val="000000"/>
                   </a:solidFill>
@@ -52498,7 +52498,7 @@
             </a:ln>
             <a:extLst>
               <a:ext uri="{91240B29-F687-4f45-9708-019B960494DF}">
-                <a14:hiddenLine xmlns="" xmlns:a14="http://schemas.microsoft.com/office/drawing/2010/main" w="9525">
+                <a14:hiddenLine xmlns:a14="http://schemas.microsoft.com/office/drawing/2010/main" xmlns="" w="9525">
                   <a:solidFill>
                     <a:srgbClr val="000000"/>
                   </a:solidFill>
@@ -53097,7 +53097,7 @@
             </a:ln>
             <a:extLst>
               <a:ext uri="{91240B29-F687-4f45-9708-019B960494DF}">
-                <a14:hiddenLine xmlns="" xmlns:a14="http://schemas.microsoft.com/office/drawing/2010/main" w="9525">
+                <a14:hiddenLine xmlns:a14="http://schemas.microsoft.com/office/drawing/2010/main" xmlns="" w="9525">
                   <a:solidFill>
                     <a:srgbClr val="000000"/>
                   </a:solidFill>
@@ -53691,21 +53691,6 @@
 </file>
 
 <file path=customXml/item1.xml><?xml version="1.0" encoding="utf-8"?>
-<p:properties xmlns:p="http://schemas.microsoft.com/office/2006/metadata/properties" xmlns:xsi="http://www.w3.org/2001/XMLSchema-instance" xmlns:pc="http://schemas.microsoft.com/office/infopath/2007/PartnerControls">
-  <documentManagement/>
-</p:properties>
-</file>
-
-<file path=customXml/item2.xml><?xml version="1.0" encoding="utf-8"?>
-<?mso-contentType ?>
-<FormTemplates xmlns="http://schemas.microsoft.com/sharepoint/v3/contenttype/forms">
-  <Display>DocumentLibraryForm</Display>
-  <Edit>DocumentLibraryForm</Edit>
-  <New>DocumentLibraryForm</New>
-</FormTemplates>
-</file>
-
-<file path=customXml/item3.xml><?xml version="1.0" encoding="utf-8"?>
 <ct:contentTypeSchema xmlns:ct="http://schemas.microsoft.com/office/2006/metadata/contentType" xmlns:ma="http://schemas.microsoft.com/office/2006/metadata/properties/metaAttributes" ct:_="" ma:_="" ma:contentTypeName="Document" ma:contentTypeID="0x0101003CFE317AB703A0449742DE406C676985" ma:contentTypeVersion="" ma:contentTypeDescription="Create a new document." ma:contentTypeScope="" ma:versionID="075a0df9327dac238a362fa612ce7c78">
   <xsd:schema xmlns:xsd="http://www.w3.org/2001/XMLSchema" xmlns:xs="http://www.w3.org/2001/XMLSchema" xmlns:p="http://schemas.microsoft.com/office/2006/metadata/properties" xmlns:ns2="dfcad76c-8265-44a7-8256-4938e7b2ebda" xmlns:ns3="cb8bf1fc-3ac3-4ad2-bdcd-c166d58421a5" targetNamespace="http://schemas.microsoft.com/office/2006/metadata/properties" ma:root="true" ma:fieldsID="77d1d37617f2da2848f03c1ae57996a7" ns2:_="" ns3:_="">
     <xsd:import namespace="dfcad76c-8265-44a7-8256-4938e7b2ebda"/>
@@ -53890,24 +53875,22 @@
 </ct:contentTypeSchema>
 </file>
 
-<file path=customXml/itemProps1.xml><?xml version="1.0" encoding="utf-8"?>
-<ds:datastoreItem xmlns:ds="http://schemas.openxmlformats.org/officeDocument/2006/customXml" ds:itemID="{00903BAE-DDAE-402D-98CC-A6F112A5C05E}">
-  <ds:schemaRefs>
-    <ds:schemaRef ds:uri="http://schemas.microsoft.com/office/2006/metadata/properties"/>
-    <ds:schemaRef ds:uri="http://schemas.microsoft.com/office/infopath/2007/PartnerControls"/>
-  </ds:schemaRefs>
-</ds:datastoreItem>
+<file path=customXml/item2.xml><?xml version="1.0" encoding="utf-8"?>
+<?mso-contentType ?>
+<FormTemplates xmlns="http://schemas.microsoft.com/sharepoint/v3/contenttype/forms">
+  <Display>DocumentLibraryForm</Display>
+  <Edit>DocumentLibraryForm</Edit>
+  <New>DocumentLibraryForm</New>
+</FormTemplates>
 </file>
 
-<file path=customXml/itemProps2.xml><?xml version="1.0" encoding="utf-8"?>
-<ds:datastoreItem xmlns:ds="http://schemas.openxmlformats.org/officeDocument/2006/customXml" ds:itemID="{0BD97C68-B59E-41E1-B6CE-FF954F133065}">
-  <ds:schemaRefs>
-    <ds:schemaRef ds:uri="http://schemas.microsoft.com/sharepoint/v3/contenttype/forms"/>
-  </ds:schemaRefs>
-</ds:datastoreItem>
+<file path=customXml/item3.xml><?xml version="1.0" encoding="utf-8"?>
+<p:properties xmlns:p="http://schemas.microsoft.com/office/2006/metadata/properties" xmlns:xsi="http://www.w3.org/2001/XMLSchema-instance" xmlns:pc="http://schemas.microsoft.com/office/infopath/2007/PartnerControls">
+  <documentManagement/>
+</p:properties>
 </file>
 
-<file path=customXml/itemProps3.xml><?xml version="1.0" encoding="utf-8"?>
+<file path=customXml/itemProps1.xml><?xml version="1.0" encoding="utf-8"?>
 <ds:datastoreItem xmlns:ds="http://schemas.openxmlformats.org/officeDocument/2006/customXml" ds:itemID="{C19435C9-137C-432D-9CF9-8A130E755C7B}">
   <ds:schemaRefs>
     <ds:schemaRef ds:uri="http://schemas.microsoft.com/office/2006/metadata/contentType"/>
@@ -53924,4 +53907,21 @@
     <ds:schemaRef ds:uri="http://schemas.microsoft.com/internal/obd"/>
   </ds:schemaRefs>
 </ds:datastoreItem>
+</file>
+
+<file path=customXml/itemProps2.xml><?xml version="1.0" encoding="utf-8"?>
+<ds:datastoreItem xmlns:ds="http://schemas.openxmlformats.org/officeDocument/2006/customXml" ds:itemID="{0BD97C68-B59E-41E1-B6CE-FF954F133065}">
+  <ds:schemaRefs>
+    <ds:schemaRef ds:uri="http://schemas.microsoft.com/sharepoint/v3/contenttype/forms"/>
+  </ds:schemaRefs>
+</ds:datastoreItem>
+</file>
+
+<file path=customXml/itemProps3.xml><?xml version="1.0" encoding="utf-8"?>
+<ds:datastoreItem xmlns:ds="http://schemas.openxmlformats.org/officeDocument/2006/customXml" ds:itemID="{00903BAE-DDAE-402D-98CC-A6F112A5C05E}">
+  <ds:schemaRefs>
+    <ds:schemaRef ds:uri="http://schemas.microsoft.com/office/2006/metadata/properties"/>
+    <ds:schemaRef ds:uri="http://schemas.microsoft.com/office/infopath/2007/PartnerControls"/>
+  </ds:schemaRefs>
+</ds:datastoreItem>
 </file>